--- a/Levels.pptx
+++ b/Levels.pptx
@@ -5,31 +5,32 @@
     <p:sldMasterId id="2147483648" r:id="rId1"/>
   </p:sldMasterIdLst>
   <p:notesMasterIdLst>
-    <p:notesMasterId r:id="rId24"/>
+    <p:notesMasterId r:id="rId25"/>
   </p:notesMasterIdLst>
   <p:sldIdLst>
-    <p:sldId id="256" r:id="rId2"/>
-    <p:sldId id="257" r:id="rId3"/>
-    <p:sldId id="258" r:id="rId4"/>
-    <p:sldId id="259" r:id="rId5"/>
-    <p:sldId id="260" r:id="rId6"/>
-    <p:sldId id="277" r:id="rId7"/>
-    <p:sldId id="278" r:id="rId8"/>
-    <p:sldId id="262" r:id="rId9"/>
-    <p:sldId id="263" r:id="rId10"/>
-    <p:sldId id="264" r:id="rId11"/>
-    <p:sldId id="265" r:id="rId12"/>
-    <p:sldId id="266" r:id="rId13"/>
-    <p:sldId id="267" r:id="rId14"/>
-    <p:sldId id="268" r:id="rId15"/>
-    <p:sldId id="269" r:id="rId16"/>
-    <p:sldId id="270" r:id="rId17"/>
-    <p:sldId id="271" r:id="rId18"/>
-    <p:sldId id="272" r:id="rId19"/>
-    <p:sldId id="273" r:id="rId20"/>
-    <p:sldId id="274" r:id="rId21"/>
-    <p:sldId id="275" r:id="rId22"/>
-    <p:sldId id="276" r:id="rId23"/>
+    <p:sldId id="279" r:id="rId2"/>
+    <p:sldId id="256" r:id="rId3"/>
+    <p:sldId id="257" r:id="rId4"/>
+    <p:sldId id="258" r:id="rId5"/>
+    <p:sldId id="259" r:id="rId6"/>
+    <p:sldId id="260" r:id="rId7"/>
+    <p:sldId id="277" r:id="rId8"/>
+    <p:sldId id="278" r:id="rId9"/>
+    <p:sldId id="262" r:id="rId10"/>
+    <p:sldId id="263" r:id="rId11"/>
+    <p:sldId id="264" r:id="rId12"/>
+    <p:sldId id="265" r:id="rId13"/>
+    <p:sldId id="266" r:id="rId14"/>
+    <p:sldId id="267" r:id="rId15"/>
+    <p:sldId id="268" r:id="rId16"/>
+    <p:sldId id="269" r:id="rId17"/>
+    <p:sldId id="270" r:id="rId18"/>
+    <p:sldId id="271" r:id="rId19"/>
+    <p:sldId id="272" r:id="rId20"/>
+    <p:sldId id="273" r:id="rId21"/>
+    <p:sldId id="274" r:id="rId22"/>
+    <p:sldId id="275" r:id="rId23"/>
+    <p:sldId id="276" r:id="rId24"/>
   </p:sldIdLst>
   <p:sldSz cx="12192000" cy="6858000"/>
   <p:notesSz cx="6858000" cy="9144000"/>
@@ -218,7 +219,7 @@
           <a:p>
             <a:fld id="{A47E1DF6-CA5D-4315-A5CF-CE11280623C8}" type="datetimeFigureOut">
               <a:rPr lang="en-US" smtClean="0"/>
-              <a:t>6/1/2021</a:t>
+              <a:t>6/5/2021</a:t>
             </a:fld>
             <a:endParaRPr lang="en-US"/>
           </a:p>
@@ -550,7 +551,7 @@
           <a:p>
             <a:fld id="{5A21DBBC-4ACB-4135-954F-DEBE6C4D82CB}" type="slidenum">
               <a:rPr lang="en-US" smtClean="0"/>
-              <a:t>1</a:t>
+              <a:t>2</a:t>
             </a:fld>
             <a:endParaRPr lang="en-US"/>
           </a:p>
@@ -716,7 +717,7 @@
           <a:p>
             <a:fld id="{EF8D6CDD-C5A6-426F-B60F-F614F6207E1B}" type="datetimeFigureOut">
               <a:rPr lang="en-US" smtClean="0"/>
-              <a:t>6/1/2021</a:t>
+              <a:t>6/5/2021</a:t>
             </a:fld>
             <a:endParaRPr lang="en-US"/>
           </a:p>
@@ -914,7 +915,7 @@
           <a:p>
             <a:fld id="{EF8D6CDD-C5A6-426F-B60F-F614F6207E1B}" type="datetimeFigureOut">
               <a:rPr lang="en-US" smtClean="0"/>
-              <a:t>6/1/2021</a:t>
+              <a:t>6/5/2021</a:t>
             </a:fld>
             <a:endParaRPr lang="en-US"/>
           </a:p>
@@ -1122,7 +1123,7 @@
           <a:p>
             <a:fld id="{EF8D6CDD-C5A6-426F-B60F-F614F6207E1B}" type="datetimeFigureOut">
               <a:rPr lang="en-US" smtClean="0"/>
-              <a:t>6/1/2021</a:t>
+              <a:t>6/5/2021</a:t>
             </a:fld>
             <a:endParaRPr lang="en-US"/>
           </a:p>
@@ -1320,7 +1321,7 @@
           <a:p>
             <a:fld id="{EF8D6CDD-C5A6-426F-B60F-F614F6207E1B}" type="datetimeFigureOut">
               <a:rPr lang="en-US" smtClean="0"/>
-              <a:t>6/1/2021</a:t>
+              <a:t>6/5/2021</a:t>
             </a:fld>
             <a:endParaRPr lang="en-US"/>
           </a:p>
@@ -1595,7 +1596,7 @@
           <a:p>
             <a:fld id="{EF8D6CDD-C5A6-426F-B60F-F614F6207E1B}" type="datetimeFigureOut">
               <a:rPr lang="en-US" smtClean="0"/>
-              <a:t>6/1/2021</a:t>
+              <a:t>6/5/2021</a:t>
             </a:fld>
             <a:endParaRPr lang="en-US"/>
           </a:p>
@@ -1860,7 +1861,7 @@
           <a:p>
             <a:fld id="{EF8D6CDD-C5A6-426F-B60F-F614F6207E1B}" type="datetimeFigureOut">
               <a:rPr lang="en-US" smtClean="0"/>
-              <a:t>6/1/2021</a:t>
+              <a:t>6/5/2021</a:t>
             </a:fld>
             <a:endParaRPr lang="en-US"/>
           </a:p>
@@ -2272,7 +2273,7 @@
           <a:p>
             <a:fld id="{EF8D6CDD-C5A6-426F-B60F-F614F6207E1B}" type="datetimeFigureOut">
               <a:rPr lang="en-US" smtClean="0"/>
-              <a:t>6/1/2021</a:t>
+              <a:t>6/5/2021</a:t>
             </a:fld>
             <a:endParaRPr lang="en-US"/>
           </a:p>
@@ -2413,7 +2414,7 @@
           <a:p>
             <a:fld id="{EF8D6CDD-C5A6-426F-B60F-F614F6207E1B}" type="datetimeFigureOut">
               <a:rPr lang="en-US" smtClean="0"/>
-              <a:t>6/1/2021</a:t>
+              <a:t>6/5/2021</a:t>
             </a:fld>
             <a:endParaRPr lang="en-US"/>
           </a:p>
@@ -2526,7 +2527,7 @@
           <a:p>
             <a:fld id="{EF8D6CDD-C5A6-426F-B60F-F614F6207E1B}" type="datetimeFigureOut">
               <a:rPr lang="en-US" smtClean="0"/>
-              <a:t>6/1/2021</a:t>
+              <a:t>6/5/2021</a:t>
             </a:fld>
             <a:endParaRPr lang="en-US"/>
           </a:p>
@@ -2837,7 +2838,7 @@
           <a:p>
             <a:fld id="{EF8D6CDD-C5A6-426F-B60F-F614F6207E1B}" type="datetimeFigureOut">
               <a:rPr lang="en-US" smtClean="0"/>
-              <a:t>6/1/2021</a:t>
+              <a:t>6/5/2021</a:t>
             </a:fld>
             <a:endParaRPr lang="en-US"/>
           </a:p>
@@ -3125,7 +3126,7 @@
           <a:p>
             <a:fld id="{EF8D6CDD-C5A6-426F-B60F-F614F6207E1B}" type="datetimeFigureOut">
               <a:rPr lang="en-US" smtClean="0"/>
-              <a:t>6/1/2021</a:t>
+              <a:t>6/5/2021</a:t>
             </a:fld>
             <a:endParaRPr lang="en-US"/>
           </a:p>
@@ -3366,7 +3367,7 @@
           <a:p>
             <a:fld id="{EF8D6CDD-C5A6-426F-B60F-F614F6207E1B}" type="datetimeFigureOut">
               <a:rPr lang="en-US" smtClean="0"/>
-              <a:t>6/1/2021</a:t>
+              <a:t>6/5/2021</a:t>
             </a:fld>
             <a:endParaRPr lang="en-US"/>
           </a:p>
@@ -3785,681 +3786,33 @@
       </p:grpSpPr>
       <p:pic>
         <p:nvPicPr>
-          <p:cNvPr id="6" name="Picture 5" descr="Icon&#10;&#10;Description automatically generated">
-            <a:extLst>
-              <a:ext uri="{FF2B5EF4-FFF2-40B4-BE49-F238E27FC236}">
-                <a16:creationId xmlns:a16="http://schemas.microsoft.com/office/drawing/2014/main" id="{5E96D79E-4951-403B-9EAD-0BB3B84896C5}"/>
-              </a:ext>
-            </a:extLst>
-          </p:cNvPr>
-          <p:cNvPicPr>
-            <a:picLocks noChangeAspect="1"/>
-          </p:cNvPicPr>
-          <p:nvPr/>
-        </p:nvPicPr>
-        <p:blipFill>
-          <a:blip r:embed="rId3">
-            <a:extLst>
-              <a:ext uri="{28A0092B-C50C-407E-A947-70E740481C1C}">
-                <a14:useLocalDpi xmlns:a14="http://schemas.microsoft.com/office/drawing/2010/main" val="0"/>
-              </a:ext>
-            </a:extLst>
-          </a:blip>
-          <a:stretch>
-            <a:fillRect/>
-          </a:stretch>
-        </p:blipFill>
-        <p:spPr>
-          <a:xfrm>
-            <a:off x="9802427" y="4179163"/>
-            <a:ext cx="914400" cy="914400"/>
-          </a:xfrm>
-          <a:prstGeom prst="rect">
-            <a:avLst/>
-          </a:prstGeom>
-        </p:spPr>
-      </p:pic>
-      <p:pic>
-        <p:nvPicPr>
-          <p:cNvPr id="10" name="Picture 9" descr="A black rectangle with white squares&#10;&#10;Description automatically generated with low confidence">
-            <a:extLst>
-              <a:ext uri="{FF2B5EF4-FFF2-40B4-BE49-F238E27FC236}">
-                <a16:creationId xmlns:a16="http://schemas.microsoft.com/office/drawing/2014/main" id="{2DCB0E22-9B7B-49DC-A23A-2B37DF484382}"/>
-              </a:ext>
-            </a:extLst>
-          </p:cNvPr>
-          <p:cNvPicPr>
-            <a:picLocks noChangeAspect="1"/>
-          </p:cNvPicPr>
-          <p:nvPr/>
-        </p:nvPicPr>
-        <p:blipFill>
-          <a:blip r:embed="rId4">
-            <a:extLst>
-              <a:ext uri="{28A0092B-C50C-407E-A947-70E740481C1C}">
-                <a14:useLocalDpi xmlns:a14="http://schemas.microsoft.com/office/drawing/2010/main" val="0"/>
-              </a:ext>
-            </a:extLst>
-          </a:blip>
-          <a:stretch>
-            <a:fillRect/>
-          </a:stretch>
-        </p:blipFill>
-        <p:spPr>
-          <a:xfrm>
-            <a:off x="3952043" y="2971800"/>
-            <a:ext cx="914400" cy="914400"/>
-          </a:xfrm>
-          <a:prstGeom prst="rect">
-            <a:avLst/>
-          </a:prstGeom>
-        </p:spPr>
-      </p:pic>
-      <p:pic>
-        <p:nvPicPr>
-          <p:cNvPr id="12" name="Picture 11" descr="A picture containing text, television, monitor, screen&#10;&#10;Description automatically generated">
-            <a:extLst>
-              <a:ext uri="{FF2B5EF4-FFF2-40B4-BE49-F238E27FC236}">
-                <a16:creationId xmlns:a16="http://schemas.microsoft.com/office/drawing/2014/main" id="{84B76F10-7B4E-4D33-BCEE-B51D1BEC978D}"/>
-              </a:ext>
-            </a:extLst>
-          </p:cNvPr>
-          <p:cNvPicPr>
-            <a:picLocks noChangeAspect="1"/>
-          </p:cNvPicPr>
-          <p:nvPr/>
-        </p:nvPicPr>
-        <p:blipFill>
-          <a:blip r:embed="rId5">
-            <a:extLst>
-              <a:ext uri="{28A0092B-C50C-407E-A947-70E740481C1C}">
-                <a14:useLocalDpi xmlns:a14="http://schemas.microsoft.com/office/drawing/2010/main" val="0"/>
-              </a:ext>
-            </a:extLst>
-          </a:blip>
-          <a:stretch>
-            <a:fillRect/>
-          </a:stretch>
-        </p:blipFill>
-        <p:spPr>
-          <a:xfrm>
-            <a:off x="1492928" y="2625571"/>
-            <a:ext cx="914400" cy="914400"/>
-          </a:xfrm>
-          <a:prstGeom prst="rect">
-            <a:avLst/>
-          </a:prstGeom>
-        </p:spPr>
-      </p:pic>
-      <p:pic>
-        <p:nvPicPr>
-          <p:cNvPr id="14" name="Picture 13" descr="Icon&#10;&#10;Description automatically generated">
-            <a:extLst>
-              <a:ext uri="{FF2B5EF4-FFF2-40B4-BE49-F238E27FC236}">
-                <a16:creationId xmlns:a16="http://schemas.microsoft.com/office/drawing/2014/main" id="{685B9065-BFEC-432E-9D6B-D0D1F7228555}"/>
-              </a:ext>
-            </a:extLst>
-          </p:cNvPr>
-          <p:cNvPicPr>
-            <a:picLocks noChangeAspect="1"/>
-          </p:cNvPicPr>
-          <p:nvPr/>
-        </p:nvPicPr>
-        <p:blipFill>
-          <a:blip r:embed="rId6">
-            <a:extLst>
-              <a:ext uri="{28A0092B-C50C-407E-A947-70E740481C1C}">
-                <a14:useLocalDpi xmlns:a14="http://schemas.microsoft.com/office/drawing/2010/main" val="0"/>
-              </a:ext>
-            </a:extLst>
-          </a:blip>
-          <a:stretch>
-            <a:fillRect/>
-          </a:stretch>
-        </p:blipFill>
-        <p:spPr>
-          <a:xfrm>
-            <a:off x="9553852" y="1542496"/>
-            <a:ext cx="914400" cy="914400"/>
-          </a:xfrm>
-          <a:prstGeom prst="rect">
-            <a:avLst/>
-          </a:prstGeom>
-        </p:spPr>
-      </p:pic>
-      <p:pic>
-        <p:nvPicPr>
-          <p:cNvPr id="16" name="Picture 15" descr="Chart, histogram&#10;&#10;Description automatically generated">
-            <a:extLst>
-              <a:ext uri="{FF2B5EF4-FFF2-40B4-BE49-F238E27FC236}">
-                <a16:creationId xmlns:a16="http://schemas.microsoft.com/office/drawing/2014/main" id="{C021524B-EE26-4F60-A34B-2148998ADAD7}"/>
-              </a:ext>
-            </a:extLst>
-          </p:cNvPr>
-          <p:cNvPicPr>
-            <a:picLocks noChangeAspect="1"/>
-          </p:cNvPicPr>
-          <p:nvPr/>
-        </p:nvPicPr>
-        <p:blipFill>
-          <a:blip r:embed="rId7">
-            <a:extLst>
-              <a:ext uri="{28A0092B-C50C-407E-A947-70E740481C1C}">
-                <a14:useLocalDpi xmlns:a14="http://schemas.microsoft.com/office/drawing/2010/main" val="0"/>
-              </a:ext>
-            </a:extLst>
-          </a:blip>
-          <a:stretch>
-            <a:fillRect/>
-          </a:stretch>
-        </p:blipFill>
-        <p:spPr>
-          <a:xfrm>
-            <a:off x="4409243" y="912180"/>
-            <a:ext cx="914400" cy="914400"/>
-          </a:xfrm>
-          <a:prstGeom prst="rect">
-            <a:avLst/>
-          </a:prstGeom>
-        </p:spPr>
-      </p:pic>
-      <p:pic>
-        <p:nvPicPr>
-          <p:cNvPr id="20" name="Picture 19" descr="Logo&#10;&#10;Description automatically generated">
-            <a:extLst>
-              <a:ext uri="{FF2B5EF4-FFF2-40B4-BE49-F238E27FC236}">
-                <a16:creationId xmlns:a16="http://schemas.microsoft.com/office/drawing/2014/main" id="{397281DB-2EFE-4E73-9C9B-6703A78DD660}"/>
-              </a:ext>
-            </a:extLst>
-          </p:cNvPr>
-          <p:cNvPicPr>
-            <a:picLocks noChangeAspect="1"/>
-          </p:cNvPicPr>
-          <p:nvPr/>
-        </p:nvPicPr>
-        <p:blipFill>
-          <a:blip r:embed="rId8">
-            <a:extLst>
-              <a:ext uri="{28A0092B-C50C-407E-A947-70E740481C1C}">
-                <a14:useLocalDpi xmlns:a14="http://schemas.microsoft.com/office/drawing/2010/main" val="0"/>
-              </a:ext>
-            </a:extLst>
-          </a:blip>
-          <a:stretch>
-            <a:fillRect/>
-          </a:stretch>
-        </p:blipFill>
-        <p:spPr>
-          <a:xfrm>
-            <a:off x="8420911" y="4232665"/>
-            <a:ext cx="914400" cy="914400"/>
-          </a:xfrm>
-          <a:prstGeom prst="rect">
-            <a:avLst/>
-          </a:prstGeom>
-        </p:spPr>
-      </p:pic>
-      <p:pic>
-        <p:nvPicPr>
-          <p:cNvPr id="22" name="Picture 21" descr="Logo&#10;&#10;Description automatically generated">
-            <a:extLst>
-              <a:ext uri="{FF2B5EF4-FFF2-40B4-BE49-F238E27FC236}">
-                <a16:creationId xmlns:a16="http://schemas.microsoft.com/office/drawing/2014/main" id="{54E8587F-90C1-464C-92CD-DA3B62AFB4CE}"/>
-              </a:ext>
-            </a:extLst>
-          </p:cNvPr>
-          <p:cNvPicPr>
-            <a:picLocks noChangeAspect="1"/>
-          </p:cNvPicPr>
-          <p:nvPr/>
-        </p:nvPicPr>
-        <p:blipFill>
-          <a:blip r:embed="rId9">
-            <a:extLst>
-              <a:ext uri="{28A0092B-C50C-407E-A947-70E740481C1C}">
-                <a14:useLocalDpi xmlns:a14="http://schemas.microsoft.com/office/drawing/2010/main" val="0"/>
-              </a:ext>
-            </a:extLst>
-          </a:blip>
-          <a:stretch>
-            <a:fillRect/>
-          </a:stretch>
-        </p:blipFill>
-        <p:spPr>
-          <a:xfrm>
-            <a:off x="6311961" y="1068390"/>
-            <a:ext cx="914400" cy="914400"/>
-          </a:xfrm>
-          <a:prstGeom prst="rect">
-            <a:avLst/>
-          </a:prstGeom>
-        </p:spPr>
-      </p:pic>
-      <p:pic>
-        <p:nvPicPr>
-          <p:cNvPr id="24" name="Picture 23" descr="A picture containing icon&#10;&#10;Description automatically generated">
-            <a:extLst>
-              <a:ext uri="{FF2B5EF4-FFF2-40B4-BE49-F238E27FC236}">
-                <a16:creationId xmlns:a16="http://schemas.microsoft.com/office/drawing/2014/main" id="{D45D884E-5A74-4EC7-9651-058982CA6120}"/>
-              </a:ext>
-            </a:extLst>
-          </p:cNvPr>
-          <p:cNvPicPr>
-            <a:picLocks noChangeAspect="1"/>
-          </p:cNvPicPr>
-          <p:nvPr/>
-        </p:nvPicPr>
-        <p:blipFill>
-          <a:blip r:embed="rId10">
-            <a:extLst>
-              <a:ext uri="{28A0092B-C50C-407E-A947-70E740481C1C}">
-                <a14:useLocalDpi xmlns:a14="http://schemas.microsoft.com/office/drawing/2010/main" val="0"/>
-              </a:ext>
-            </a:extLst>
-          </a:blip>
-          <a:stretch>
-            <a:fillRect/>
-          </a:stretch>
-        </p:blipFill>
-        <p:spPr>
-          <a:xfrm>
-            <a:off x="7136860" y="3539074"/>
-            <a:ext cx="914400" cy="914400"/>
-          </a:xfrm>
-          <a:prstGeom prst="rect">
-            <a:avLst/>
-          </a:prstGeom>
-        </p:spPr>
-      </p:pic>
-      <p:pic>
-        <p:nvPicPr>
-          <p:cNvPr id="26" name="Picture 25" descr="Icon&#10;&#10;Description automatically generated with medium confidence">
-            <a:extLst>
-              <a:ext uri="{FF2B5EF4-FFF2-40B4-BE49-F238E27FC236}">
-                <a16:creationId xmlns:a16="http://schemas.microsoft.com/office/drawing/2014/main" id="{0E970385-EE78-450C-B807-3551C1D3AF44}"/>
-              </a:ext>
-            </a:extLst>
-          </p:cNvPr>
-          <p:cNvPicPr>
-            <a:picLocks noChangeAspect="1"/>
-          </p:cNvPicPr>
-          <p:nvPr/>
-        </p:nvPicPr>
-        <p:blipFill>
-          <a:blip r:embed="rId11">
-            <a:extLst>
-              <a:ext uri="{28A0092B-C50C-407E-A947-70E740481C1C}">
-                <a14:useLocalDpi xmlns:a14="http://schemas.microsoft.com/office/drawing/2010/main" val="0"/>
-              </a:ext>
-            </a:extLst>
-          </a:blip>
-          <a:stretch>
-            <a:fillRect/>
-          </a:stretch>
-        </p:blipFill>
-        <p:spPr>
-          <a:xfrm>
-            <a:off x="7506511" y="1561054"/>
-            <a:ext cx="914400" cy="914400"/>
-          </a:xfrm>
-          <a:prstGeom prst="rect">
-            <a:avLst/>
-          </a:prstGeom>
-        </p:spPr>
-      </p:pic>
-      <p:pic>
-        <p:nvPicPr>
-          <p:cNvPr id="28" name="Picture 27" descr="A picture containing icon&#10;&#10;Description automatically generated">
-            <a:extLst>
-              <a:ext uri="{FF2B5EF4-FFF2-40B4-BE49-F238E27FC236}">
-                <a16:creationId xmlns:a16="http://schemas.microsoft.com/office/drawing/2014/main" id="{F2F91C01-EB7C-41C0-A7E4-E62413492CF5}"/>
-              </a:ext>
-            </a:extLst>
-          </p:cNvPr>
-          <p:cNvPicPr>
-            <a:picLocks noChangeAspect="1"/>
-          </p:cNvPicPr>
-          <p:nvPr/>
-        </p:nvPicPr>
-        <p:blipFill>
-          <a:blip r:embed="rId12">
-            <a:extLst>
-              <a:ext uri="{28A0092B-C50C-407E-A947-70E740481C1C}">
-                <a14:useLocalDpi xmlns:a14="http://schemas.microsoft.com/office/drawing/2010/main" val="0"/>
-              </a:ext>
-            </a:extLst>
-          </a:blip>
-          <a:stretch>
-            <a:fillRect/>
-          </a:stretch>
-        </p:blipFill>
-        <p:spPr>
-          <a:xfrm>
-            <a:off x="4432570" y="4267350"/>
-            <a:ext cx="914400" cy="914400"/>
-          </a:xfrm>
-          <a:prstGeom prst="rect">
-            <a:avLst/>
-          </a:prstGeom>
-        </p:spPr>
-      </p:pic>
-      <p:pic>
-        <p:nvPicPr>
-          <p:cNvPr id="30" name="Picture 29" descr="Shape&#10;&#10;Description automatically generated with medium confidence">
-            <a:extLst>
-              <a:ext uri="{FF2B5EF4-FFF2-40B4-BE49-F238E27FC236}">
-                <a16:creationId xmlns:a16="http://schemas.microsoft.com/office/drawing/2014/main" id="{3C0123D0-7208-4B7C-A1C6-1C6AB3778191}"/>
-              </a:ext>
-            </a:extLst>
-          </p:cNvPr>
-          <p:cNvPicPr>
-            <a:picLocks noChangeAspect="1"/>
-          </p:cNvPicPr>
-          <p:nvPr/>
-        </p:nvPicPr>
-        <p:blipFill>
-          <a:blip r:embed="rId13">
-            <a:extLst>
-              <a:ext uri="{28A0092B-C50C-407E-A947-70E740481C1C}">
-                <a14:useLocalDpi xmlns:a14="http://schemas.microsoft.com/office/drawing/2010/main" val="0"/>
-              </a:ext>
-            </a:extLst>
-          </a:blip>
-          <a:stretch>
-            <a:fillRect/>
-          </a:stretch>
-        </p:blipFill>
-        <p:spPr>
-          <a:xfrm>
-            <a:off x="6326882" y="2514600"/>
-            <a:ext cx="914400" cy="914400"/>
-          </a:xfrm>
-          <a:prstGeom prst="rect">
-            <a:avLst/>
-          </a:prstGeom>
-        </p:spPr>
-      </p:pic>
-      <p:pic>
-        <p:nvPicPr>
-          <p:cNvPr id="34" name="Picture 33" descr="A picture containing shape&#10;&#10;Description automatically generated">
-            <a:extLst>
-              <a:ext uri="{FF2B5EF4-FFF2-40B4-BE49-F238E27FC236}">
-                <a16:creationId xmlns:a16="http://schemas.microsoft.com/office/drawing/2014/main" id="{6884DE2D-BE4A-4F98-B3C3-DED10B924473}"/>
-              </a:ext>
-            </a:extLst>
-          </p:cNvPr>
-          <p:cNvPicPr>
-            <a:picLocks noChangeAspect="1"/>
-          </p:cNvPicPr>
-          <p:nvPr/>
-        </p:nvPicPr>
-        <p:blipFill>
-          <a:blip r:embed="rId14">
-            <a:extLst>
-              <a:ext uri="{28A0092B-C50C-407E-A947-70E740481C1C}">
-                <a14:useLocalDpi xmlns:a14="http://schemas.microsoft.com/office/drawing/2010/main" val="0"/>
-              </a:ext>
-            </a:extLst>
-          </a:blip>
-          <a:stretch>
-            <a:fillRect/>
-          </a:stretch>
-        </p:blipFill>
-        <p:spPr>
-          <a:xfrm>
-            <a:off x="9968899" y="2868763"/>
-            <a:ext cx="914400" cy="914400"/>
-          </a:xfrm>
-          <a:prstGeom prst="rect">
-            <a:avLst/>
-          </a:prstGeom>
-        </p:spPr>
-      </p:pic>
-      <p:pic>
-        <p:nvPicPr>
-          <p:cNvPr id="43" name="Picture 42" descr="Shape&#10;&#10;Description automatically generated">
-            <a:extLst>
-              <a:ext uri="{FF2B5EF4-FFF2-40B4-BE49-F238E27FC236}">
-                <a16:creationId xmlns:a16="http://schemas.microsoft.com/office/drawing/2014/main" id="{CC0141C6-42AD-4250-8550-34C60DAA7BA8}"/>
-              </a:ext>
-            </a:extLst>
-          </p:cNvPr>
-          <p:cNvPicPr>
-            <a:picLocks noChangeAspect="1"/>
-          </p:cNvPicPr>
-          <p:nvPr/>
-        </p:nvPicPr>
-        <p:blipFill>
-          <a:blip r:embed="rId15">
-            <a:extLst>
-              <a:ext uri="{28A0092B-C50C-407E-A947-70E740481C1C}">
-                <a14:useLocalDpi xmlns:a14="http://schemas.microsoft.com/office/drawing/2010/main" val="0"/>
-              </a:ext>
-            </a:extLst>
-          </a:blip>
-          <a:stretch>
-            <a:fillRect/>
-          </a:stretch>
-        </p:blipFill>
-        <p:spPr>
-          <a:xfrm>
-            <a:off x="2785055" y="890931"/>
-            <a:ext cx="914400" cy="914400"/>
-          </a:xfrm>
-          <a:prstGeom prst="rect">
-            <a:avLst/>
-          </a:prstGeom>
-        </p:spPr>
-      </p:pic>
-      <p:pic>
-        <p:nvPicPr>
-          <p:cNvPr id="52" name="Picture 51" descr="Shape&#10;&#10;Description automatically generated with medium confidence">
-            <a:extLst>
-              <a:ext uri="{FF2B5EF4-FFF2-40B4-BE49-F238E27FC236}">
-                <a16:creationId xmlns:a16="http://schemas.microsoft.com/office/drawing/2014/main" id="{841A5F64-CAA1-4005-A857-4E91B669F321}"/>
-              </a:ext>
-            </a:extLst>
-          </p:cNvPr>
-          <p:cNvPicPr>
-            <a:picLocks noChangeAspect="1"/>
-          </p:cNvPicPr>
-          <p:nvPr/>
-        </p:nvPicPr>
-        <p:blipFill>
-          <a:blip r:embed="rId16">
-            <a:extLst>
-              <a:ext uri="{28A0092B-C50C-407E-A947-70E740481C1C}">
-                <a14:useLocalDpi xmlns:a14="http://schemas.microsoft.com/office/drawing/2010/main" val="0"/>
-              </a:ext>
-            </a:extLst>
-          </a:blip>
-          <a:stretch>
-            <a:fillRect/>
-          </a:stretch>
-        </p:blipFill>
-        <p:spPr>
-          <a:xfrm>
-            <a:off x="5638800" y="4393314"/>
-            <a:ext cx="914400" cy="914400"/>
-          </a:xfrm>
-          <a:prstGeom prst="rect">
-            <a:avLst/>
-          </a:prstGeom>
-        </p:spPr>
-      </p:pic>
-      <p:pic>
-        <p:nvPicPr>
-          <p:cNvPr id="54" name="Picture 53" descr="A picture containing shape&#10;&#10;Description automatically generated">
-            <a:extLst>
-              <a:ext uri="{FF2B5EF4-FFF2-40B4-BE49-F238E27FC236}">
-                <a16:creationId xmlns:a16="http://schemas.microsoft.com/office/drawing/2014/main" id="{67CB0A0F-4878-46A4-97F0-106175ADFFD2}"/>
-              </a:ext>
-            </a:extLst>
-          </p:cNvPr>
-          <p:cNvPicPr>
-            <a:picLocks noChangeAspect="1"/>
-          </p:cNvPicPr>
-          <p:nvPr/>
-        </p:nvPicPr>
-        <p:blipFill>
-          <a:blip r:embed="rId17">
-            <a:extLst>
-              <a:ext uri="{28A0092B-C50C-407E-A947-70E740481C1C}">
-                <a14:useLocalDpi xmlns:a14="http://schemas.microsoft.com/office/drawing/2010/main" val="0"/>
-              </a:ext>
-            </a:extLst>
-          </a:blip>
-          <a:stretch>
-            <a:fillRect/>
-          </a:stretch>
-        </p:blipFill>
-        <p:spPr>
-          <a:xfrm>
-            <a:off x="2856689" y="4453474"/>
-            <a:ext cx="914400" cy="914400"/>
-          </a:xfrm>
-          <a:prstGeom prst="rect">
-            <a:avLst/>
-          </a:prstGeom>
-        </p:spPr>
-      </p:pic>
-      <p:pic>
-        <p:nvPicPr>
-          <p:cNvPr id="56" name="Picture 55" descr="Icon&#10;&#10;Description automatically generated with medium confidence">
-            <a:extLst>
-              <a:ext uri="{FF2B5EF4-FFF2-40B4-BE49-F238E27FC236}">
-                <a16:creationId xmlns:a16="http://schemas.microsoft.com/office/drawing/2014/main" id="{63E7980B-7848-4B22-AEDB-BD442026BC4B}"/>
-              </a:ext>
-            </a:extLst>
-          </p:cNvPr>
-          <p:cNvPicPr>
-            <a:picLocks noChangeAspect="1"/>
-          </p:cNvPicPr>
-          <p:nvPr/>
-        </p:nvPicPr>
-        <p:blipFill>
-          <a:blip r:embed="rId18">
-            <a:extLst>
-              <a:ext uri="{28A0092B-C50C-407E-A947-70E740481C1C}">
-                <a14:useLocalDpi xmlns:a14="http://schemas.microsoft.com/office/drawing/2010/main" val="0"/>
-              </a:ext>
-            </a:extLst>
-          </a:blip>
-          <a:stretch>
-            <a:fillRect/>
-          </a:stretch>
-        </p:blipFill>
-        <p:spPr>
-          <a:xfrm>
-            <a:off x="140783" y="2509217"/>
-            <a:ext cx="914400" cy="914400"/>
-          </a:xfrm>
-          <a:prstGeom prst="rect">
-            <a:avLst/>
-          </a:prstGeom>
-        </p:spPr>
-      </p:pic>
-      <p:pic>
-        <p:nvPicPr>
-          <p:cNvPr id="58" name="Picture 57" descr="Icon&#10;&#10;Description automatically generated">
-            <a:extLst>
-              <a:ext uri="{FF2B5EF4-FFF2-40B4-BE49-F238E27FC236}">
-                <a16:creationId xmlns:a16="http://schemas.microsoft.com/office/drawing/2014/main" id="{A2CEA007-39D5-4853-AF81-75BAE1068268}"/>
-              </a:ext>
-            </a:extLst>
-          </p:cNvPr>
-          <p:cNvPicPr>
-            <a:picLocks noChangeAspect="1"/>
-          </p:cNvPicPr>
-          <p:nvPr/>
-        </p:nvPicPr>
-        <p:blipFill>
-          <a:blip r:embed="rId19">
-            <a:extLst>
-              <a:ext uri="{28A0092B-C50C-407E-A947-70E740481C1C}">
-                <a14:useLocalDpi xmlns:a14="http://schemas.microsoft.com/office/drawing/2010/main" val="0"/>
-              </a:ext>
-            </a:extLst>
-          </a:blip>
-          <a:stretch>
-            <a:fillRect/>
-          </a:stretch>
-        </p:blipFill>
-        <p:spPr>
-          <a:xfrm>
-            <a:off x="737714" y="1222899"/>
-            <a:ext cx="914400" cy="914400"/>
-          </a:xfrm>
-          <a:prstGeom prst="rect">
-            <a:avLst/>
-          </a:prstGeom>
-        </p:spPr>
-      </p:pic>
-      <p:pic>
-        <p:nvPicPr>
-          <p:cNvPr id="62" name="Picture 61" descr="A picture containing icon&#10;&#10;Description automatically generated">
-            <a:extLst>
-              <a:ext uri="{FF2B5EF4-FFF2-40B4-BE49-F238E27FC236}">
-                <a16:creationId xmlns:a16="http://schemas.microsoft.com/office/drawing/2014/main" id="{64D41472-5AD9-4BD5-A6B5-ED03CCA75B2C}"/>
-              </a:ext>
-            </a:extLst>
-          </p:cNvPr>
-          <p:cNvPicPr>
-            <a:picLocks noChangeAspect="1"/>
-          </p:cNvPicPr>
-          <p:nvPr/>
-        </p:nvPicPr>
-        <p:blipFill>
-          <a:blip r:embed="rId20">
-            <a:extLst>
-              <a:ext uri="{28A0092B-C50C-407E-A947-70E740481C1C}">
-                <a14:useLocalDpi xmlns:a14="http://schemas.microsoft.com/office/drawing/2010/main" val="0"/>
-              </a:ext>
-            </a:extLst>
-          </a:blip>
-          <a:stretch>
-            <a:fillRect/>
-          </a:stretch>
-        </p:blipFill>
-        <p:spPr>
-          <a:xfrm>
-            <a:off x="1481091" y="912180"/>
-            <a:ext cx="914400" cy="914400"/>
-          </a:xfrm>
-          <a:prstGeom prst="rect">
-            <a:avLst/>
-          </a:prstGeom>
-        </p:spPr>
-      </p:pic>
-      <p:pic>
-        <p:nvPicPr>
-          <p:cNvPr id="64" name="Picture 63" descr="Icon&#10;&#10;Description automatically generated">
-            <a:extLst>
-              <a:ext uri="{FF2B5EF4-FFF2-40B4-BE49-F238E27FC236}">
-                <a16:creationId xmlns:a16="http://schemas.microsoft.com/office/drawing/2014/main" id="{DDF0EA50-092E-441A-909B-2FB86B4FD34B}"/>
-              </a:ext>
-            </a:extLst>
-          </p:cNvPr>
-          <p:cNvPicPr>
-            <a:picLocks noChangeAspect="1"/>
-          </p:cNvPicPr>
-          <p:nvPr/>
-        </p:nvPicPr>
-        <p:blipFill>
-          <a:blip r:embed="rId21">
-            <a:extLst>
-              <a:ext uri="{28A0092B-C50C-407E-A947-70E740481C1C}">
-                <a14:useLocalDpi xmlns:a14="http://schemas.microsoft.com/office/drawing/2010/main" val="0"/>
-              </a:ext>
-            </a:extLst>
-          </a:blip>
-          <a:stretch>
-            <a:fillRect/>
-          </a:stretch>
-        </p:blipFill>
-        <p:spPr>
-          <a:xfrm>
-            <a:off x="737714" y="4237200"/>
+          <p:cNvPr id="4" name="Picture 3" descr="Shape&#10;&#10;Description automatically generated">
+            <a:extLst>
+              <a:ext uri="{FF2B5EF4-FFF2-40B4-BE49-F238E27FC236}">
+                <a16:creationId xmlns:a16="http://schemas.microsoft.com/office/drawing/2014/main" id="{420D93CC-E76D-4103-9832-054E46AA2036}"/>
+              </a:ext>
+            </a:extLst>
+          </p:cNvPr>
+          <p:cNvPicPr>
+            <a:picLocks noChangeAspect="1"/>
+          </p:cNvPicPr>
+          <p:nvPr/>
+        </p:nvPicPr>
+        <p:blipFill>
+          <a:blip r:embed="rId2">
+            <a:extLst>
+              <a:ext uri="{28A0092B-C50C-407E-A947-70E740481C1C}">
+                <a14:useLocalDpi xmlns:a14="http://schemas.microsoft.com/office/drawing/2010/main" val="0"/>
+              </a:ext>
+            </a:extLst>
+          </a:blip>
+          <a:stretch>
+            <a:fillRect/>
+          </a:stretch>
+        </p:blipFill>
+        <p:spPr>
+          <a:xfrm>
+            <a:off x="2027164" y="3429000"/>
             <a:ext cx="914400" cy="914400"/>
           </a:xfrm>
           <a:prstGeom prst="rect">
@@ -4472,30 +3825,30 @@
           <p:cNvPr id="5" name="Picture 4" descr="Shape&#10;&#10;Description automatically generated">
             <a:extLst>
               <a:ext uri="{FF2B5EF4-FFF2-40B4-BE49-F238E27FC236}">
-                <a16:creationId xmlns:a16="http://schemas.microsoft.com/office/drawing/2014/main" id="{A8323241-61E3-4539-8E9E-53EDEF82A025}"/>
-              </a:ext>
-            </a:extLst>
-          </p:cNvPr>
-          <p:cNvPicPr>
-            <a:picLocks noChangeAspect="1"/>
-          </p:cNvPicPr>
-          <p:nvPr/>
-        </p:nvPicPr>
-        <p:blipFill>
-          <a:blip r:embed="rId22">
-            <a:extLst>
-              <a:ext uri="{28A0092B-C50C-407E-A947-70E740481C1C}">
-                <a14:useLocalDpi xmlns:a14="http://schemas.microsoft.com/office/drawing/2010/main" val="0"/>
-              </a:ext>
-            </a:extLst>
-          </a:blip>
-          <a:stretch>
-            <a:fillRect/>
-          </a:stretch>
-        </p:blipFill>
-        <p:spPr>
-          <a:xfrm>
-            <a:off x="6909882" y="4755386"/>
+                <a16:creationId xmlns:a16="http://schemas.microsoft.com/office/drawing/2014/main" id="{030B33A0-0A93-4BAF-8D82-79BFFF04113B}"/>
+              </a:ext>
+            </a:extLst>
+          </p:cNvPr>
+          <p:cNvPicPr>
+            <a:picLocks noChangeAspect="1"/>
+          </p:cNvPicPr>
+          <p:nvPr/>
+        </p:nvPicPr>
+        <p:blipFill>
+          <a:blip r:embed="rId2">
+            <a:extLst>
+              <a:ext uri="{28A0092B-C50C-407E-A947-70E740481C1C}">
+                <a14:useLocalDpi xmlns:a14="http://schemas.microsoft.com/office/drawing/2010/main" val="0"/>
+              </a:ext>
+            </a:extLst>
+          </a:blip>
+          <a:stretch>
+            <a:fillRect/>
+          </a:stretch>
+        </p:blipFill>
+        <p:spPr>
+          <a:xfrm>
+            <a:off x="3599992" y="3501501"/>
             <a:ext cx="914400" cy="914400"/>
           </a:xfrm>
           <a:prstGeom prst="rect">
@@ -4506,7 +3859,7 @@
     </p:spTree>
     <p:extLst>
       <p:ext uri="{BB962C8B-B14F-4D97-AF65-F5344CB8AC3E}">
-        <p14:creationId xmlns:p14="http://schemas.microsoft.com/office/powerpoint/2010/main" val="3937420748"/>
+        <p14:creationId xmlns:p14="http://schemas.microsoft.com/office/powerpoint/2010/main" val="1567865515"/>
       </p:ext>
     </p:extLst>
   </p:cSld>
@@ -4517,6 +3870,383 @@
 </file>
 
 <file path=ppt/slides/slide10.xml><?xml version="1.0" encoding="utf-8"?>
+<p:sld xmlns:a="http://schemas.openxmlformats.org/drawingml/2006/main" xmlns:r="http://schemas.openxmlformats.org/officeDocument/2006/relationships" xmlns:p="http://schemas.openxmlformats.org/presentationml/2006/main">
+  <p:cSld>
+    <p:spTree>
+      <p:nvGrpSpPr>
+        <p:cNvPr id="1" name=""/>
+        <p:cNvGrpSpPr/>
+        <p:nvPr/>
+      </p:nvGrpSpPr>
+      <p:grpSpPr>
+        <a:xfrm>
+          <a:off x="0" y="0"/>
+          <a:ext cx="0" cy="0"/>
+          <a:chOff x="0" y="0"/>
+          <a:chExt cx="0" cy="0"/>
+        </a:xfrm>
+      </p:grpSpPr>
+      <p:sp>
+        <p:nvSpPr>
+          <p:cNvPr id="6" name="TextBox 5">
+            <a:extLst>
+              <a:ext uri="{FF2B5EF4-FFF2-40B4-BE49-F238E27FC236}">
+                <a16:creationId xmlns:a16="http://schemas.microsoft.com/office/drawing/2014/main" id="{FA129942-5BCC-4F60-82BF-F574107C7438}"/>
+              </a:ext>
+            </a:extLst>
+          </p:cNvPr>
+          <p:cNvSpPr txBox="1"/>
+          <p:nvPr/>
+        </p:nvSpPr>
+        <p:spPr>
+          <a:xfrm>
+            <a:off x="28931" y="291583"/>
+            <a:ext cx="3577701" cy="2708434"/>
+          </a:xfrm>
+          <a:prstGeom prst="rect">
+            <a:avLst/>
+          </a:prstGeom>
+          <a:noFill/>
+        </p:spPr>
+        <p:txBody>
+          <a:bodyPr wrap="square" rtlCol="0">
+            <a:spAutoFit/>
+          </a:bodyPr>
+          <a:lstStyle/>
+          <a:p>
+            <a:r>
+              <a:rPr lang="en-US" sz="7600" dirty="0"/>
+              <a:t>LEVEL 4 STEP 1</a:t>
+            </a:r>
+          </a:p>
+          <a:p>
+            <a:endParaRPr lang="en-US" dirty="0"/>
+          </a:p>
+        </p:txBody>
+      </p:sp>
+      <p:pic>
+        <p:nvPicPr>
+          <p:cNvPr id="7" name="Picture 6" descr="Icon&#10;&#10;Description automatically generated">
+            <a:extLst>
+              <a:ext uri="{FF2B5EF4-FFF2-40B4-BE49-F238E27FC236}">
+                <a16:creationId xmlns:a16="http://schemas.microsoft.com/office/drawing/2014/main" id="{1C1BD2C8-0BB2-4AD5-9001-BD54EAEBEFF3}"/>
+              </a:ext>
+            </a:extLst>
+          </p:cNvPr>
+          <p:cNvPicPr>
+            <a:picLocks noChangeAspect="1"/>
+          </p:cNvPicPr>
+          <p:nvPr/>
+        </p:nvPicPr>
+        <p:blipFill>
+          <a:blip r:embed="rId2">
+            <a:extLst>
+              <a:ext uri="{28A0092B-C50C-407E-A947-70E740481C1C}">
+                <a14:useLocalDpi xmlns:a14="http://schemas.microsoft.com/office/drawing/2010/main" val="0"/>
+              </a:ext>
+            </a:extLst>
+          </a:blip>
+          <a:stretch>
+            <a:fillRect/>
+          </a:stretch>
+        </p:blipFill>
+        <p:spPr>
+          <a:xfrm rot="5400000">
+            <a:off x="4938282" y="3701266"/>
+            <a:ext cx="914400" cy="914400"/>
+          </a:xfrm>
+          <a:prstGeom prst="rect">
+            <a:avLst/>
+          </a:prstGeom>
+        </p:spPr>
+      </p:pic>
+      <p:grpSp>
+        <p:nvGrpSpPr>
+          <p:cNvPr id="2" name="Group 1">
+            <a:extLst>
+              <a:ext uri="{FF2B5EF4-FFF2-40B4-BE49-F238E27FC236}">
+                <a16:creationId xmlns:a16="http://schemas.microsoft.com/office/drawing/2014/main" id="{EDF3DAFC-9347-499B-BF58-5E358A3DC8D5}"/>
+              </a:ext>
+            </a:extLst>
+          </p:cNvPr>
+          <p:cNvGrpSpPr/>
+          <p:nvPr/>
+        </p:nvGrpSpPr>
+        <p:grpSpPr>
+          <a:xfrm>
+            <a:off x="3109482" y="1887164"/>
+            <a:ext cx="914401" cy="1828800"/>
+            <a:chOff x="3109482" y="1887164"/>
+            <a:chExt cx="914401" cy="1828800"/>
+          </a:xfrm>
+        </p:grpSpPr>
+        <p:pic>
+          <p:nvPicPr>
+            <p:cNvPr id="4" name="Picture 3" descr="Logo&#10;&#10;Description automatically generated">
+              <a:extLst>
+                <a:ext uri="{FF2B5EF4-FFF2-40B4-BE49-F238E27FC236}">
+                  <a16:creationId xmlns:a16="http://schemas.microsoft.com/office/drawing/2014/main" id="{02FD1973-EB3E-49FA-AFA0-901E66E3B611}"/>
+                </a:ext>
+              </a:extLst>
+            </p:cNvPr>
+            <p:cNvPicPr>
+              <a:picLocks noChangeAspect="1"/>
+            </p:cNvPicPr>
+            <p:nvPr/>
+          </p:nvPicPr>
+          <p:blipFill>
+            <a:blip r:embed="rId3">
+              <a:extLst>
+                <a:ext uri="{28A0092B-C50C-407E-A947-70E740481C1C}">
+                  <a14:useLocalDpi xmlns:a14="http://schemas.microsoft.com/office/drawing/2010/main" val="0"/>
+                </a:ext>
+              </a:extLst>
+            </a:blip>
+            <a:stretch>
+              <a:fillRect/>
+            </a:stretch>
+          </p:blipFill>
+          <p:spPr>
+            <a:xfrm rot="10800000">
+              <a:off x="3109483" y="1887164"/>
+              <a:ext cx="914400" cy="914400"/>
+            </a:xfrm>
+            <a:prstGeom prst="rect">
+              <a:avLst/>
+            </a:prstGeom>
+          </p:spPr>
+        </p:pic>
+        <p:pic>
+          <p:nvPicPr>
+            <p:cNvPr id="9" name="Picture 8" descr="A picture containing icon&#10;&#10;Description automatically generated">
+              <a:extLst>
+                <a:ext uri="{FF2B5EF4-FFF2-40B4-BE49-F238E27FC236}">
+                  <a16:creationId xmlns:a16="http://schemas.microsoft.com/office/drawing/2014/main" id="{900D6E1A-D717-44B1-B73F-EA90BD300D51}"/>
+                </a:ext>
+              </a:extLst>
+            </p:cNvPr>
+            <p:cNvPicPr>
+              <a:picLocks noChangeAspect="1"/>
+            </p:cNvPicPr>
+            <p:nvPr/>
+          </p:nvPicPr>
+          <p:blipFill>
+            <a:blip r:embed="rId4">
+              <a:extLst>
+                <a:ext uri="{28A0092B-C50C-407E-A947-70E740481C1C}">
+                  <a14:useLocalDpi xmlns:a14="http://schemas.microsoft.com/office/drawing/2010/main" val="0"/>
+                </a:ext>
+              </a:extLst>
+            </a:blip>
+            <a:stretch>
+              <a:fillRect/>
+            </a:stretch>
+          </p:blipFill>
+          <p:spPr>
+            <a:xfrm>
+              <a:off x="3109482" y="2801564"/>
+              <a:ext cx="914400" cy="914400"/>
+            </a:xfrm>
+            <a:prstGeom prst="rect">
+              <a:avLst/>
+            </a:prstGeom>
+          </p:spPr>
+        </p:pic>
+        <p:pic>
+          <p:nvPicPr>
+            <p:cNvPr id="11" name="Picture 10" descr="A black rectangle with white squares&#10;&#10;Description automatically generated with low confidence">
+              <a:extLst>
+                <a:ext uri="{FF2B5EF4-FFF2-40B4-BE49-F238E27FC236}">
+                  <a16:creationId xmlns:a16="http://schemas.microsoft.com/office/drawing/2014/main" id="{4F5CE8D1-20E8-44AC-9356-452105D810C4}"/>
+                </a:ext>
+              </a:extLst>
+            </p:cNvPr>
+            <p:cNvPicPr>
+              <a:picLocks noChangeAspect="1"/>
+            </p:cNvPicPr>
+            <p:nvPr/>
+          </p:nvPicPr>
+          <p:blipFill>
+            <a:blip r:embed="rId5">
+              <a:extLst>
+                <a:ext uri="{28A0092B-C50C-407E-A947-70E740481C1C}">
+                  <a14:useLocalDpi xmlns:a14="http://schemas.microsoft.com/office/drawing/2010/main" val="0"/>
+                </a:ext>
+              </a:extLst>
+            </a:blip>
+            <a:stretch>
+              <a:fillRect/>
+            </a:stretch>
+          </p:blipFill>
+          <p:spPr>
+            <a:xfrm>
+              <a:off x="3109482" y="1955590"/>
+              <a:ext cx="914400" cy="914400"/>
+            </a:xfrm>
+            <a:prstGeom prst="rect">
+              <a:avLst/>
+            </a:prstGeom>
+          </p:spPr>
+        </p:pic>
+      </p:grpSp>
+      <p:pic>
+        <p:nvPicPr>
+          <p:cNvPr id="12" name="Picture 11" descr="Icon&#10;&#10;Description automatically generated with medium confidence">
+            <a:extLst>
+              <a:ext uri="{FF2B5EF4-FFF2-40B4-BE49-F238E27FC236}">
+                <a16:creationId xmlns:a16="http://schemas.microsoft.com/office/drawing/2014/main" id="{107678A9-46AE-4F74-B9B7-42DBD447D98A}"/>
+              </a:ext>
+            </a:extLst>
+          </p:cNvPr>
+          <p:cNvPicPr>
+            <a:picLocks noChangeAspect="1"/>
+          </p:cNvPicPr>
+          <p:nvPr/>
+        </p:nvPicPr>
+        <p:blipFill>
+          <a:blip r:embed="rId6">
+            <a:extLst>
+              <a:ext uri="{28A0092B-C50C-407E-A947-70E740481C1C}">
+                <a14:useLocalDpi xmlns:a14="http://schemas.microsoft.com/office/drawing/2010/main" val="0"/>
+              </a:ext>
+            </a:extLst>
+          </a:blip>
+          <a:stretch>
+            <a:fillRect/>
+          </a:stretch>
+        </p:blipFill>
+        <p:spPr>
+          <a:xfrm rot="16200000">
+            <a:off x="6767082" y="3690249"/>
+            <a:ext cx="914400" cy="914400"/>
+          </a:xfrm>
+          <a:prstGeom prst="rect">
+            <a:avLst/>
+          </a:prstGeom>
+        </p:spPr>
+      </p:pic>
+      <p:pic>
+        <p:nvPicPr>
+          <p:cNvPr id="13" name="Picture 12" descr="Icon&#10;&#10;Description automatically generated">
+            <a:extLst>
+              <a:ext uri="{FF2B5EF4-FFF2-40B4-BE49-F238E27FC236}">
+                <a16:creationId xmlns:a16="http://schemas.microsoft.com/office/drawing/2014/main" id="{E7A72BED-48CD-4773-B89E-816AFA39D3C6}"/>
+              </a:ext>
+            </a:extLst>
+          </p:cNvPr>
+          <p:cNvPicPr>
+            <a:picLocks noChangeAspect="1"/>
+          </p:cNvPicPr>
+          <p:nvPr/>
+        </p:nvPicPr>
+        <p:blipFill>
+          <a:blip r:embed="rId7">
+            <a:extLst>
+              <a:ext uri="{28A0092B-C50C-407E-A947-70E740481C1C}">
+                <a14:useLocalDpi xmlns:a14="http://schemas.microsoft.com/office/drawing/2010/main" val="0"/>
+              </a:ext>
+            </a:extLst>
+          </a:blip>
+          <a:stretch>
+            <a:fillRect/>
+          </a:stretch>
+        </p:blipFill>
+        <p:spPr>
+          <a:xfrm>
+            <a:off x="3109482" y="3715964"/>
+            <a:ext cx="914400" cy="914400"/>
+          </a:xfrm>
+          <a:prstGeom prst="rect">
+            <a:avLst/>
+          </a:prstGeom>
+        </p:spPr>
+      </p:pic>
+      <p:pic>
+        <p:nvPicPr>
+          <p:cNvPr id="10" name="Picture 9" descr="Shape&#10;&#10;Description automatically generated with medium confidence">
+            <a:extLst>
+              <a:ext uri="{FF2B5EF4-FFF2-40B4-BE49-F238E27FC236}">
+                <a16:creationId xmlns:a16="http://schemas.microsoft.com/office/drawing/2014/main" id="{34290206-9EFD-48E7-B1B2-D88C74D7E6C7}"/>
+              </a:ext>
+            </a:extLst>
+          </p:cNvPr>
+          <p:cNvPicPr>
+            <a:picLocks noChangeAspect="1"/>
+          </p:cNvPicPr>
+          <p:nvPr/>
+        </p:nvPicPr>
+        <p:blipFill>
+          <a:blip r:embed="rId8">
+            <a:extLst>
+              <a:ext uri="{28A0092B-C50C-407E-A947-70E740481C1C}">
+                <a14:useLocalDpi xmlns:a14="http://schemas.microsoft.com/office/drawing/2010/main" val="0"/>
+              </a:ext>
+            </a:extLst>
+          </a:blip>
+          <a:stretch>
+            <a:fillRect/>
+          </a:stretch>
+        </p:blipFill>
+        <p:spPr>
+          <a:xfrm rot="5400000">
+            <a:off x="4023882" y="3701266"/>
+            <a:ext cx="914400" cy="914400"/>
+          </a:xfrm>
+          <a:prstGeom prst="rect">
+            <a:avLst/>
+          </a:prstGeom>
+        </p:spPr>
+      </p:pic>
+      <p:pic>
+        <p:nvPicPr>
+          <p:cNvPr id="14" name="Picture 13" descr="Shape&#10;&#10;Description automatically generated with medium confidence">
+            <a:extLst>
+              <a:ext uri="{FF2B5EF4-FFF2-40B4-BE49-F238E27FC236}">
+                <a16:creationId xmlns:a16="http://schemas.microsoft.com/office/drawing/2014/main" id="{FADC6DD9-171B-4B02-8002-134204C06F15}"/>
+              </a:ext>
+            </a:extLst>
+          </p:cNvPr>
+          <p:cNvPicPr>
+            <a:picLocks noChangeAspect="1"/>
+          </p:cNvPicPr>
+          <p:nvPr/>
+        </p:nvPicPr>
+        <p:blipFill>
+          <a:blip r:embed="rId8">
+            <a:extLst>
+              <a:ext uri="{28A0092B-C50C-407E-A947-70E740481C1C}">
+                <a14:useLocalDpi xmlns:a14="http://schemas.microsoft.com/office/drawing/2010/main" val="0"/>
+              </a:ext>
+            </a:extLst>
+          </a:blip>
+          <a:stretch>
+            <a:fillRect/>
+          </a:stretch>
+        </p:blipFill>
+        <p:spPr>
+          <a:xfrm rot="5400000">
+            <a:off x="5862962" y="3701266"/>
+            <a:ext cx="914400" cy="914400"/>
+          </a:xfrm>
+          <a:prstGeom prst="rect">
+            <a:avLst/>
+          </a:prstGeom>
+        </p:spPr>
+      </p:pic>
+    </p:spTree>
+    <p:extLst>
+      <p:ext uri="{BB962C8B-B14F-4D97-AF65-F5344CB8AC3E}">
+        <p14:creationId xmlns:p14="http://schemas.microsoft.com/office/powerpoint/2010/main" val="2605884520"/>
+      </p:ext>
+    </p:extLst>
+  </p:cSld>
+  <p:clrMapOvr>
+    <a:masterClrMapping/>
+  </p:clrMapOvr>
+</p:sld>
+</file>
+
+<file path=ppt/slides/slide11.xml><?xml version="1.0" encoding="utf-8"?>
 <p:sld xmlns:a="http://schemas.openxmlformats.org/drawingml/2006/main" xmlns:r="http://schemas.openxmlformats.org/officeDocument/2006/relationships" xmlns:p="http://schemas.openxmlformats.org/presentationml/2006/main">
   <p:cSld>
     <p:spTree>
@@ -4821,7 +4551,7 @@
 </p:sld>
 </file>
 
-<file path=ppt/slides/slide11.xml><?xml version="1.0" encoding="utf-8"?>
+<file path=ppt/slides/slide12.xml><?xml version="1.0" encoding="utf-8"?>
 <p:sld xmlns:a="http://schemas.openxmlformats.org/drawingml/2006/main" xmlns:r="http://schemas.openxmlformats.org/officeDocument/2006/relationships" xmlns:p="http://schemas.openxmlformats.org/presentationml/2006/main">
   <p:cSld>
     <p:spTree>
@@ -5126,398 +4856,6 @@
 </p:sld>
 </file>
 
-<file path=ppt/slides/slide12.xml><?xml version="1.0" encoding="utf-8"?>
-<p:sld xmlns:a="http://schemas.openxmlformats.org/drawingml/2006/main" xmlns:r="http://schemas.openxmlformats.org/officeDocument/2006/relationships" xmlns:p="http://schemas.openxmlformats.org/presentationml/2006/main">
-  <p:cSld>
-    <p:spTree>
-      <p:nvGrpSpPr>
-        <p:cNvPr id="1" name=""/>
-        <p:cNvGrpSpPr/>
-        <p:nvPr/>
-      </p:nvGrpSpPr>
-      <p:grpSpPr>
-        <a:xfrm>
-          <a:off x="0" y="0"/>
-          <a:ext cx="0" cy="0"/>
-          <a:chOff x="0" y="0"/>
-          <a:chExt cx="0" cy="0"/>
-        </a:xfrm>
-      </p:grpSpPr>
-      <p:sp>
-        <p:nvSpPr>
-          <p:cNvPr id="6" name="TextBox 5">
-            <a:extLst>
-              <a:ext uri="{FF2B5EF4-FFF2-40B4-BE49-F238E27FC236}">
-                <a16:creationId xmlns:a16="http://schemas.microsoft.com/office/drawing/2014/main" id="{FA129942-5BCC-4F60-82BF-F574107C7438}"/>
-              </a:ext>
-            </a:extLst>
-          </p:cNvPr>
-          <p:cNvSpPr txBox="1"/>
-          <p:nvPr/>
-        </p:nvSpPr>
-        <p:spPr>
-          <a:xfrm>
-            <a:off x="374341" y="372863"/>
-            <a:ext cx="3577701" cy="2708434"/>
-          </a:xfrm>
-          <a:prstGeom prst="rect">
-            <a:avLst/>
-          </a:prstGeom>
-          <a:noFill/>
-        </p:spPr>
-        <p:txBody>
-          <a:bodyPr wrap="square" rtlCol="0">
-            <a:spAutoFit/>
-          </a:bodyPr>
-          <a:lstStyle/>
-          <a:p>
-            <a:r>
-              <a:rPr lang="en-US" sz="7600" dirty="0"/>
-              <a:t>LEVEL 6 STEP 0</a:t>
-            </a:r>
-          </a:p>
-          <a:p>
-            <a:endParaRPr lang="en-US" dirty="0"/>
-          </a:p>
-        </p:txBody>
-      </p:sp>
-      <p:pic>
-        <p:nvPicPr>
-          <p:cNvPr id="4" name="Picture 3" descr="Logo&#10;&#10;Description automatically generated">
-            <a:extLst>
-              <a:ext uri="{FF2B5EF4-FFF2-40B4-BE49-F238E27FC236}">
-                <a16:creationId xmlns:a16="http://schemas.microsoft.com/office/drawing/2014/main" id="{02FD1973-EB3E-49FA-AFA0-901E66E3B611}"/>
-              </a:ext>
-            </a:extLst>
-          </p:cNvPr>
-          <p:cNvPicPr>
-            <a:picLocks noChangeAspect="1"/>
-          </p:cNvPicPr>
-          <p:nvPr/>
-        </p:nvPicPr>
-        <p:blipFill>
-          <a:blip r:embed="rId2">
-            <a:extLst>
-              <a:ext uri="{28A0092B-C50C-407E-A947-70E740481C1C}">
-                <a14:useLocalDpi xmlns:a14="http://schemas.microsoft.com/office/drawing/2010/main" val="0"/>
-              </a:ext>
-            </a:extLst>
-          </a:blip>
-          <a:stretch>
-            <a:fillRect/>
-          </a:stretch>
-        </p:blipFill>
-        <p:spPr>
-          <a:xfrm rot="10800000">
-            <a:off x="4301232" y="1019194"/>
-            <a:ext cx="914400" cy="914400"/>
-          </a:xfrm>
-          <a:prstGeom prst="rect">
-            <a:avLst/>
-          </a:prstGeom>
-        </p:spPr>
-      </p:pic>
-      <p:pic>
-        <p:nvPicPr>
-          <p:cNvPr id="9" name="Picture 8" descr="A picture containing icon&#10;&#10;Description automatically generated">
-            <a:extLst>
-              <a:ext uri="{FF2B5EF4-FFF2-40B4-BE49-F238E27FC236}">
-                <a16:creationId xmlns:a16="http://schemas.microsoft.com/office/drawing/2014/main" id="{900D6E1A-D717-44B1-B73F-EA90BD300D51}"/>
-              </a:ext>
-            </a:extLst>
-          </p:cNvPr>
-          <p:cNvPicPr>
-            <a:picLocks noChangeAspect="1"/>
-          </p:cNvPicPr>
-          <p:nvPr/>
-        </p:nvPicPr>
-        <p:blipFill>
-          <a:blip r:embed="rId3">
-            <a:extLst>
-              <a:ext uri="{28A0092B-C50C-407E-A947-70E740481C1C}">
-                <a14:useLocalDpi xmlns:a14="http://schemas.microsoft.com/office/drawing/2010/main" val="0"/>
-              </a:ext>
-            </a:extLst>
-          </a:blip>
-          <a:stretch>
-            <a:fillRect/>
-          </a:stretch>
-        </p:blipFill>
-        <p:spPr>
-          <a:xfrm>
-            <a:off x="4301231" y="1933594"/>
-            <a:ext cx="914400" cy="914400"/>
-          </a:xfrm>
-          <a:prstGeom prst="rect">
-            <a:avLst/>
-          </a:prstGeom>
-        </p:spPr>
-      </p:pic>
-      <p:pic>
-        <p:nvPicPr>
-          <p:cNvPr id="11" name="Picture 10" descr="A black rectangle with white squares&#10;&#10;Description automatically generated with low confidence">
-            <a:extLst>
-              <a:ext uri="{FF2B5EF4-FFF2-40B4-BE49-F238E27FC236}">
-                <a16:creationId xmlns:a16="http://schemas.microsoft.com/office/drawing/2014/main" id="{4F5CE8D1-20E8-44AC-9356-452105D810C4}"/>
-              </a:ext>
-            </a:extLst>
-          </p:cNvPr>
-          <p:cNvPicPr>
-            <a:picLocks noChangeAspect="1"/>
-          </p:cNvPicPr>
-          <p:nvPr/>
-        </p:nvPicPr>
-        <p:blipFill>
-          <a:blip r:embed="rId4">
-            <a:extLst>
-              <a:ext uri="{28A0092B-C50C-407E-A947-70E740481C1C}">
-                <a14:useLocalDpi xmlns:a14="http://schemas.microsoft.com/office/drawing/2010/main" val="0"/>
-              </a:ext>
-            </a:extLst>
-          </a:blip>
-          <a:stretch>
-            <a:fillRect/>
-          </a:stretch>
-        </p:blipFill>
-        <p:spPr>
-          <a:xfrm>
-            <a:off x="4314547" y="1044087"/>
-            <a:ext cx="914400" cy="914400"/>
-          </a:xfrm>
-          <a:prstGeom prst="rect">
-            <a:avLst/>
-          </a:prstGeom>
-        </p:spPr>
-      </p:pic>
-      <p:pic>
-        <p:nvPicPr>
-          <p:cNvPr id="13" name="Picture 12" descr="Icon&#10;&#10;Description automatically generated">
-            <a:extLst>
-              <a:ext uri="{FF2B5EF4-FFF2-40B4-BE49-F238E27FC236}">
-                <a16:creationId xmlns:a16="http://schemas.microsoft.com/office/drawing/2014/main" id="{E7A72BED-48CD-4773-B89E-816AFA39D3C6}"/>
-              </a:ext>
-            </a:extLst>
-          </p:cNvPr>
-          <p:cNvPicPr>
-            <a:picLocks noChangeAspect="1"/>
-          </p:cNvPicPr>
-          <p:nvPr/>
-        </p:nvPicPr>
-        <p:blipFill>
-          <a:blip r:embed="rId5">
-            <a:extLst>
-              <a:ext uri="{28A0092B-C50C-407E-A947-70E740481C1C}">
-                <a14:useLocalDpi xmlns:a14="http://schemas.microsoft.com/office/drawing/2010/main" val="0"/>
-              </a:ext>
-            </a:extLst>
-          </a:blip>
-          <a:stretch>
-            <a:fillRect/>
-          </a:stretch>
-        </p:blipFill>
-        <p:spPr>
-          <a:xfrm rot="5400000">
-            <a:off x="7350711" y="1501287"/>
-            <a:ext cx="914400" cy="914400"/>
-          </a:xfrm>
-          <a:prstGeom prst="rect">
-            <a:avLst/>
-          </a:prstGeom>
-        </p:spPr>
-      </p:pic>
-      <p:pic>
-        <p:nvPicPr>
-          <p:cNvPr id="10" name="Picture 9" descr="Icon&#10;&#10;Description automatically generated">
-            <a:extLst>
-              <a:ext uri="{FF2B5EF4-FFF2-40B4-BE49-F238E27FC236}">
-                <a16:creationId xmlns:a16="http://schemas.microsoft.com/office/drawing/2014/main" id="{3180B899-D68A-44BF-B85E-08FAFD2B9ED3}"/>
-              </a:ext>
-            </a:extLst>
-          </p:cNvPr>
-          <p:cNvPicPr>
-            <a:picLocks noChangeAspect="1"/>
-          </p:cNvPicPr>
-          <p:nvPr/>
-        </p:nvPicPr>
-        <p:blipFill>
-          <a:blip r:embed="rId6">
-            <a:extLst>
-              <a:ext uri="{28A0092B-C50C-407E-A947-70E740481C1C}">
-                <a14:useLocalDpi xmlns:a14="http://schemas.microsoft.com/office/drawing/2010/main" val="0"/>
-              </a:ext>
-            </a:extLst>
-          </a:blip>
-          <a:stretch>
-            <a:fillRect/>
-          </a:stretch>
-        </p:blipFill>
-        <p:spPr>
-          <a:xfrm rot="5400000">
-            <a:off x="6793715" y="5547820"/>
-            <a:ext cx="914400" cy="914400"/>
-          </a:xfrm>
-          <a:prstGeom prst="rect">
-            <a:avLst/>
-          </a:prstGeom>
-        </p:spPr>
-      </p:pic>
-      <p:pic>
-        <p:nvPicPr>
-          <p:cNvPr id="12" name="Picture 11" descr="Icon&#10;&#10;Description automatically generated with medium confidence">
-            <a:extLst>
-              <a:ext uri="{FF2B5EF4-FFF2-40B4-BE49-F238E27FC236}">
-                <a16:creationId xmlns:a16="http://schemas.microsoft.com/office/drawing/2014/main" id="{A4C13E00-4D82-412D-A623-CE28C4A183C4}"/>
-              </a:ext>
-            </a:extLst>
-          </p:cNvPr>
-          <p:cNvPicPr>
-            <a:picLocks noChangeAspect="1"/>
-          </p:cNvPicPr>
-          <p:nvPr/>
-        </p:nvPicPr>
-        <p:blipFill>
-          <a:blip r:embed="rId7">
-            <a:extLst>
-              <a:ext uri="{28A0092B-C50C-407E-A947-70E740481C1C}">
-                <a14:useLocalDpi xmlns:a14="http://schemas.microsoft.com/office/drawing/2010/main" val="0"/>
-              </a:ext>
-            </a:extLst>
-          </a:blip>
-          <a:stretch>
-            <a:fillRect/>
-          </a:stretch>
-        </p:blipFill>
-        <p:spPr>
-          <a:xfrm rot="5400000">
-            <a:off x="814569" y="3659408"/>
-            <a:ext cx="914400" cy="914400"/>
-          </a:xfrm>
-          <a:prstGeom prst="rect">
-            <a:avLst/>
-          </a:prstGeom>
-        </p:spPr>
-      </p:pic>
-      <p:pic>
-        <p:nvPicPr>
-          <p:cNvPr id="14" name="Picture 13" descr="A black rectangle with white squares&#10;&#10;Description automatically generated with low confidence">
-            <a:extLst>
-              <a:ext uri="{FF2B5EF4-FFF2-40B4-BE49-F238E27FC236}">
-                <a16:creationId xmlns:a16="http://schemas.microsoft.com/office/drawing/2014/main" id="{F0EA73C4-2CC2-44D2-B73B-D4E65E654ADB}"/>
-              </a:ext>
-            </a:extLst>
-          </p:cNvPr>
-          <p:cNvPicPr>
-            <a:picLocks noChangeAspect="1"/>
-          </p:cNvPicPr>
-          <p:nvPr/>
-        </p:nvPicPr>
-        <p:blipFill>
-          <a:blip r:embed="rId4">
-            <a:extLst>
-              <a:ext uri="{28A0092B-C50C-407E-A947-70E740481C1C}">
-                <a14:useLocalDpi xmlns:a14="http://schemas.microsoft.com/office/drawing/2010/main" val="0"/>
-              </a:ext>
-            </a:extLst>
-          </a:blip>
-          <a:stretch>
-            <a:fillRect/>
-          </a:stretch>
-        </p:blipFill>
-        <p:spPr>
-          <a:xfrm>
-            <a:off x="6793715" y="5547820"/>
-            <a:ext cx="914400" cy="914400"/>
-          </a:xfrm>
-          <a:prstGeom prst="rect">
-            <a:avLst/>
-          </a:prstGeom>
-        </p:spPr>
-      </p:pic>
-      <p:pic>
-        <p:nvPicPr>
-          <p:cNvPr id="17" name="Picture 16" descr="Icon&#10;&#10;Description automatically generated">
-            <a:extLst>
-              <a:ext uri="{FF2B5EF4-FFF2-40B4-BE49-F238E27FC236}">
-                <a16:creationId xmlns:a16="http://schemas.microsoft.com/office/drawing/2014/main" id="{A9B69636-D1B2-4550-98CB-BB55DB626928}"/>
-              </a:ext>
-            </a:extLst>
-          </p:cNvPr>
-          <p:cNvPicPr>
-            <a:picLocks noChangeAspect="1"/>
-          </p:cNvPicPr>
-          <p:nvPr/>
-        </p:nvPicPr>
-        <p:blipFill>
-          <a:blip r:embed="rId5">
-            <a:extLst>
-              <a:ext uri="{28A0092B-C50C-407E-A947-70E740481C1C}">
-                <a14:useLocalDpi xmlns:a14="http://schemas.microsoft.com/office/drawing/2010/main" val="0"/>
-              </a:ext>
-            </a:extLst>
-          </a:blip>
-          <a:stretch>
-            <a:fillRect/>
-          </a:stretch>
-        </p:blipFill>
-        <p:spPr>
-          <a:xfrm rot="5400000">
-            <a:off x="8666086" y="1501287"/>
-            <a:ext cx="914400" cy="914400"/>
-          </a:xfrm>
-          <a:prstGeom prst="rect">
-            <a:avLst/>
-          </a:prstGeom>
-        </p:spPr>
-      </p:pic>
-      <p:pic>
-        <p:nvPicPr>
-          <p:cNvPr id="18" name="Picture 17" descr="Icon&#10;&#10;Description automatically generated">
-            <a:extLst>
-              <a:ext uri="{FF2B5EF4-FFF2-40B4-BE49-F238E27FC236}">
-                <a16:creationId xmlns:a16="http://schemas.microsoft.com/office/drawing/2014/main" id="{4FDAEA37-D6A2-40AB-98DE-3060BA120C77}"/>
-              </a:ext>
-            </a:extLst>
-          </p:cNvPr>
-          <p:cNvPicPr>
-            <a:picLocks noChangeAspect="1"/>
-          </p:cNvPicPr>
-          <p:nvPr/>
-        </p:nvPicPr>
-        <p:blipFill>
-          <a:blip r:embed="rId5">
-            <a:extLst>
-              <a:ext uri="{28A0092B-C50C-407E-A947-70E740481C1C}">
-                <a14:useLocalDpi xmlns:a14="http://schemas.microsoft.com/office/drawing/2010/main" val="0"/>
-              </a:ext>
-            </a:extLst>
-          </a:blip>
-          <a:stretch>
-            <a:fillRect/>
-          </a:stretch>
-        </p:blipFill>
-        <p:spPr>
-          <a:xfrm rot="5400000">
-            <a:off x="9929675" y="1476393"/>
-            <a:ext cx="914400" cy="914400"/>
-          </a:xfrm>
-          <a:prstGeom prst="rect">
-            <a:avLst/>
-          </a:prstGeom>
-        </p:spPr>
-      </p:pic>
-    </p:spTree>
-    <p:extLst>
-      <p:ext uri="{BB962C8B-B14F-4D97-AF65-F5344CB8AC3E}">
-        <p14:creationId xmlns:p14="http://schemas.microsoft.com/office/powerpoint/2010/main" val="2991487904"/>
-      </p:ext>
-    </p:extLst>
-  </p:cSld>
-  <p:clrMapOvr>
-    <a:masterClrMapping/>
-  </p:clrMapOvr>
-</p:sld>
-</file>
-
 <file path=ppt/slides/slide13.xml><?xml version="1.0" encoding="utf-8"?>
 <p:sld xmlns:a="http://schemas.openxmlformats.org/drawingml/2006/main" xmlns:r="http://schemas.openxmlformats.org/officeDocument/2006/relationships" xmlns:p="http://schemas.openxmlformats.org/presentationml/2006/main">
   <p:cSld>
@@ -5549,7 +4887,7 @@
         </p:nvSpPr>
         <p:spPr>
           <a:xfrm>
-            <a:off x="229608" y="511521"/>
+            <a:off x="374341" y="372863"/>
             <a:ext cx="3577701" cy="2708434"/>
           </a:xfrm>
           <a:prstGeom prst="rect">
@@ -5565,7 +4903,7 @@
           <a:p>
             <a:r>
               <a:rPr lang="en-US" sz="7600" dirty="0"/>
-              <a:t>LEVEL 6 STEP 1</a:t>
+              <a:t>LEVEL 6 STEP 0</a:t>
             </a:r>
           </a:p>
           <a:p>
@@ -5708,8 +5046,8 @@
           </a:stretch>
         </p:blipFill>
         <p:spPr>
-          <a:xfrm>
-            <a:off x="4297863" y="5668529"/>
+          <a:xfrm rot="5400000">
+            <a:off x="7350711" y="1501287"/>
             <a:ext cx="914400" cy="914400"/>
           </a:xfrm>
           <a:prstGeom prst="rect">
@@ -5745,7 +5083,7 @@
         </p:blipFill>
         <p:spPr>
           <a:xfrm rot="5400000">
-            <a:off x="6522539" y="5668666"/>
+            <a:off x="6793715" y="5547820"/>
             <a:ext cx="914400" cy="914400"/>
           </a:xfrm>
           <a:prstGeom prst="rect">
@@ -5817,7 +5155,7 @@
         </p:blipFill>
         <p:spPr>
           <a:xfrm>
-            <a:off x="6522539" y="5668666"/>
+            <a:off x="6793715" y="5547820"/>
             <a:ext cx="914400" cy="914400"/>
           </a:xfrm>
           <a:prstGeom prst="rect">
@@ -5852,8 +5190,8 @@
           </a:stretch>
         </p:blipFill>
         <p:spPr>
-          <a:xfrm rot="10800000">
-            <a:off x="9459158" y="3202208"/>
+          <a:xfrm rot="5400000">
+            <a:off x="8666086" y="1501287"/>
             <a:ext cx="914400" cy="914400"/>
           </a:xfrm>
           <a:prstGeom prst="rect">
@@ -5888,440 +5226,8 @@
           </a:stretch>
         </p:blipFill>
         <p:spPr>
-          <a:xfrm rot="16200000">
-            <a:off x="9459158" y="5471345"/>
-            <a:ext cx="914400" cy="914400"/>
-          </a:xfrm>
-          <a:prstGeom prst="rect">
-            <a:avLst/>
-          </a:prstGeom>
-        </p:spPr>
-      </p:pic>
-      <p:pic>
-        <p:nvPicPr>
-          <p:cNvPr id="15" name="Picture 14" descr="Shape&#10;&#10;Description automatically generated with medium confidence">
-            <a:extLst>
-              <a:ext uri="{FF2B5EF4-FFF2-40B4-BE49-F238E27FC236}">
-                <a16:creationId xmlns:a16="http://schemas.microsoft.com/office/drawing/2014/main" id="{E828B178-471C-4B0C-BD09-59F19C7E42CC}"/>
-              </a:ext>
-            </a:extLst>
-          </p:cNvPr>
-          <p:cNvPicPr>
-            <a:picLocks noChangeAspect="1"/>
-          </p:cNvPicPr>
-          <p:nvPr/>
-        </p:nvPicPr>
-        <p:blipFill>
-          <a:blip r:embed="rId8">
-            <a:extLst>
-              <a:ext uri="{28A0092B-C50C-407E-A947-70E740481C1C}">
-                <a14:useLocalDpi xmlns:a14="http://schemas.microsoft.com/office/drawing/2010/main" val="0"/>
-              </a:ext>
-            </a:extLst>
-          </a:blip>
-          <a:stretch>
-            <a:fillRect/>
-          </a:stretch>
-        </p:blipFill>
-        <p:spPr>
           <a:xfrm rot="5400000">
-            <a:off x="5398286" y="5734251"/>
-            <a:ext cx="914400" cy="914400"/>
-          </a:xfrm>
-          <a:prstGeom prst="rect">
-            <a:avLst/>
-          </a:prstGeom>
-        </p:spPr>
-      </p:pic>
-      <p:pic>
-        <p:nvPicPr>
-          <p:cNvPr id="16" name="Picture 15" descr="A picture containing icon&#10;&#10;Description automatically generated">
-            <a:extLst>
-              <a:ext uri="{FF2B5EF4-FFF2-40B4-BE49-F238E27FC236}">
-                <a16:creationId xmlns:a16="http://schemas.microsoft.com/office/drawing/2014/main" id="{0AB8004B-F200-477F-BD9B-3BB463624601}"/>
-              </a:ext>
-            </a:extLst>
-          </p:cNvPr>
-          <p:cNvPicPr>
-            <a:picLocks noChangeAspect="1"/>
-          </p:cNvPicPr>
-          <p:nvPr/>
-        </p:nvPicPr>
-        <p:blipFill>
-          <a:blip r:embed="rId3">
-            <a:extLst>
-              <a:ext uri="{28A0092B-C50C-407E-A947-70E740481C1C}">
-                <a14:useLocalDpi xmlns:a14="http://schemas.microsoft.com/office/drawing/2010/main" val="0"/>
-              </a:ext>
-            </a:extLst>
-          </a:blip>
-          <a:stretch>
-            <a:fillRect/>
-          </a:stretch>
-        </p:blipFill>
-        <p:spPr>
-          <a:xfrm>
-            <a:off x="4314547" y="2823101"/>
-            <a:ext cx="914400" cy="914400"/>
-          </a:xfrm>
-          <a:prstGeom prst="rect">
-            <a:avLst/>
-          </a:prstGeom>
-        </p:spPr>
-      </p:pic>
-      <p:pic>
-        <p:nvPicPr>
-          <p:cNvPr id="20" name="Picture 19" descr="A picture containing icon&#10;&#10;Description automatically generated">
-            <a:extLst>
-              <a:ext uri="{FF2B5EF4-FFF2-40B4-BE49-F238E27FC236}">
-                <a16:creationId xmlns:a16="http://schemas.microsoft.com/office/drawing/2014/main" id="{507F2AAC-031A-4592-B47F-8550548216A7}"/>
-              </a:ext>
-            </a:extLst>
-          </p:cNvPr>
-          <p:cNvPicPr>
-            <a:picLocks noChangeAspect="1"/>
-          </p:cNvPicPr>
-          <p:nvPr/>
-        </p:nvPicPr>
-        <p:blipFill>
-          <a:blip r:embed="rId3">
-            <a:extLst>
-              <a:ext uri="{28A0092B-C50C-407E-A947-70E740481C1C}">
-                <a14:useLocalDpi xmlns:a14="http://schemas.microsoft.com/office/drawing/2010/main" val="0"/>
-              </a:ext>
-            </a:extLst>
-          </a:blip>
-          <a:stretch>
-            <a:fillRect/>
-          </a:stretch>
-        </p:blipFill>
-        <p:spPr>
-          <a:xfrm>
-            <a:off x="4301231" y="3758435"/>
-            <a:ext cx="914400" cy="914400"/>
-          </a:xfrm>
-          <a:prstGeom prst="rect">
-            <a:avLst/>
-          </a:prstGeom>
-        </p:spPr>
-      </p:pic>
-      <p:pic>
-        <p:nvPicPr>
-          <p:cNvPr id="21" name="Picture 20" descr="A picture containing icon&#10;&#10;Description automatically generated">
-            <a:extLst>
-              <a:ext uri="{FF2B5EF4-FFF2-40B4-BE49-F238E27FC236}">
-                <a16:creationId xmlns:a16="http://schemas.microsoft.com/office/drawing/2014/main" id="{6EF7F326-69C7-4001-8739-18CDBDACB795}"/>
-              </a:ext>
-            </a:extLst>
-          </p:cNvPr>
-          <p:cNvPicPr>
-            <a:picLocks noChangeAspect="1"/>
-          </p:cNvPicPr>
-          <p:nvPr/>
-        </p:nvPicPr>
-        <p:blipFill>
-          <a:blip r:embed="rId3">
-            <a:extLst>
-              <a:ext uri="{28A0092B-C50C-407E-A947-70E740481C1C}">
-                <a14:useLocalDpi xmlns:a14="http://schemas.microsoft.com/office/drawing/2010/main" val="0"/>
-              </a:ext>
-            </a:extLst>
-          </a:blip>
-          <a:stretch>
-            <a:fillRect/>
-          </a:stretch>
-        </p:blipFill>
-        <p:spPr>
-          <a:xfrm>
-            <a:off x="4314547" y="4703015"/>
-            <a:ext cx="914400" cy="914400"/>
-          </a:xfrm>
-          <a:prstGeom prst="rect">
-            <a:avLst/>
-          </a:prstGeom>
-        </p:spPr>
-      </p:pic>
-      <p:pic>
-        <p:nvPicPr>
-          <p:cNvPr id="22" name="Picture 21" descr="Shape&#10;&#10;Description automatically generated with medium confidence">
-            <a:extLst>
-              <a:ext uri="{FF2B5EF4-FFF2-40B4-BE49-F238E27FC236}">
-                <a16:creationId xmlns:a16="http://schemas.microsoft.com/office/drawing/2014/main" id="{2BF87304-6F6C-44A3-97FA-6D7D540661D0}"/>
-              </a:ext>
-            </a:extLst>
-          </p:cNvPr>
-          <p:cNvPicPr>
-            <a:picLocks noChangeAspect="1"/>
-          </p:cNvPicPr>
-          <p:nvPr/>
-        </p:nvPicPr>
-        <p:blipFill>
-          <a:blip r:embed="rId8">
-            <a:extLst>
-              <a:ext uri="{28A0092B-C50C-407E-A947-70E740481C1C}">
-                <a14:useLocalDpi xmlns:a14="http://schemas.microsoft.com/office/drawing/2010/main" val="0"/>
-              </a:ext>
-            </a:extLst>
-          </a:blip>
-          <a:stretch>
-            <a:fillRect/>
-          </a:stretch>
-        </p:blipFill>
-        <p:spPr>
-          <a:xfrm rot="5400000">
-            <a:off x="7533648" y="5617415"/>
-            <a:ext cx="914400" cy="914400"/>
-          </a:xfrm>
-          <a:prstGeom prst="rect">
-            <a:avLst/>
-          </a:prstGeom>
-        </p:spPr>
-      </p:pic>
-      <p:pic>
-        <p:nvPicPr>
-          <p:cNvPr id="23" name="Picture 22" descr="Shape&#10;&#10;Description automatically generated with medium confidence">
-            <a:extLst>
-              <a:ext uri="{FF2B5EF4-FFF2-40B4-BE49-F238E27FC236}">
-                <a16:creationId xmlns:a16="http://schemas.microsoft.com/office/drawing/2014/main" id="{F2CF4332-2B52-41DC-8118-F809BAF62D32}"/>
-              </a:ext>
-            </a:extLst>
-          </p:cNvPr>
-          <p:cNvPicPr>
-            <a:picLocks noChangeAspect="1"/>
-          </p:cNvPicPr>
-          <p:nvPr/>
-        </p:nvPicPr>
-        <p:blipFill>
-          <a:blip r:embed="rId8">
-            <a:extLst>
-              <a:ext uri="{28A0092B-C50C-407E-A947-70E740481C1C}">
-                <a14:useLocalDpi xmlns:a14="http://schemas.microsoft.com/office/drawing/2010/main" val="0"/>
-              </a:ext>
-            </a:extLst>
-          </a:blip>
-          <a:stretch>
-            <a:fillRect/>
-          </a:stretch>
-        </p:blipFill>
-        <p:spPr>
-          <a:xfrm>
-            <a:off x="9394939" y="4336776"/>
-            <a:ext cx="914400" cy="914400"/>
-          </a:xfrm>
-          <a:prstGeom prst="rect">
-            <a:avLst/>
-          </a:prstGeom>
-        </p:spPr>
-      </p:pic>
-      <p:pic>
-        <p:nvPicPr>
-          <p:cNvPr id="24" name="Picture 23" descr="Shape&#10;&#10;Description automatically generated with medium confidence">
-            <a:extLst>
-              <a:ext uri="{FF2B5EF4-FFF2-40B4-BE49-F238E27FC236}">
-                <a16:creationId xmlns:a16="http://schemas.microsoft.com/office/drawing/2014/main" id="{74E03227-922F-4AE8-A87A-0356F2914C08}"/>
-              </a:ext>
-            </a:extLst>
-          </p:cNvPr>
-          <p:cNvPicPr>
-            <a:picLocks noChangeAspect="1"/>
-          </p:cNvPicPr>
-          <p:nvPr/>
-        </p:nvPicPr>
-        <p:blipFill>
-          <a:blip r:embed="rId8">
-            <a:extLst>
-              <a:ext uri="{28A0092B-C50C-407E-A947-70E740481C1C}">
-                <a14:useLocalDpi xmlns:a14="http://schemas.microsoft.com/office/drawing/2010/main" val="0"/>
-              </a:ext>
-            </a:extLst>
-          </a:blip>
-          <a:stretch>
-            <a:fillRect/>
-          </a:stretch>
-        </p:blipFill>
-        <p:spPr>
-          <a:xfrm rot="5400000">
-            <a:off x="8280851" y="3301235"/>
-            <a:ext cx="914400" cy="914400"/>
-          </a:xfrm>
-          <a:prstGeom prst="rect">
-            <a:avLst/>
-          </a:prstGeom>
-        </p:spPr>
-      </p:pic>
-      <p:pic>
-        <p:nvPicPr>
-          <p:cNvPr id="25" name="Picture 24" descr="Shape&#10;&#10;Description automatically generated with medium confidence">
-            <a:extLst>
-              <a:ext uri="{FF2B5EF4-FFF2-40B4-BE49-F238E27FC236}">
-                <a16:creationId xmlns:a16="http://schemas.microsoft.com/office/drawing/2014/main" id="{3F99E290-554E-4A94-AEF0-DEF4868F52CE}"/>
-              </a:ext>
-            </a:extLst>
-          </p:cNvPr>
-          <p:cNvPicPr>
-            <a:picLocks noChangeAspect="1"/>
-          </p:cNvPicPr>
-          <p:nvPr/>
-        </p:nvPicPr>
-        <p:blipFill>
-          <a:blip r:embed="rId8">
-            <a:extLst>
-              <a:ext uri="{28A0092B-C50C-407E-A947-70E740481C1C}">
-                <a14:useLocalDpi xmlns:a14="http://schemas.microsoft.com/office/drawing/2010/main" val="0"/>
-              </a:ext>
-            </a:extLst>
-          </a:blip>
-          <a:stretch>
-            <a:fillRect/>
-          </a:stretch>
-        </p:blipFill>
-        <p:spPr>
-          <a:xfrm rot="5400000">
-            <a:off x="6436311" y="3414960"/>
-            <a:ext cx="914400" cy="914400"/>
-          </a:xfrm>
-          <a:prstGeom prst="rect">
-            <a:avLst/>
-          </a:prstGeom>
-        </p:spPr>
-      </p:pic>
-      <p:pic>
-        <p:nvPicPr>
-          <p:cNvPr id="26" name="Picture 25" descr="Shape&#10;&#10;Description automatically generated with medium confidence">
-            <a:extLst>
-              <a:ext uri="{FF2B5EF4-FFF2-40B4-BE49-F238E27FC236}">
-                <a16:creationId xmlns:a16="http://schemas.microsoft.com/office/drawing/2014/main" id="{BC2838DF-0B3B-4CCB-88E5-874DE8DBB2F2}"/>
-              </a:ext>
-            </a:extLst>
-          </p:cNvPr>
-          <p:cNvPicPr>
-            <a:picLocks noChangeAspect="1"/>
-          </p:cNvPicPr>
-          <p:nvPr/>
-        </p:nvPicPr>
-        <p:blipFill>
-          <a:blip r:embed="rId8">
-            <a:extLst>
-              <a:ext uri="{28A0092B-C50C-407E-A947-70E740481C1C}">
-                <a14:useLocalDpi xmlns:a14="http://schemas.microsoft.com/office/drawing/2010/main" val="0"/>
-              </a:ext>
-            </a:extLst>
-          </a:blip>
-          <a:stretch>
-            <a:fillRect/>
-          </a:stretch>
-        </p:blipFill>
-        <p:spPr>
-          <a:xfrm rot="5400000">
-            <a:off x="3566337" y="3552807"/>
-            <a:ext cx="914400" cy="914400"/>
-          </a:xfrm>
-          <a:prstGeom prst="rect">
-            <a:avLst/>
-          </a:prstGeom>
-        </p:spPr>
-      </p:pic>
-      <p:pic>
-        <p:nvPicPr>
-          <p:cNvPr id="27" name="Picture 26" descr="Shape&#10;&#10;Description automatically generated with medium confidence">
-            <a:extLst>
-              <a:ext uri="{FF2B5EF4-FFF2-40B4-BE49-F238E27FC236}">
-                <a16:creationId xmlns:a16="http://schemas.microsoft.com/office/drawing/2014/main" id="{59A72553-A062-4B1D-BC06-F3E0EAC15A13}"/>
-              </a:ext>
-            </a:extLst>
-          </p:cNvPr>
-          <p:cNvPicPr>
-            <a:picLocks noChangeAspect="1"/>
-          </p:cNvPicPr>
-          <p:nvPr/>
-        </p:nvPicPr>
-        <p:blipFill>
-          <a:blip r:embed="rId8">
-            <a:extLst>
-              <a:ext uri="{28A0092B-C50C-407E-A947-70E740481C1C}">
-                <a14:useLocalDpi xmlns:a14="http://schemas.microsoft.com/office/drawing/2010/main" val="0"/>
-              </a:ext>
-            </a:extLst>
-          </a:blip>
-          <a:stretch>
-            <a:fillRect/>
-          </a:stretch>
-        </p:blipFill>
-        <p:spPr>
-          <a:xfrm rot="5400000">
-            <a:off x="2345657" y="3552807"/>
-            <a:ext cx="914400" cy="914400"/>
-          </a:xfrm>
-          <a:prstGeom prst="rect">
-            <a:avLst/>
-          </a:prstGeom>
-        </p:spPr>
-      </p:pic>
-      <p:pic>
-        <p:nvPicPr>
-          <p:cNvPr id="28" name="Picture 27" descr="Shape&#10;&#10;Description automatically generated with medium confidence">
-            <a:extLst>
-              <a:ext uri="{FF2B5EF4-FFF2-40B4-BE49-F238E27FC236}">
-                <a16:creationId xmlns:a16="http://schemas.microsoft.com/office/drawing/2014/main" id="{3674076C-1C1F-4109-9209-D94319529DDE}"/>
-              </a:ext>
-            </a:extLst>
-          </p:cNvPr>
-          <p:cNvPicPr>
-            <a:picLocks noChangeAspect="1"/>
-          </p:cNvPicPr>
-          <p:nvPr/>
-        </p:nvPicPr>
-        <p:blipFill>
-          <a:blip r:embed="rId8">
-            <a:extLst>
-              <a:ext uri="{28A0092B-C50C-407E-A947-70E740481C1C}">
-                <a14:useLocalDpi xmlns:a14="http://schemas.microsoft.com/office/drawing/2010/main" val="0"/>
-              </a:ext>
-            </a:extLst>
-          </a:blip>
-          <a:stretch>
-            <a:fillRect/>
-          </a:stretch>
-        </p:blipFill>
-        <p:spPr>
-          <a:xfrm rot="5400000">
-            <a:off x="5048971" y="3445497"/>
-            <a:ext cx="914400" cy="914400"/>
-          </a:xfrm>
-          <a:prstGeom prst="rect">
-            <a:avLst/>
-          </a:prstGeom>
-        </p:spPr>
-      </p:pic>
-      <p:pic>
-        <p:nvPicPr>
-          <p:cNvPr id="29" name="Picture 28" descr="A black rectangle with white squares&#10;&#10;Description automatically generated with low confidence">
-            <a:extLst>
-              <a:ext uri="{FF2B5EF4-FFF2-40B4-BE49-F238E27FC236}">
-                <a16:creationId xmlns:a16="http://schemas.microsoft.com/office/drawing/2014/main" id="{3CEE9F1C-FF56-4277-9AE0-E7548B840F26}"/>
-              </a:ext>
-            </a:extLst>
-          </p:cNvPr>
-          <p:cNvPicPr>
-            <a:picLocks noChangeAspect="1"/>
-          </p:cNvPicPr>
-          <p:nvPr/>
-        </p:nvPicPr>
-        <p:blipFill>
-          <a:blip r:embed="rId4">
-            <a:extLst>
-              <a:ext uri="{28A0092B-C50C-407E-A947-70E740481C1C}">
-                <a14:useLocalDpi xmlns:a14="http://schemas.microsoft.com/office/drawing/2010/main" val="0"/>
-              </a:ext>
-            </a:extLst>
-          </a:blip>
-          <a:stretch>
-            <a:fillRect/>
-          </a:stretch>
-        </p:blipFill>
-        <p:spPr>
-          <a:xfrm>
-            <a:off x="853293" y="3737501"/>
+            <a:off x="9929675" y="1476393"/>
             <a:ext cx="914400" cy="914400"/>
           </a:xfrm>
           <a:prstGeom prst="rect">
@@ -6332,7 +5238,7 @@
     </p:spTree>
     <p:extLst>
       <p:ext uri="{BB962C8B-B14F-4D97-AF65-F5344CB8AC3E}">
-        <p14:creationId xmlns:p14="http://schemas.microsoft.com/office/powerpoint/2010/main" val="2902652083"/>
+        <p14:creationId xmlns:p14="http://schemas.microsoft.com/office/powerpoint/2010/main" val="2991487904"/>
       </p:ext>
     </p:extLst>
   </p:cSld>
@@ -6359,300 +5265,12 @@
           <a:chExt cx="0" cy="0"/>
         </a:xfrm>
       </p:grpSpPr>
-      <p:pic>
-        <p:nvPicPr>
-          <p:cNvPr id="7" name="Picture 6" descr="Logo&#10;&#10;Description automatically generated">
-            <a:extLst>
-              <a:ext uri="{FF2B5EF4-FFF2-40B4-BE49-F238E27FC236}">
-                <a16:creationId xmlns:a16="http://schemas.microsoft.com/office/drawing/2014/main" id="{00E3030A-852A-4ECA-A4A8-4698DB6B2E96}"/>
-              </a:ext>
-            </a:extLst>
-          </p:cNvPr>
-          <p:cNvPicPr>
-            <a:picLocks noChangeAspect="1"/>
-          </p:cNvPicPr>
-          <p:nvPr/>
-        </p:nvPicPr>
-        <p:blipFill>
-          <a:blip r:embed="rId2">
-            <a:extLst>
-              <a:ext uri="{28A0092B-C50C-407E-A947-70E740481C1C}">
-                <a14:useLocalDpi xmlns:a14="http://schemas.microsoft.com/office/drawing/2010/main" val="0"/>
-              </a:ext>
-            </a:extLst>
-          </a:blip>
-          <a:stretch>
-            <a:fillRect/>
-          </a:stretch>
-        </p:blipFill>
-        <p:spPr>
-          <a:xfrm rot="10800000">
-            <a:off x="4709793" y="1311023"/>
-            <a:ext cx="914400" cy="914400"/>
-          </a:xfrm>
-          <a:prstGeom prst="rect">
-            <a:avLst/>
-          </a:prstGeom>
-        </p:spPr>
-      </p:pic>
-      <p:pic>
-        <p:nvPicPr>
-          <p:cNvPr id="8" name="Picture 7" descr="A picture containing icon&#10;&#10;Description automatically generated">
-            <a:extLst>
-              <a:ext uri="{FF2B5EF4-FFF2-40B4-BE49-F238E27FC236}">
-                <a16:creationId xmlns:a16="http://schemas.microsoft.com/office/drawing/2014/main" id="{69068558-9BEC-4176-92AA-383F32D9CBE7}"/>
-              </a:ext>
-            </a:extLst>
-          </p:cNvPr>
-          <p:cNvPicPr>
-            <a:picLocks noChangeAspect="1"/>
-          </p:cNvPicPr>
-          <p:nvPr/>
-        </p:nvPicPr>
-        <p:blipFill>
-          <a:blip r:embed="rId3">
-            <a:extLst>
-              <a:ext uri="{28A0092B-C50C-407E-A947-70E740481C1C}">
-                <a14:useLocalDpi xmlns:a14="http://schemas.microsoft.com/office/drawing/2010/main" val="0"/>
-              </a:ext>
-            </a:extLst>
-          </a:blip>
-          <a:stretch>
-            <a:fillRect/>
-          </a:stretch>
-        </p:blipFill>
-        <p:spPr>
-          <a:xfrm>
-            <a:off x="4709792" y="2225423"/>
-            <a:ext cx="914400" cy="914400"/>
-          </a:xfrm>
-          <a:prstGeom prst="rect">
-            <a:avLst/>
-          </a:prstGeom>
-        </p:spPr>
-      </p:pic>
-      <p:pic>
-        <p:nvPicPr>
-          <p:cNvPr id="9" name="Picture 8" descr="A black rectangle with white squares&#10;&#10;Description automatically generated with low confidence">
-            <a:extLst>
-              <a:ext uri="{FF2B5EF4-FFF2-40B4-BE49-F238E27FC236}">
-                <a16:creationId xmlns:a16="http://schemas.microsoft.com/office/drawing/2014/main" id="{D0F723E1-379C-4CC9-8E04-D62649F76950}"/>
-              </a:ext>
-            </a:extLst>
-          </p:cNvPr>
-          <p:cNvPicPr>
-            <a:picLocks noChangeAspect="1"/>
-          </p:cNvPicPr>
-          <p:nvPr/>
-        </p:nvPicPr>
-        <p:blipFill>
-          <a:blip r:embed="rId4">
-            <a:extLst>
-              <a:ext uri="{28A0092B-C50C-407E-A947-70E740481C1C}">
-                <a14:useLocalDpi xmlns:a14="http://schemas.microsoft.com/office/drawing/2010/main" val="0"/>
-              </a:ext>
-            </a:extLst>
-          </a:blip>
-          <a:stretch>
-            <a:fillRect/>
-          </a:stretch>
-        </p:blipFill>
-        <p:spPr>
-          <a:xfrm>
-            <a:off x="4723108" y="1335916"/>
-            <a:ext cx="914400" cy="914400"/>
-          </a:xfrm>
-          <a:prstGeom prst="rect">
-            <a:avLst/>
-          </a:prstGeom>
-        </p:spPr>
-      </p:pic>
-      <p:pic>
-        <p:nvPicPr>
-          <p:cNvPr id="10" name="Picture 9" descr="Icon&#10;&#10;Description automatically generated">
-            <a:extLst>
-              <a:ext uri="{FF2B5EF4-FFF2-40B4-BE49-F238E27FC236}">
-                <a16:creationId xmlns:a16="http://schemas.microsoft.com/office/drawing/2014/main" id="{83465873-06EC-4808-976B-D2B0C2447EFE}"/>
-              </a:ext>
-            </a:extLst>
-          </p:cNvPr>
-          <p:cNvPicPr>
-            <a:picLocks noChangeAspect="1"/>
-          </p:cNvPicPr>
-          <p:nvPr/>
-        </p:nvPicPr>
-        <p:blipFill>
-          <a:blip r:embed="rId5">
-            <a:extLst>
-              <a:ext uri="{28A0092B-C50C-407E-A947-70E740481C1C}">
-                <a14:useLocalDpi xmlns:a14="http://schemas.microsoft.com/office/drawing/2010/main" val="0"/>
-              </a:ext>
-            </a:extLst>
-          </a:blip>
-          <a:stretch>
-            <a:fillRect/>
-          </a:stretch>
-        </p:blipFill>
-        <p:spPr>
-          <a:xfrm rot="10800000">
-            <a:off x="8953320" y="1335916"/>
-            <a:ext cx="914400" cy="914400"/>
-          </a:xfrm>
-          <a:prstGeom prst="rect">
-            <a:avLst/>
-          </a:prstGeom>
-        </p:spPr>
-      </p:pic>
-      <p:pic>
-        <p:nvPicPr>
-          <p:cNvPr id="11" name="Picture 10" descr="Shape&#10;&#10;Description automatically generated">
-            <a:extLst>
-              <a:ext uri="{FF2B5EF4-FFF2-40B4-BE49-F238E27FC236}">
-                <a16:creationId xmlns:a16="http://schemas.microsoft.com/office/drawing/2014/main" id="{98A58C91-3975-4AFC-8FB9-3C6829D9421C}"/>
-              </a:ext>
-            </a:extLst>
-          </p:cNvPr>
-          <p:cNvPicPr>
-            <a:picLocks noChangeAspect="1"/>
-          </p:cNvPicPr>
-          <p:nvPr/>
-        </p:nvPicPr>
-        <p:blipFill>
-          <a:blip r:embed="rId6">
-            <a:extLst>
-              <a:ext uri="{28A0092B-C50C-407E-A947-70E740481C1C}">
-                <a14:useLocalDpi xmlns:a14="http://schemas.microsoft.com/office/drawing/2010/main" val="0"/>
-              </a:ext>
-            </a:extLst>
-          </a:blip>
-          <a:stretch>
-            <a:fillRect/>
-          </a:stretch>
-        </p:blipFill>
-        <p:spPr>
-          <a:xfrm>
-            <a:off x="8884597" y="1429945"/>
-            <a:ext cx="914400" cy="914400"/>
-          </a:xfrm>
-          <a:prstGeom prst="rect">
-            <a:avLst/>
-          </a:prstGeom>
-        </p:spPr>
-      </p:pic>
-      <p:pic>
-        <p:nvPicPr>
-          <p:cNvPr id="12" name="Picture 11" descr="Shape&#10;&#10;Description automatically generated">
-            <a:extLst>
-              <a:ext uri="{FF2B5EF4-FFF2-40B4-BE49-F238E27FC236}">
-                <a16:creationId xmlns:a16="http://schemas.microsoft.com/office/drawing/2014/main" id="{98705F99-1ACE-43A6-9AAB-9E31774CD431}"/>
-              </a:ext>
-            </a:extLst>
-          </p:cNvPr>
-          <p:cNvPicPr>
-            <a:picLocks noChangeAspect="1"/>
-          </p:cNvPicPr>
-          <p:nvPr/>
-        </p:nvPicPr>
-        <p:blipFill>
-          <a:blip r:embed="rId6">
-            <a:extLst>
-              <a:ext uri="{28A0092B-C50C-407E-A947-70E740481C1C}">
-                <a14:useLocalDpi xmlns:a14="http://schemas.microsoft.com/office/drawing/2010/main" val="0"/>
-              </a:ext>
-            </a:extLst>
-          </a:blip>
-          <a:stretch>
-            <a:fillRect/>
-          </a:stretch>
-        </p:blipFill>
-        <p:spPr>
-          <a:xfrm>
-            <a:off x="8696529" y="5230217"/>
-            <a:ext cx="914400" cy="914400"/>
-          </a:xfrm>
-          <a:prstGeom prst="rect">
-            <a:avLst/>
-          </a:prstGeom>
-        </p:spPr>
-      </p:pic>
-      <p:pic>
-        <p:nvPicPr>
-          <p:cNvPr id="13" name="Picture 12" descr="Icon&#10;&#10;Description automatically generated">
-            <a:extLst>
-              <a:ext uri="{FF2B5EF4-FFF2-40B4-BE49-F238E27FC236}">
-                <a16:creationId xmlns:a16="http://schemas.microsoft.com/office/drawing/2014/main" id="{D37E2ADE-7B3E-40C4-B27D-A4D4625A0652}"/>
-              </a:ext>
-            </a:extLst>
-          </p:cNvPr>
-          <p:cNvPicPr>
-            <a:picLocks noChangeAspect="1"/>
-          </p:cNvPicPr>
-          <p:nvPr/>
-        </p:nvPicPr>
-        <p:blipFill>
-          <a:blip r:embed="rId7">
-            <a:extLst>
-              <a:ext uri="{28A0092B-C50C-407E-A947-70E740481C1C}">
-                <a14:useLocalDpi xmlns:a14="http://schemas.microsoft.com/office/drawing/2010/main" val="0"/>
-              </a:ext>
-            </a:extLst>
-          </a:blip>
-          <a:stretch>
-            <a:fillRect/>
-          </a:stretch>
-        </p:blipFill>
-        <p:spPr>
-          <a:xfrm>
-            <a:off x="8696529" y="5230217"/>
-            <a:ext cx="914400" cy="914400"/>
-          </a:xfrm>
-          <a:prstGeom prst="rect">
-            <a:avLst/>
-          </a:prstGeom>
-        </p:spPr>
-      </p:pic>
-      <p:pic>
-        <p:nvPicPr>
-          <p:cNvPr id="14" name="Picture 13" descr="Icon&#10;&#10;Description automatically generated with medium confidence">
-            <a:extLst>
-              <a:ext uri="{FF2B5EF4-FFF2-40B4-BE49-F238E27FC236}">
-                <a16:creationId xmlns:a16="http://schemas.microsoft.com/office/drawing/2014/main" id="{E0FD96F1-D74A-414A-9091-A9226D8ECAB7}"/>
-              </a:ext>
-            </a:extLst>
-          </p:cNvPr>
-          <p:cNvPicPr>
-            <a:picLocks noChangeAspect="1"/>
-          </p:cNvPicPr>
-          <p:nvPr/>
-        </p:nvPicPr>
-        <p:blipFill>
-          <a:blip r:embed="rId8">
-            <a:extLst>
-              <a:ext uri="{28A0092B-C50C-407E-A947-70E740481C1C}">
-                <a14:useLocalDpi xmlns:a14="http://schemas.microsoft.com/office/drawing/2010/main" val="0"/>
-              </a:ext>
-            </a:extLst>
-          </a:blip>
-          <a:stretch>
-            <a:fillRect/>
-          </a:stretch>
-        </p:blipFill>
-        <p:spPr>
-          <a:xfrm rot="5400000">
-            <a:off x="923464" y="1472442"/>
-            <a:ext cx="914400" cy="829405"/>
-          </a:xfrm>
-          <a:prstGeom prst="rect">
-            <a:avLst/>
-          </a:prstGeom>
-        </p:spPr>
-      </p:pic>
       <p:sp>
         <p:nvSpPr>
-          <p:cNvPr id="15" name="TextBox 14">
-            <a:extLst>
-              <a:ext uri="{FF2B5EF4-FFF2-40B4-BE49-F238E27FC236}">
-                <a16:creationId xmlns:a16="http://schemas.microsoft.com/office/drawing/2014/main" id="{A5D2969A-392C-4AC5-879D-8BFB90746B56}"/>
+          <p:cNvPr id="6" name="TextBox 5">
+            <a:extLst>
+              <a:ext uri="{FF2B5EF4-FFF2-40B4-BE49-F238E27FC236}">
+                <a16:creationId xmlns:a16="http://schemas.microsoft.com/office/drawing/2014/main" id="{FA129942-5BCC-4F60-82BF-F574107C7438}"/>
               </a:ext>
             </a:extLst>
           </p:cNvPr>
@@ -6661,7 +5279,7 @@
         </p:nvSpPr>
         <p:spPr>
           <a:xfrm>
-            <a:off x="792220" y="3429000"/>
+            <a:off x="229608" y="511521"/>
             <a:ext cx="3577701" cy="2708434"/>
           </a:xfrm>
           <a:prstGeom prst="rect">
@@ -6677,7 +5295,7 @@
           <a:p>
             <a:r>
               <a:rPr lang="en-US" sz="7600" dirty="0"/>
-              <a:t>LEVEL 7 STEP 0</a:t>
+              <a:t>LEVEL 6 STEP 1</a:t>
             </a:r>
           </a:p>
           <a:p>
@@ -6685,10 +5303,766 @@
           </a:p>
         </p:txBody>
       </p:sp>
+      <p:pic>
+        <p:nvPicPr>
+          <p:cNvPr id="4" name="Picture 3" descr="Logo&#10;&#10;Description automatically generated">
+            <a:extLst>
+              <a:ext uri="{FF2B5EF4-FFF2-40B4-BE49-F238E27FC236}">
+                <a16:creationId xmlns:a16="http://schemas.microsoft.com/office/drawing/2014/main" id="{02FD1973-EB3E-49FA-AFA0-901E66E3B611}"/>
+              </a:ext>
+            </a:extLst>
+          </p:cNvPr>
+          <p:cNvPicPr>
+            <a:picLocks noChangeAspect="1"/>
+          </p:cNvPicPr>
+          <p:nvPr/>
+        </p:nvPicPr>
+        <p:blipFill>
+          <a:blip r:embed="rId2">
+            <a:extLst>
+              <a:ext uri="{28A0092B-C50C-407E-A947-70E740481C1C}">
+                <a14:useLocalDpi xmlns:a14="http://schemas.microsoft.com/office/drawing/2010/main" val="0"/>
+              </a:ext>
+            </a:extLst>
+          </a:blip>
+          <a:stretch>
+            <a:fillRect/>
+          </a:stretch>
+        </p:blipFill>
+        <p:spPr>
+          <a:xfrm rot="10800000">
+            <a:off x="4301232" y="1019194"/>
+            <a:ext cx="914400" cy="914400"/>
+          </a:xfrm>
+          <a:prstGeom prst="rect">
+            <a:avLst/>
+          </a:prstGeom>
+        </p:spPr>
+      </p:pic>
+      <p:pic>
+        <p:nvPicPr>
+          <p:cNvPr id="9" name="Picture 8" descr="A picture containing icon&#10;&#10;Description automatically generated">
+            <a:extLst>
+              <a:ext uri="{FF2B5EF4-FFF2-40B4-BE49-F238E27FC236}">
+                <a16:creationId xmlns:a16="http://schemas.microsoft.com/office/drawing/2014/main" id="{900D6E1A-D717-44B1-B73F-EA90BD300D51}"/>
+              </a:ext>
+            </a:extLst>
+          </p:cNvPr>
+          <p:cNvPicPr>
+            <a:picLocks noChangeAspect="1"/>
+          </p:cNvPicPr>
+          <p:nvPr/>
+        </p:nvPicPr>
+        <p:blipFill>
+          <a:blip r:embed="rId3">
+            <a:extLst>
+              <a:ext uri="{28A0092B-C50C-407E-A947-70E740481C1C}">
+                <a14:useLocalDpi xmlns:a14="http://schemas.microsoft.com/office/drawing/2010/main" val="0"/>
+              </a:ext>
+            </a:extLst>
+          </a:blip>
+          <a:stretch>
+            <a:fillRect/>
+          </a:stretch>
+        </p:blipFill>
+        <p:spPr>
+          <a:xfrm>
+            <a:off x="4301231" y="1933594"/>
+            <a:ext cx="914400" cy="914400"/>
+          </a:xfrm>
+          <a:prstGeom prst="rect">
+            <a:avLst/>
+          </a:prstGeom>
+        </p:spPr>
+      </p:pic>
+      <p:pic>
+        <p:nvPicPr>
+          <p:cNvPr id="11" name="Picture 10" descr="A black rectangle with white squares&#10;&#10;Description automatically generated with low confidence">
+            <a:extLst>
+              <a:ext uri="{FF2B5EF4-FFF2-40B4-BE49-F238E27FC236}">
+                <a16:creationId xmlns:a16="http://schemas.microsoft.com/office/drawing/2014/main" id="{4F5CE8D1-20E8-44AC-9356-452105D810C4}"/>
+              </a:ext>
+            </a:extLst>
+          </p:cNvPr>
+          <p:cNvPicPr>
+            <a:picLocks noChangeAspect="1"/>
+          </p:cNvPicPr>
+          <p:nvPr/>
+        </p:nvPicPr>
+        <p:blipFill>
+          <a:blip r:embed="rId4">
+            <a:extLst>
+              <a:ext uri="{28A0092B-C50C-407E-A947-70E740481C1C}">
+                <a14:useLocalDpi xmlns:a14="http://schemas.microsoft.com/office/drawing/2010/main" val="0"/>
+              </a:ext>
+            </a:extLst>
+          </a:blip>
+          <a:stretch>
+            <a:fillRect/>
+          </a:stretch>
+        </p:blipFill>
+        <p:spPr>
+          <a:xfrm>
+            <a:off x="4314547" y="1044087"/>
+            <a:ext cx="914400" cy="914400"/>
+          </a:xfrm>
+          <a:prstGeom prst="rect">
+            <a:avLst/>
+          </a:prstGeom>
+        </p:spPr>
+      </p:pic>
+      <p:pic>
+        <p:nvPicPr>
+          <p:cNvPr id="13" name="Picture 12" descr="Icon&#10;&#10;Description automatically generated">
+            <a:extLst>
+              <a:ext uri="{FF2B5EF4-FFF2-40B4-BE49-F238E27FC236}">
+                <a16:creationId xmlns:a16="http://schemas.microsoft.com/office/drawing/2014/main" id="{E7A72BED-48CD-4773-B89E-816AFA39D3C6}"/>
+              </a:ext>
+            </a:extLst>
+          </p:cNvPr>
+          <p:cNvPicPr>
+            <a:picLocks noChangeAspect="1"/>
+          </p:cNvPicPr>
+          <p:nvPr/>
+        </p:nvPicPr>
+        <p:blipFill>
+          <a:blip r:embed="rId5">
+            <a:extLst>
+              <a:ext uri="{28A0092B-C50C-407E-A947-70E740481C1C}">
+                <a14:useLocalDpi xmlns:a14="http://schemas.microsoft.com/office/drawing/2010/main" val="0"/>
+              </a:ext>
+            </a:extLst>
+          </a:blip>
+          <a:stretch>
+            <a:fillRect/>
+          </a:stretch>
+        </p:blipFill>
+        <p:spPr>
+          <a:xfrm>
+            <a:off x="4297863" y="5668529"/>
+            <a:ext cx="914400" cy="914400"/>
+          </a:xfrm>
+          <a:prstGeom prst="rect">
+            <a:avLst/>
+          </a:prstGeom>
+        </p:spPr>
+      </p:pic>
+      <p:pic>
+        <p:nvPicPr>
+          <p:cNvPr id="10" name="Picture 9" descr="Icon&#10;&#10;Description automatically generated">
+            <a:extLst>
+              <a:ext uri="{FF2B5EF4-FFF2-40B4-BE49-F238E27FC236}">
+                <a16:creationId xmlns:a16="http://schemas.microsoft.com/office/drawing/2014/main" id="{3180B899-D68A-44BF-B85E-08FAFD2B9ED3}"/>
+              </a:ext>
+            </a:extLst>
+          </p:cNvPr>
+          <p:cNvPicPr>
+            <a:picLocks noChangeAspect="1"/>
+          </p:cNvPicPr>
+          <p:nvPr/>
+        </p:nvPicPr>
+        <p:blipFill>
+          <a:blip r:embed="rId6">
+            <a:extLst>
+              <a:ext uri="{28A0092B-C50C-407E-A947-70E740481C1C}">
+                <a14:useLocalDpi xmlns:a14="http://schemas.microsoft.com/office/drawing/2010/main" val="0"/>
+              </a:ext>
+            </a:extLst>
+          </a:blip>
+          <a:stretch>
+            <a:fillRect/>
+          </a:stretch>
+        </p:blipFill>
+        <p:spPr>
+          <a:xfrm rot="5400000">
+            <a:off x="6522539" y="5668666"/>
+            <a:ext cx="914400" cy="914400"/>
+          </a:xfrm>
+          <a:prstGeom prst="rect">
+            <a:avLst/>
+          </a:prstGeom>
+        </p:spPr>
+      </p:pic>
+      <p:pic>
+        <p:nvPicPr>
+          <p:cNvPr id="12" name="Picture 11" descr="Icon&#10;&#10;Description automatically generated with medium confidence">
+            <a:extLst>
+              <a:ext uri="{FF2B5EF4-FFF2-40B4-BE49-F238E27FC236}">
+                <a16:creationId xmlns:a16="http://schemas.microsoft.com/office/drawing/2014/main" id="{A4C13E00-4D82-412D-A623-CE28C4A183C4}"/>
+              </a:ext>
+            </a:extLst>
+          </p:cNvPr>
+          <p:cNvPicPr>
+            <a:picLocks noChangeAspect="1"/>
+          </p:cNvPicPr>
+          <p:nvPr/>
+        </p:nvPicPr>
+        <p:blipFill>
+          <a:blip r:embed="rId7">
+            <a:extLst>
+              <a:ext uri="{28A0092B-C50C-407E-A947-70E740481C1C}">
+                <a14:useLocalDpi xmlns:a14="http://schemas.microsoft.com/office/drawing/2010/main" val="0"/>
+              </a:ext>
+            </a:extLst>
+          </a:blip>
+          <a:stretch>
+            <a:fillRect/>
+          </a:stretch>
+        </p:blipFill>
+        <p:spPr>
+          <a:xfrm rot="5400000">
+            <a:off x="814569" y="3659408"/>
+            <a:ext cx="914400" cy="914400"/>
+          </a:xfrm>
+          <a:prstGeom prst="rect">
+            <a:avLst/>
+          </a:prstGeom>
+        </p:spPr>
+      </p:pic>
+      <p:pic>
+        <p:nvPicPr>
+          <p:cNvPr id="14" name="Picture 13" descr="A black rectangle with white squares&#10;&#10;Description automatically generated with low confidence">
+            <a:extLst>
+              <a:ext uri="{FF2B5EF4-FFF2-40B4-BE49-F238E27FC236}">
+                <a16:creationId xmlns:a16="http://schemas.microsoft.com/office/drawing/2014/main" id="{F0EA73C4-2CC2-44D2-B73B-D4E65E654ADB}"/>
+              </a:ext>
+            </a:extLst>
+          </p:cNvPr>
+          <p:cNvPicPr>
+            <a:picLocks noChangeAspect="1"/>
+          </p:cNvPicPr>
+          <p:nvPr/>
+        </p:nvPicPr>
+        <p:blipFill>
+          <a:blip r:embed="rId4">
+            <a:extLst>
+              <a:ext uri="{28A0092B-C50C-407E-A947-70E740481C1C}">
+                <a14:useLocalDpi xmlns:a14="http://schemas.microsoft.com/office/drawing/2010/main" val="0"/>
+              </a:ext>
+            </a:extLst>
+          </a:blip>
+          <a:stretch>
+            <a:fillRect/>
+          </a:stretch>
+        </p:blipFill>
+        <p:spPr>
+          <a:xfrm>
+            <a:off x="6522539" y="5668666"/>
+            <a:ext cx="914400" cy="914400"/>
+          </a:xfrm>
+          <a:prstGeom prst="rect">
+            <a:avLst/>
+          </a:prstGeom>
+        </p:spPr>
+      </p:pic>
+      <p:pic>
+        <p:nvPicPr>
+          <p:cNvPr id="17" name="Picture 16" descr="Icon&#10;&#10;Description automatically generated">
+            <a:extLst>
+              <a:ext uri="{FF2B5EF4-FFF2-40B4-BE49-F238E27FC236}">
+                <a16:creationId xmlns:a16="http://schemas.microsoft.com/office/drawing/2014/main" id="{A9B69636-D1B2-4550-98CB-BB55DB626928}"/>
+              </a:ext>
+            </a:extLst>
+          </p:cNvPr>
+          <p:cNvPicPr>
+            <a:picLocks noChangeAspect="1"/>
+          </p:cNvPicPr>
+          <p:nvPr/>
+        </p:nvPicPr>
+        <p:blipFill>
+          <a:blip r:embed="rId5">
+            <a:extLst>
+              <a:ext uri="{28A0092B-C50C-407E-A947-70E740481C1C}">
+                <a14:useLocalDpi xmlns:a14="http://schemas.microsoft.com/office/drawing/2010/main" val="0"/>
+              </a:ext>
+            </a:extLst>
+          </a:blip>
+          <a:stretch>
+            <a:fillRect/>
+          </a:stretch>
+        </p:blipFill>
+        <p:spPr>
+          <a:xfrm rot="10800000">
+            <a:off x="9459158" y="3202208"/>
+            <a:ext cx="914400" cy="914400"/>
+          </a:xfrm>
+          <a:prstGeom prst="rect">
+            <a:avLst/>
+          </a:prstGeom>
+        </p:spPr>
+      </p:pic>
+      <p:pic>
+        <p:nvPicPr>
+          <p:cNvPr id="18" name="Picture 17" descr="Icon&#10;&#10;Description automatically generated">
+            <a:extLst>
+              <a:ext uri="{FF2B5EF4-FFF2-40B4-BE49-F238E27FC236}">
+                <a16:creationId xmlns:a16="http://schemas.microsoft.com/office/drawing/2014/main" id="{4FDAEA37-D6A2-40AB-98DE-3060BA120C77}"/>
+              </a:ext>
+            </a:extLst>
+          </p:cNvPr>
+          <p:cNvPicPr>
+            <a:picLocks noChangeAspect="1"/>
+          </p:cNvPicPr>
+          <p:nvPr/>
+        </p:nvPicPr>
+        <p:blipFill>
+          <a:blip r:embed="rId5">
+            <a:extLst>
+              <a:ext uri="{28A0092B-C50C-407E-A947-70E740481C1C}">
+                <a14:useLocalDpi xmlns:a14="http://schemas.microsoft.com/office/drawing/2010/main" val="0"/>
+              </a:ext>
+            </a:extLst>
+          </a:blip>
+          <a:stretch>
+            <a:fillRect/>
+          </a:stretch>
+        </p:blipFill>
+        <p:spPr>
+          <a:xfrm rot="16200000">
+            <a:off x="9459158" y="5471345"/>
+            <a:ext cx="914400" cy="914400"/>
+          </a:xfrm>
+          <a:prstGeom prst="rect">
+            <a:avLst/>
+          </a:prstGeom>
+        </p:spPr>
+      </p:pic>
+      <p:pic>
+        <p:nvPicPr>
+          <p:cNvPr id="15" name="Picture 14" descr="Shape&#10;&#10;Description automatically generated with medium confidence">
+            <a:extLst>
+              <a:ext uri="{FF2B5EF4-FFF2-40B4-BE49-F238E27FC236}">
+                <a16:creationId xmlns:a16="http://schemas.microsoft.com/office/drawing/2014/main" id="{E828B178-471C-4B0C-BD09-59F19C7E42CC}"/>
+              </a:ext>
+            </a:extLst>
+          </p:cNvPr>
+          <p:cNvPicPr>
+            <a:picLocks noChangeAspect="1"/>
+          </p:cNvPicPr>
+          <p:nvPr/>
+        </p:nvPicPr>
+        <p:blipFill>
+          <a:blip r:embed="rId8">
+            <a:extLst>
+              <a:ext uri="{28A0092B-C50C-407E-A947-70E740481C1C}">
+                <a14:useLocalDpi xmlns:a14="http://schemas.microsoft.com/office/drawing/2010/main" val="0"/>
+              </a:ext>
+            </a:extLst>
+          </a:blip>
+          <a:stretch>
+            <a:fillRect/>
+          </a:stretch>
+        </p:blipFill>
+        <p:spPr>
+          <a:xfrm rot="5400000">
+            <a:off x="5398286" y="5734251"/>
+            <a:ext cx="914400" cy="914400"/>
+          </a:xfrm>
+          <a:prstGeom prst="rect">
+            <a:avLst/>
+          </a:prstGeom>
+        </p:spPr>
+      </p:pic>
+      <p:pic>
+        <p:nvPicPr>
+          <p:cNvPr id="16" name="Picture 15" descr="A picture containing icon&#10;&#10;Description automatically generated">
+            <a:extLst>
+              <a:ext uri="{FF2B5EF4-FFF2-40B4-BE49-F238E27FC236}">
+                <a16:creationId xmlns:a16="http://schemas.microsoft.com/office/drawing/2014/main" id="{0AB8004B-F200-477F-BD9B-3BB463624601}"/>
+              </a:ext>
+            </a:extLst>
+          </p:cNvPr>
+          <p:cNvPicPr>
+            <a:picLocks noChangeAspect="1"/>
+          </p:cNvPicPr>
+          <p:nvPr/>
+        </p:nvPicPr>
+        <p:blipFill>
+          <a:blip r:embed="rId3">
+            <a:extLst>
+              <a:ext uri="{28A0092B-C50C-407E-A947-70E740481C1C}">
+                <a14:useLocalDpi xmlns:a14="http://schemas.microsoft.com/office/drawing/2010/main" val="0"/>
+              </a:ext>
+            </a:extLst>
+          </a:blip>
+          <a:stretch>
+            <a:fillRect/>
+          </a:stretch>
+        </p:blipFill>
+        <p:spPr>
+          <a:xfrm>
+            <a:off x="4314547" y="2823101"/>
+            <a:ext cx="914400" cy="914400"/>
+          </a:xfrm>
+          <a:prstGeom prst="rect">
+            <a:avLst/>
+          </a:prstGeom>
+        </p:spPr>
+      </p:pic>
+      <p:pic>
+        <p:nvPicPr>
+          <p:cNvPr id="20" name="Picture 19" descr="A picture containing icon&#10;&#10;Description automatically generated">
+            <a:extLst>
+              <a:ext uri="{FF2B5EF4-FFF2-40B4-BE49-F238E27FC236}">
+                <a16:creationId xmlns:a16="http://schemas.microsoft.com/office/drawing/2014/main" id="{507F2AAC-031A-4592-B47F-8550548216A7}"/>
+              </a:ext>
+            </a:extLst>
+          </p:cNvPr>
+          <p:cNvPicPr>
+            <a:picLocks noChangeAspect="1"/>
+          </p:cNvPicPr>
+          <p:nvPr/>
+        </p:nvPicPr>
+        <p:blipFill>
+          <a:blip r:embed="rId3">
+            <a:extLst>
+              <a:ext uri="{28A0092B-C50C-407E-A947-70E740481C1C}">
+                <a14:useLocalDpi xmlns:a14="http://schemas.microsoft.com/office/drawing/2010/main" val="0"/>
+              </a:ext>
+            </a:extLst>
+          </a:blip>
+          <a:stretch>
+            <a:fillRect/>
+          </a:stretch>
+        </p:blipFill>
+        <p:spPr>
+          <a:xfrm>
+            <a:off x="4301231" y="3758435"/>
+            <a:ext cx="914400" cy="914400"/>
+          </a:xfrm>
+          <a:prstGeom prst="rect">
+            <a:avLst/>
+          </a:prstGeom>
+        </p:spPr>
+      </p:pic>
+      <p:pic>
+        <p:nvPicPr>
+          <p:cNvPr id="21" name="Picture 20" descr="A picture containing icon&#10;&#10;Description automatically generated">
+            <a:extLst>
+              <a:ext uri="{FF2B5EF4-FFF2-40B4-BE49-F238E27FC236}">
+                <a16:creationId xmlns:a16="http://schemas.microsoft.com/office/drawing/2014/main" id="{6EF7F326-69C7-4001-8739-18CDBDACB795}"/>
+              </a:ext>
+            </a:extLst>
+          </p:cNvPr>
+          <p:cNvPicPr>
+            <a:picLocks noChangeAspect="1"/>
+          </p:cNvPicPr>
+          <p:nvPr/>
+        </p:nvPicPr>
+        <p:blipFill>
+          <a:blip r:embed="rId3">
+            <a:extLst>
+              <a:ext uri="{28A0092B-C50C-407E-A947-70E740481C1C}">
+                <a14:useLocalDpi xmlns:a14="http://schemas.microsoft.com/office/drawing/2010/main" val="0"/>
+              </a:ext>
+            </a:extLst>
+          </a:blip>
+          <a:stretch>
+            <a:fillRect/>
+          </a:stretch>
+        </p:blipFill>
+        <p:spPr>
+          <a:xfrm>
+            <a:off x="4314547" y="4703015"/>
+            <a:ext cx="914400" cy="914400"/>
+          </a:xfrm>
+          <a:prstGeom prst="rect">
+            <a:avLst/>
+          </a:prstGeom>
+        </p:spPr>
+      </p:pic>
+      <p:pic>
+        <p:nvPicPr>
+          <p:cNvPr id="22" name="Picture 21" descr="Shape&#10;&#10;Description automatically generated with medium confidence">
+            <a:extLst>
+              <a:ext uri="{FF2B5EF4-FFF2-40B4-BE49-F238E27FC236}">
+                <a16:creationId xmlns:a16="http://schemas.microsoft.com/office/drawing/2014/main" id="{2BF87304-6F6C-44A3-97FA-6D7D540661D0}"/>
+              </a:ext>
+            </a:extLst>
+          </p:cNvPr>
+          <p:cNvPicPr>
+            <a:picLocks noChangeAspect="1"/>
+          </p:cNvPicPr>
+          <p:nvPr/>
+        </p:nvPicPr>
+        <p:blipFill>
+          <a:blip r:embed="rId8">
+            <a:extLst>
+              <a:ext uri="{28A0092B-C50C-407E-A947-70E740481C1C}">
+                <a14:useLocalDpi xmlns:a14="http://schemas.microsoft.com/office/drawing/2010/main" val="0"/>
+              </a:ext>
+            </a:extLst>
+          </a:blip>
+          <a:stretch>
+            <a:fillRect/>
+          </a:stretch>
+        </p:blipFill>
+        <p:spPr>
+          <a:xfrm rot="5400000">
+            <a:off x="7533648" y="5617415"/>
+            <a:ext cx="914400" cy="914400"/>
+          </a:xfrm>
+          <a:prstGeom prst="rect">
+            <a:avLst/>
+          </a:prstGeom>
+        </p:spPr>
+      </p:pic>
+      <p:pic>
+        <p:nvPicPr>
+          <p:cNvPr id="23" name="Picture 22" descr="Shape&#10;&#10;Description automatically generated with medium confidence">
+            <a:extLst>
+              <a:ext uri="{FF2B5EF4-FFF2-40B4-BE49-F238E27FC236}">
+                <a16:creationId xmlns:a16="http://schemas.microsoft.com/office/drawing/2014/main" id="{F2CF4332-2B52-41DC-8118-F809BAF62D32}"/>
+              </a:ext>
+            </a:extLst>
+          </p:cNvPr>
+          <p:cNvPicPr>
+            <a:picLocks noChangeAspect="1"/>
+          </p:cNvPicPr>
+          <p:nvPr/>
+        </p:nvPicPr>
+        <p:blipFill>
+          <a:blip r:embed="rId8">
+            <a:extLst>
+              <a:ext uri="{28A0092B-C50C-407E-A947-70E740481C1C}">
+                <a14:useLocalDpi xmlns:a14="http://schemas.microsoft.com/office/drawing/2010/main" val="0"/>
+              </a:ext>
+            </a:extLst>
+          </a:blip>
+          <a:stretch>
+            <a:fillRect/>
+          </a:stretch>
+        </p:blipFill>
+        <p:spPr>
+          <a:xfrm>
+            <a:off x="9394939" y="4336776"/>
+            <a:ext cx="914400" cy="914400"/>
+          </a:xfrm>
+          <a:prstGeom prst="rect">
+            <a:avLst/>
+          </a:prstGeom>
+        </p:spPr>
+      </p:pic>
+      <p:pic>
+        <p:nvPicPr>
+          <p:cNvPr id="24" name="Picture 23" descr="Shape&#10;&#10;Description automatically generated with medium confidence">
+            <a:extLst>
+              <a:ext uri="{FF2B5EF4-FFF2-40B4-BE49-F238E27FC236}">
+                <a16:creationId xmlns:a16="http://schemas.microsoft.com/office/drawing/2014/main" id="{74E03227-922F-4AE8-A87A-0356F2914C08}"/>
+              </a:ext>
+            </a:extLst>
+          </p:cNvPr>
+          <p:cNvPicPr>
+            <a:picLocks noChangeAspect="1"/>
+          </p:cNvPicPr>
+          <p:nvPr/>
+        </p:nvPicPr>
+        <p:blipFill>
+          <a:blip r:embed="rId8">
+            <a:extLst>
+              <a:ext uri="{28A0092B-C50C-407E-A947-70E740481C1C}">
+                <a14:useLocalDpi xmlns:a14="http://schemas.microsoft.com/office/drawing/2010/main" val="0"/>
+              </a:ext>
+            </a:extLst>
+          </a:blip>
+          <a:stretch>
+            <a:fillRect/>
+          </a:stretch>
+        </p:blipFill>
+        <p:spPr>
+          <a:xfrm rot="5400000">
+            <a:off x="8280851" y="3301235"/>
+            <a:ext cx="914400" cy="914400"/>
+          </a:xfrm>
+          <a:prstGeom prst="rect">
+            <a:avLst/>
+          </a:prstGeom>
+        </p:spPr>
+      </p:pic>
+      <p:pic>
+        <p:nvPicPr>
+          <p:cNvPr id="25" name="Picture 24" descr="Shape&#10;&#10;Description automatically generated with medium confidence">
+            <a:extLst>
+              <a:ext uri="{FF2B5EF4-FFF2-40B4-BE49-F238E27FC236}">
+                <a16:creationId xmlns:a16="http://schemas.microsoft.com/office/drawing/2014/main" id="{3F99E290-554E-4A94-AEF0-DEF4868F52CE}"/>
+              </a:ext>
+            </a:extLst>
+          </p:cNvPr>
+          <p:cNvPicPr>
+            <a:picLocks noChangeAspect="1"/>
+          </p:cNvPicPr>
+          <p:nvPr/>
+        </p:nvPicPr>
+        <p:blipFill>
+          <a:blip r:embed="rId8">
+            <a:extLst>
+              <a:ext uri="{28A0092B-C50C-407E-A947-70E740481C1C}">
+                <a14:useLocalDpi xmlns:a14="http://schemas.microsoft.com/office/drawing/2010/main" val="0"/>
+              </a:ext>
+            </a:extLst>
+          </a:blip>
+          <a:stretch>
+            <a:fillRect/>
+          </a:stretch>
+        </p:blipFill>
+        <p:spPr>
+          <a:xfrm rot="5400000">
+            <a:off x="6436311" y="3414960"/>
+            <a:ext cx="914400" cy="914400"/>
+          </a:xfrm>
+          <a:prstGeom prst="rect">
+            <a:avLst/>
+          </a:prstGeom>
+        </p:spPr>
+      </p:pic>
+      <p:pic>
+        <p:nvPicPr>
+          <p:cNvPr id="26" name="Picture 25" descr="Shape&#10;&#10;Description automatically generated with medium confidence">
+            <a:extLst>
+              <a:ext uri="{FF2B5EF4-FFF2-40B4-BE49-F238E27FC236}">
+                <a16:creationId xmlns:a16="http://schemas.microsoft.com/office/drawing/2014/main" id="{BC2838DF-0B3B-4CCB-88E5-874DE8DBB2F2}"/>
+              </a:ext>
+            </a:extLst>
+          </p:cNvPr>
+          <p:cNvPicPr>
+            <a:picLocks noChangeAspect="1"/>
+          </p:cNvPicPr>
+          <p:nvPr/>
+        </p:nvPicPr>
+        <p:blipFill>
+          <a:blip r:embed="rId8">
+            <a:extLst>
+              <a:ext uri="{28A0092B-C50C-407E-A947-70E740481C1C}">
+                <a14:useLocalDpi xmlns:a14="http://schemas.microsoft.com/office/drawing/2010/main" val="0"/>
+              </a:ext>
+            </a:extLst>
+          </a:blip>
+          <a:stretch>
+            <a:fillRect/>
+          </a:stretch>
+        </p:blipFill>
+        <p:spPr>
+          <a:xfrm rot="5400000">
+            <a:off x="3566337" y="3552807"/>
+            <a:ext cx="914400" cy="914400"/>
+          </a:xfrm>
+          <a:prstGeom prst="rect">
+            <a:avLst/>
+          </a:prstGeom>
+        </p:spPr>
+      </p:pic>
+      <p:pic>
+        <p:nvPicPr>
+          <p:cNvPr id="27" name="Picture 26" descr="Shape&#10;&#10;Description automatically generated with medium confidence">
+            <a:extLst>
+              <a:ext uri="{FF2B5EF4-FFF2-40B4-BE49-F238E27FC236}">
+                <a16:creationId xmlns:a16="http://schemas.microsoft.com/office/drawing/2014/main" id="{59A72553-A062-4B1D-BC06-F3E0EAC15A13}"/>
+              </a:ext>
+            </a:extLst>
+          </p:cNvPr>
+          <p:cNvPicPr>
+            <a:picLocks noChangeAspect="1"/>
+          </p:cNvPicPr>
+          <p:nvPr/>
+        </p:nvPicPr>
+        <p:blipFill>
+          <a:blip r:embed="rId8">
+            <a:extLst>
+              <a:ext uri="{28A0092B-C50C-407E-A947-70E740481C1C}">
+                <a14:useLocalDpi xmlns:a14="http://schemas.microsoft.com/office/drawing/2010/main" val="0"/>
+              </a:ext>
+            </a:extLst>
+          </a:blip>
+          <a:stretch>
+            <a:fillRect/>
+          </a:stretch>
+        </p:blipFill>
+        <p:spPr>
+          <a:xfrm rot="5400000">
+            <a:off x="2345657" y="3552807"/>
+            <a:ext cx="914400" cy="914400"/>
+          </a:xfrm>
+          <a:prstGeom prst="rect">
+            <a:avLst/>
+          </a:prstGeom>
+        </p:spPr>
+      </p:pic>
+      <p:pic>
+        <p:nvPicPr>
+          <p:cNvPr id="28" name="Picture 27" descr="Shape&#10;&#10;Description automatically generated with medium confidence">
+            <a:extLst>
+              <a:ext uri="{FF2B5EF4-FFF2-40B4-BE49-F238E27FC236}">
+                <a16:creationId xmlns:a16="http://schemas.microsoft.com/office/drawing/2014/main" id="{3674076C-1C1F-4109-9209-D94319529DDE}"/>
+              </a:ext>
+            </a:extLst>
+          </p:cNvPr>
+          <p:cNvPicPr>
+            <a:picLocks noChangeAspect="1"/>
+          </p:cNvPicPr>
+          <p:nvPr/>
+        </p:nvPicPr>
+        <p:blipFill>
+          <a:blip r:embed="rId8">
+            <a:extLst>
+              <a:ext uri="{28A0092B-C50C-407E-A947-70E740481C1C}">
+                <a14:useLocalDpi xmlns:a14="http://schemas.microsoft.com/office/drawing/2010/main" val="0"/>
+              </a:ext>
+            </a:extLst>
+          </a:blip>
+          <a:stretch>
+            <a:fillRect/>
+          </a:stretch>
+        </p:blipFill>
+        <p:spPr>
+          <a:xfrm rot="5400000">
+            <a:off x="5048971" y="3445497"/>
+            <a:ext cx="914400" cy="914400"/>
+          </a:xfrm>
+          <a:prstGeom prst="rect">
+            <a:avLst/>
+          </a:prstGeom>
+        </p:spPr>
+      </p:pic>
+      <p:pic>
+        <p:nvPicPr>
+          <p:cNvPr id="29" name="Picture 28" descr="A black rectangle with white squares&#10;&#10;Description automatically generated with low confidence">
+            <a:extLst>
+              <a:ext uri="{FF2B5EF4-FFF2-40B4-BE49-F238E27FC236}">
+                <a16:creationId xmlns:a16="http://schemas.microsoft.com/office/drawing/2014/main" id="{3CEE9F1C-FF56-4277-9AE0-E7548B840F26}"/>
+              </a:ext>
+            </a:extLst>
+          </p:cNvPr>
+          <p:cNvPicPr>
+            <a:picLocks noChangeAspect="1"/>
+          </p:cNvPicPr>
+          <p:nvPr/>
+        </p:nvPicPr>
+        <p:blipFill>
+          <a:blip r:embed="rId4">
+            <a:extLst>
+              <a:ext uri="{28A0092B-C50C-407E-A947-70E740481C1C}">
+                <a14:useLocalDpi xmlns:a14="http://schemas.microsoft.com/office/drawing/2010/main" val="0"/>
+              </a:ext>
+            </a:extLst>
+          </a:blip>
+          <a:stretch>
+            <a:fillRect/>
+          </a:stretch>
+        </p:blipFill>
+        <p:spPr>
+          <a:xfrm>
+            <a:off x="853293" y="3737501"/>
+            <a:ext cx="914400" cy="914400"/>
+          </a:xfrm>
+          <a:prstGeom prst="rect">
+            <a:avLst/>
+          </a:prstGeom>
+        </p:spPr>
+      </p:pic>
     </p:spTree>
     <p:extLst>
       <p:ext uri="{BB962C8B-B14F-4D97-AF65-F5344CB8AC3E}">
-        <p14:creationId xmlns:p14="http://schemas.microsoft.com/office/powerpoint/2010/main" val="799893135"/>
+        <p14:creationId xmlns:p14="http://schemas.microsoft.com/office/powerpoint/2010/main" val="2902652083"/>
       </p:ext>
     </p:extLst>
   </p:cSld>
@@ -6742,7 +6116,7 @@
           </a:stretch>
         </p:blipFill>
         <p:spPr>
-          <a:xfrm rot="5400000">
+          <a:xfrm rot="10800000">
             <a:off x="4709793" y="1311023"/>
             <a:ext cx="914400" cy="914400"/>
           </a:xfrm>
@@ -6753,6 +6127,42 @@
       </p:pic>
       <p:pic>
         <p:nvPicPr>
+          <p:cNvPr id="8" name="Picture 7" descr="A picture containing icon&#10;&#10;Description automatically generated">
+            <a:extLst>
+              <a:ext uri="{FF2B5EF4-FFF2-40B4-BE49-F238E27FC236}">
+                <a16:creationId xmlns:a16="http://schemas.microsoft.com/office/drawing/2014/main" id="{69068558-9BEC-4176-92AA-383F32D9CBE7}"/>
+              </a:ext>
+            </a:extLst>
+          </p:cNvPr>
+          <p:cNvPicPr>
+            <a:picLocks noChangeAspect="1"/>
+          </p:cNvPicPr>
+          <p:nvPr/>
+        </p:nvPicPr>
+        <p:blipFill>
+          <a:blip r:embed="rId3">
+            <a:extLst>
+              <a:ext uri="{28A0092B-C50C-407E-A947-70E740481C1C}">
+                <a14:useLocalDpi xmlns:a14="http://schemas.microsoft.com/office/drawing/2010/main" val="0"/>
+              </a:ext>
+            </a:extLst>
+          </a:blip>
+          <a:stretch>
+            <a:fillRect/>
+          </a:stretch>
+        </p:blipFill>
+        <p:spPr>
+          <a:xfrm>
+            <a:off x="4709792" y="2225423"/>
+            <a:ext cx="914400" cy="914400"/>
+          </a:xfrm>
+          <a:prstGeom prst="rect">
+            <a:avLst/>
+          </a:prstGeom>
+        </p:spPr>
+      </p:pic>
+      <p:pic>
+        <p:nvPicPr>
           <p:cNvPr id="9" name="Picture 8" descr="A black rectangle with white squares&#10;&#10;Description automatically generated with low confidence">
             <a:extLst>
               <a:ext uri="{FF2B5EF4-FFF2-40B4-BE49-F238E27FC236}">
@@ -6766,20 +6176,20 @@
           <p:nvPr/>
         </p:nvPicPr>
         <p:blipFill>
-          <a:blip r:embed="rId3">
-            <a:extLst>
-              <a:ext uri="{28A0092B-C50C-407E-A947-70E740481C1C}">
-                <a14:useLocalDpi xmlns:a14="http://schemas.microsoft.com/office/drawing/2010/main" val="0"/>
-              </a:ext>
-            </a:extLst>
-          </a:blip>
-          <a:stretch>
-            <a:fillRect/>
-          </a:stretch>
-        </p:blipFill>
-        <p:spPr>
-          <a:xfrm rot="16200000">
-            <a:off x="4778516" y="1335916"/>
+          <a:blip r:embed="rId4">
+            <a:extLst>
+              <a:ext uri="{28A0092B-C50C-407E-A947-70E740481C1C}">
+                <a14:useLocalDpi xmlns:a14="http://schemas.microsoft.com/office/drawing/2010/main" val="0"/>
+              </a:ext>
+            </a:extLst>
+          </a:blip>
+          <a:stretch>
+            <a:fillRect/>
+          </a:stretch>
+        </p:blipFill>
+        <p:spPr>
+          <a:xfrm>
+            <a:off x="4723108" y="1335916"/>
             <a:ext cx="914400" cy="914400"/>
           </a:xfrm>
           <a:prstGeom prst="rect">
@@ -6802,7 +6212,7 @@
           <p:nvPr/>
         </p:nvPicPr>
         <p:blipFill>
-          <a:blip r:embed="rId4">
+          <a:blip r:embed="rId5">
             <a:extLst>
               <a:ext uri="{28A0092B-C50C-407E-A947-70E740481C1C}">
                 <a14:useLocalDpi xmlns:a14="http://schemas.microsoft.com/office/drawing/2010/main" val="0"/>
@@ -6825,6 +6235,42 @@
       </p:pic>
       <p:pic>
         <p:nvPicPr>
+          <p:cNvPr id="11" name="Picture 10" descr="Shape&#10;&#10;Description automatically generated">
+            <a:extLst>
+              <a:ext uri="{FF2B5EF4-FFF2-40B4-BE49-F238E27FC236}">
+                <a16:creationId xmlns:a16="http://schemas.microsoft.com/office/drawing/2014/main" id="{98A58C91-3975-4AFC-8FB9-3C6829D9421C}"/>
+              </a:ext>
+            </a:extLst>
+          </p:cNvPr>
+          <p:cNvPicPr>
+            <a:picLocks noChangeAspect="1"/>
+          </p:cNvPicPr>
+          <p:nvPr/>
+        </p:nvPicPr>
+        <p:blipFill>
+          <a:blip r:embed="rId6">
+            <a:extLst>
+              <a:ext uri="{28A0092B-C50C-407E-A947-70E740481C1C}">
+                <a14:useLocalDpi xmlns:a14="http://schemas.microsoft.com/office/drawing/2010/main" val="0"/>
+              </a:ext>
+            </a:extLst>
+          </a:blip>
+          <a:stretch>
+            <a:fillRect/>
+          </a:stretch>
+        </p:blipFill>
+        <p:spPr>
+          <a:xfrm>
+            <a:off x="8884597" y="1429945"/>
+            <a:ext cx="914400" cy="914400"/>
+          </a:xfrm>
+          <a:prstGeom prst="rect">
+            <a:avLst/>
+          </a:prstGeom>
+        </p:spPr>
+      </p:pic>
+      <p:pic>
+        <p:nvPicPr>
           <p:cNvPr id="12" name="Picture 11" descr="Shape&#10;&#10;Description automatically generated">
             <a:extLst>
               <a:ext uri="{FF2B5EF4-FFF2-40B4-BE49-F238E27FC236}">
@@ -6838,7 +6284,7 @@
           <p:nvPr/>
         </p:nvPicPr>
         <p:blipFill>
-          <a:blip r:embed="rId5">
+          <a:blip r:embed="rId6">
             <a:extLst>
               <a:ext uri="{28A0092B-C50C-407E-A947-70E740481C1C}">
                 <a14:useLocalDpi xmlns:a14="http://schemas.microsoft.com/office/drawing/2010/main" val="0"/>
@@ -6874,7 +6320,7 @@
           <p:nvPr/>
         </p:nvPicPr>
         <p:blipFill>
-          <a:blip r:embed="rId6">
+          <a:blip r:embed="rId7">
             <a:extLst>
               <a:ext uri="{28A0092B-C50C-407E-A947-70E740481C1C}">
                 <a14:useLocalDpi xmlns:a14="http://schemas.microsoft.com/office/drawing/2010/main" val="0"/>
@@ -6910,7 +6356,7 @@
           <p:nvPr/>
         </p:nvPicPr>
         <p:blipFill>
-          <a:blip r:embed="rId7">
+          <a:blip r:embed="rId8">
             <a:extLst>
               <a:ext uri="{28A0092B-C50C-407E-A947-70E740481C1C}">
                 <a14:useLocalDpi xmlns:a14="http://schemas.microsoft.com/office/drawing/2010/main" val="0"/>
@@ -6945,8 +6391,8 @@
         </p:nvSpPr>
         <p:spPr>
           <a:xfrm>
-            <a:off x="2032061" y="3674863"/>
-            <a:ext cx="6407310" cy="1477328"/>
+            <a:off x="792220" y="3429000"/>
+            <a:ext cx="3577701" cy="2708434"/>
           </a:xfrm>
           <a:prstGeom prst="rect">
             <a:avLst/>
@@ -6960,8 +6406,8 @@
           <a:lstStyle/>
           <a:p>
             <a:r>
-              <a:rPr lang="en-US" sz="7200" dirty="0"/>
-              <a:t>LEVEL 7 STEP 1</a:t>
+              <a:rPr lang="en-US" sz="7600" dirty="0"/>
+              <a:t>LEVEL 7 STEP 0</a:t>
             </a:r>
           </a:p>
           <a:p>
@@ -6972,7 +6418,7 @@
     </p:spTree>
     <p:extLst>
       <p:ext uri="{BB962C8B-B14F-4D97-AF65-F5344CB8AC3E}">
-        <p14:creationId xmlns:p14="http://schemas.microsoft.com/office/powerpoint/2010/main" val="2461015662"/>
+        <p14:creationId xmlns:p14="http://schemas.microsoft.com/office/powerpoint/2010/main" val="799893135"/>
       </p:ext>
     </p:extLst>
   </p:cSld>
@@ -7026,7 +6472,7 @@
           </a:stretch>
         </p:blipFill>
         <p:spPr>
-          <a:xfrm rot="10591425">
+          <a:xfrm rot="5400000">
             <a:off x="4709793" y="1311023"/>
             <a:ext cx="914400" cy="914400"/>
           </a:xfrm>
@@ -7063,7 +6509,7 @@
         </p:blipFill>
         <p:spPr>
           <a:xfrm rot="16200000">
-            <a:off x="4647460" y="1498253"/>
+            <a:off x="4778516" y="1335916"/>
             <a:ext cx="914400" cy="914400"/>
           </a:xfrm>
           <a:prstGeom prst="rect">
@@ -7098,8 +6544,44 @@
           </a:stretch>
         </p:blipFill>
         <p:spPr>
-          <a:xfrm rot="198796">
-            <a:off x="4807491" y="5064883"/>
+          <a:xfrm rot="10800000">
+            <a:off x="8953320" y="1335916"/>
+            <a:ext cx="914400" cy="914400"/>
+          </a:xfrm>
+          <a:prstGeom prst="rect">
+            <a:avLst/>
+          </a:prstGeom>
+        </p:spPr>
+      </p:pic>
+      <p:pic>
+        <p:nvPicPr>
+          <p:cNvPr id="12" name="Picture 11" descr="Shape&#10;&#10;Description automatically generated">
+            <a:extLst>
+              <a:ext uri="{FF2B5EF4-FFF2-40B4-BE49-F238E27FC236}">
+                <a16:creationId xmlns:a16="http://schemas.microsoft.com/office/drawing/2014/main" id="{98705F99-1ACE-43A6-9AAB-9E31774CD431}"/>
+              </a:ext>
+            </a:extLst>
+          </p:cNvPr>
+          <p:cNvPicPr>
+            <a:picLocks noChangeAspect="1"/>
+          </p:cNvPicPr>
+          <p:nvPr/>
+        </p:nvPicPr>
+        <p:blipFill>
+          <a:blip r:embed="rId5">
+            <a:extLst>
+              <a:ext uri="{28A0092B-C50C-407E-A947-70E740481C1C}">
+                <a14:useLocalDpi xmlns:a14="http://schemas.microsoft.com/office/drawing/2010/main" val="0"/>
+              </a:ext>
+            </a:extLst>
+          </a:blip>
+          <a:stretch>
+            <a:fillRect/>
+          </a:stretch>
+        </p:blipFill>
+        <p:spPr>
+          <a:xfrm>
+            <a:off x="8696529" y="5230217"/>
             <a:ext cx="914400" cy="914400"/>
           </a:xfrm>
           <a:prstGeom prst="rect">
@@ -7122,20 +6604,20 @@
           <p:nvPr/>
         </p:nvPicPr>
         <p:blipFill>
-          <a:blip r:embed="rId5">
-            <a:extLst>
-              <a:ext uri="{28A0092B-C50C-407E-A947-70E740481C1C}">
-                <a14:useLocalDpi xmlns:a14="http://schemas.microsoft.com/office/drawing/2010/main" val="0"/>
-              </a:ext>
-            </a:extLst>
-          </a:blip>
-          <a:stretch>
-            <a:fillRect/>
-          </a:stretch>
-        </p:blipFill>
-        <p:spPr>
-          <a:xfrm>
-            <a:off x="8844231" y="4844137"/>
+          <a:blip r:embed="rId6">
+            <a:extLst>
+              <a:ext uri="{28A0092B-C50C-407E-A947-70E740481C1C}">
+                <a14:useLocalDpi xmlns:a14="http://schemas.microsoft.com/office/drawing/2010/main" val="0"/>
+              </a:ext>
+            </a:extLst>
+          </a:blip>
+          <a:stretch>
+            <a:fillRect/>
+          </a:stretch>
+        </p:blipFill>
+        <p:spPr>
+          <a:xfrm>
+            <a:off x="8696529" y="5230217"/>
             <a:ext cx="914400" cy="914400"/>
           </a:xfrm>
           <a:prstGeom prst="rect">
@@ -7158,7 +6640,7 @@
           <p:nvPr/>
         </p:nvPicPr>
         <p:blipFill>
-          <a:blip r:embed="rId6">
+          <a:blip r:embed="rId7">
             <a:extLst>
               <a:ext uri="{28A0092B-C50C-407E-A947-70E740481C1C}">
                 <a14:useLocalDpi xmlns:a14="http://schemas.microsoft.com/office/drawing/2010/main" val="0"/>
@@ -7193,8 +6675,8 @@
         </p:nvSpPr>
         <p:spPr>
           <a:xfrm>
-            <a:off x="6001256" y="2536943"/>
-            <a:ext cx="6600350" cy="1477328"/>
+            <a:off x="2032061" y="3674863"/>
+            <a:ext cx="6407310" cy="1477328"/>
           </a:xfrm>
           <a:prstGeom prst="rect">
             <a:avLst/>
@@ -7209,7 +6691,7 @@
           <a:p>
             <a:r>
               <a:rPr lang="en-US" sz="7200" dirty="0"/>
-              <a:t>LEVEL 7 STEP 2</a:t>
+              <a:t>LEVEL 7 STEP 1</a:t>
             </a:r>
           </a:p>
           <a:p>
@@ -7220,7 +6702,7 @@
     </p:spTree>
     <p:extLst>
       <p:ext uri="{BB962C8B-B14F-4D97-AF65-F5344CB8AC3E}">
-        <p14:creationId xmlns:p14="http://schemas.microsoft.com/office/powerpoint/2010/main" val="1368883238"/>
+        <p14:creationId xmlns:p14="http://schemas.microsoft.com/office/powerpoint/2010/main" val="2461015662"/>
       </p:ext>
     </p:extLst>
   </p:cSld>
@@ -7274,44 +6756,44 @@
           </a:stretch>
         </p:blipFill>
         <p:spPr>
+          <a:xfrm rot="10591425">
+            <a:off x="4709793" y="1311023"/>
+            <a:ext cx="914400" cy="914400"/>
+          </a:xfrm>
+          <a:prstGeom prst="rect">
+            <a:avLst/>
+          </a:prstGeom>
+        </p:spPr>
+      </p:pic>
+      <p:pic>
+        <p:nvPicPr>
+          <p:cNvPr id="9" name="Picture 8" descr="A black rectangle with white squares&#10;&#10;Description automatically generated with low confidence">
+            <a:extLst>
+              <a:ext uri="{FF2B5EF4-FFF2-40B4-BE49-F238E27FC236}">
+                <a16:creationId xmlns:a16="http://schemas.microsoft.com/office/drawing/2014/main" id="{D0F723E1-379C-4CC9-8E04-D62649F76950}"/>
+              </a:ext>
+            </a:extLst>
+          </p:cNvPr>
+          <p:cNvPicPr>
+            <a:picLocks noChangeAspect="1"/>
+          </p:cNvPicPr>
+          <p:nvPr/>
+        </p:nvPicPr>
+        <p:blipFill>
+          <a:blip r:embed="rId3">
+            <a:extLst>
+              <a:ext uri="{28A0092B-C50C-407E-A947-70E740481C1C}">
+                <a14:useLocalDpi xmlns:a14="http://schemas.microsoft.com/office/drawing/2010/main" val="0"/>
+              </a:ext>
+            </a:extLst>
+          </a:blip>
+          <a:stretch>
+            <a:fillRect/>
+          </a:stretch>
+        </p:blipFill>
+        <p:spPr>
           <a:xfrm rot="16200000">
-            <a:off x="4709793" y="1311023"/>
-            <a:ext cx="914400" cy="914400"/>
-          </a:xfrm>
-          <a:prstGeom prst="rect">
-            <a:avLst/>
-          </a:prstGeom>
-        </p:spPr>
-      </p:pic>
-      <p:pic>
-        <p:nvPicPr>
-          <p:cNvPr id="9" name="Picture 8" descr="A black rectangle with white squares&#10;&#10;Description automatically generated with low confidence">
-            <a:extLst>
-              <a:ext uri="{FF2B5EF4-FFF2-40B4-BE49-F238E27FC236}">
-                <a16:creationId xmlns:a16="http://schemas.microsoft.com/office/drawing/2014/main" id="{D0F723E1-379C-4CC9-8E04-D62649F76950}"/>
-              </a:ext>
-            </a:extLst>
-          </p:cNvPr>
-          <p:cNvPicPr>
-            <a:picLocks noChangeAspect="1"/>
-          </p:cNvPicPr>
-          <p:nvPr/>
-        </p:nvPicPr>
-        <p:blipFill>
-          <a:blip r:embed="rId3">
-            <a:extLst>
-              <a:ext uri="{28A0092B-C50C-407E-A947-70E740481C1C}">
-                <a14:useLocalDpi xmlns:a14="http://schemas.microsoft.com/office/drawing/2010/main" val="0"/>
-              </a:ext>
-            </a:extLst>
-          </a:blip>
-          <a:stretch>
-            <a:fillRect/>
-          </a:stretch>
-        </p:blipFill>
-        <p:spPr>
-          <a:xfrm rot="16200000">
-            <a:off x="4673493" y="1311023"/>
+            <a:off x="4647460" y="1498253"/>
             <a:ext cx="914400" cy="914400"/>
           </a:xfrm>
           <a:prstGeom prst="rect">
@@ -7382,8 +6864,8 @@
           </a:stretch>
         </p:blipFill>
         <p:spPr>
-          <a:xfrm rot="5150378">
-            <a:off x="2931914" y="1361576"/>
+          <a:xfrm>
+            <a:off x="8844231" y="4844137"/>
             <a:ext cx="914400" cy="914400"/>
           </a:xfrm>
           <a:prstGeom prst="rect">
@@ -7441,8 +6923,8 @@
         </p:nvSpPr>
         <p:spPr>
           <a:xfrm>
-            <a:off x="5747551" y="2597903"/>
-            <a:ext cx="6011070" cy="1477328"/>
+            <a:off x="6001256" y="2536943"/>
+            <a:ext cx="6600350" cy="1477328"/>
           </a:xfrm>
           <a:prstGeom prst="rect">
             <a:avLst/>
@@ -7457,7 +6939,7 @@
           <a:p>
             <a:r>
               <a:rPr lang="en-US" sz="7200" dirty="0"/>
-              <a:t>LEVEL 8 STEP 3</a:t>
+              <a:t>LEVEL 7 STEP 2</a:t>
             </a:r>
           </a:p>
           <a:p>
@@ -7468,7 +6950,7 @@
     </p:spTree>
     <p:extLst>
       <p:ext uri="{BB962C8B-B14F-4D97-AF65-F5344CB8AC3E}">
-        <p14:creationId xmlns:p14="http://schemas.microsoft.com/office/powerpoint/2010/main" val="1362904682"/>
+        <p14:creationId xmlns:p14="http://schemas.microsoft.com/office/powerpoint/2010/main" val="1368883238"/>
       </p:ext>
     </p:extLst>
   </p:cSld>
@@ -7495,6 +6977,186 @@
           <a:chExt cx="0" cy="0"/>
         </a:xfrm>
       </p:grpSpPr>
+      <p:pic>
+        <p:nvPicPr>
+          <p:cNvPr id="7" name="Picture 6" descr="Logo&#10;&#10;Description automatically generated">
+            <a:extLst>
+              <a:ext uri="{FF2B5EF4-FFF2-40B4-BE49-F238E27FC236}">
+                <a16:creationId xmlns:a16="http://schemas.microsoft.com/office/drawing/2014/main" id="{00E3030A-852A-4ECA-A4A8-4698DB6B2E96}"/>
+              </a:ext>
+            </a:extLst>
+          </p:cNvPr>
+          <p:cNvPicPr>
+            <a:picLocks noChangeAspect="1"/>
+          </p:cNvPicPr>
+          <p:nvPr/>
+        </p:nvPicPr>
+        <p:blipFill>
+          <a:blip r:embed="rId2">
+            <a:extLst>
+              <a:ext uri="{28A0092B-C50C-407E-A947-70E740481C1C}">
+                <a14:useLocalDpi xmlns:a14="http://schemas.microsoft.com/office/drawing/2010/main" val="0"/>
+              </a:ext>
+            </a:extLst>
+          </a:blip>
+          <a:stretch>
+            <a:fillRect/>
+          </a:stretch>
+        </p:blipFill>
+        <p:spPr>
+          <a:xfrm rot="16200000">
+            <a:off x="4709793" y="1311023"/>
+            <a:ext cx="914400" cy="914400"/>
+          </a:xfrm>
+          <a:prstGeom prst="rect">
+            <a:avLst/>
+          </a:prstGeom>
+        </p:spPr>
+      </p:pic>
+      <p:pic>
+        <p:nvPicPr>
+          <p:cNvPr id="9" name="Picture 8" descr="A black rectangle with white squares&#10;&#10;Description automatically generated with low confidence">
+            <a:extLst>
+              <a:ext uri="{FF2B5EF4-FFF2-40B4-BE49-F238E27FC236}">
+                <a16:creationId xmlns:a16="http://schemas.microsoft.com/office/drawing/2014/main" id="{D0F723E1-379C-4CC9-8E04-D62649F76950}"/>
+              </a:ext>
+            </a:extLst>
+          </p:cNvPr>
+          <p:cNvPicPr>
+            <a:picLocks noChangeAspect="1"/>
+          </p:cNvPicPr>
+          <p:nvPr/>
+        </p:nvPicPr>
+        <p:blipFill>
+          <a:blip r:embed="rId3">
+            <a:extLst>
+              <a:ext uri="{28A0092B-C50C-407E-A947-70E740481C1C}">
+                <a14:useLocalDpi xmlns:a14="http://schemas.microsoft.com/office/drawing/2010/main" val="0"/>
+              </a:ext>
+            </a:extLst>
+          </a:blip>
+          <a:stretch>
+            <a:fillRect/>
+          </a:stretch>
+        </p:blipFill>
+        <p:spPr>
+          <a:xfrm rot="16200000">
+            <a:off x="4673493" y="1311023"/>
+            <a:ext cx="914400" cy="914400"/>
+          </a:xfrm>
+          <a:prstGeom prst="rect">
+            <a:avLst/>
+          </a:prstGeom>
+        </p:spPr>
+      </p:pic>
+      <p:pic>
+        <p:nvPicPr>
+          <p:cNvPr id="10" name="Picture 9" descr="Icon&#10;&#10;Description automatically generated">
+            <a:extLst>
+              <a:ext uri="{FF2B5EF4-FFF2-40B4-BE49-F238E27FC236}">
+                <a16:creationId xmlns:a16="http://schemas.microsoft.com/office/drawing/2014/main" id="{83465873-06EC-4808-976B-D2B0C2447EFE}"/>
+              </a:ext>
+            </a:extLst>
+          </p:cNvPr>
+          <p:cNvPicPr>
+            <a:picLocks noChangeAspect="1"/>
+          </p:cNvPicPr>
+          <p:nvPr/>
+        </p:nvPicPr>
+        <p:blipFill>
+          <a:blip r:embed="rId4">
+            <a:extLst>
+              <a:ext uri="{28A0092B-C50C-407E-A947-70E740481C1C}">
+                <a14:useLocalDpi xmlns:a14="http://schemas.microsoft.com/office/drawing/2010/main" val="0"/>
+              </a:ext>
+            </a:extLst>
+          </a:blip>
+          <a:stretch>
+            <a:fillRect/>
+          </a:stretch>
+        </p:blipFill>
+        <p:spPr>
+          <a:xfrm rot="198796">
+            <a:off x="4807491" y="5064883"/>
+            <a:ext cx="914400" cy="914400"/>
+          </a:xfrm>
+          <a:prstGeom prst="rect">
+            <a:avLst/>
+          </a:prstGeom>
+        </p:spPr>
+      </p:pic>
+      <p:pic>
+        <p:nvPicPr>
+          <p:cNvPr id="13" name="Picture 12" descr="Icon&#10;&#10;Description automatically generated">
+            <a:extLst>
+              <a:ext uri="{FF2B5EF4-FFF2-40B4-BE49-F238E27FC236}">
+                <a16:creationId xmlns:a16="http://schemas.microsoft.com/office/drawing/2014/main" id="{D37E2ADE-7B3E-40C4-B27D-A4D4625A0652}"/>
+              </a:ext>
+            </a:extLst>
+          </p:cNvPr>
+          <p:cNvPicPr>
+            <a:picLocks noChangeAspect="1"/>
+          </p:cNvPicPr>
+          <p:nvPr/>
+        </p:nvPicPr>
+        <p:blipFill>
+          <a:blip r:embed="rId5">
+            <a:extLst>
+              <a:ext uri="{28A0092B-C50C-407E-A947-70E740481C1C}">
+                <a14:useLocalDpi xmlns:a14="http://schemas.microsoft.com/office/drawing/2010/main" val="0"/>
+              </a:ext>
+            </a:extLst>
+          </a:blip>
+          <a:stretch>
+            <a:fillRect/>
+          </a:stretch>
+        </p:blipFill>
+        <p:spPr>
+          <a:xfrm rot="5150378">
+            <a:off x="2931914" y="1361576"/>
+            <a:ext cx="914400" cy="914400"/>
+          </a:xfrm>
+          <a:prstGeom prst="rect">
+            <a:avLst/>
+          </a:prstGeom>
+        </p:spPr>
+      </p:pic>
+      <p:pic>
+        <p:nvPicPr>
+          <p:cNvPr id="14" name="Picture 13" descr="Icon&#10;&#10;Description automatically generated with medium confidence">
+            <a:extLst>
+              <a:ext uri="{FF2B5EF4-FFF2-40B4-BE49-F238E27FC236}">
+                <a16:creationId xmlns:a16="http://schemas.microsoft.com/office/drawing/2014/main" id="{E0FD96F1-D74A-414A-9091-A9226D8ECAB7}"/>
+              </a:ext>
+            </a:extLst>
+          </p:cNvPr>
+          <p:cNvPicPr>
+            <a:picLocks noChangeAspect="1"/>
+          </p:cNvPicPr>
+          <p:nvPr/>
+        </p:nvPicPr>
+        <p:blipFill>
+          <a:blip r:embed="rId6">
+            <a:extLst>
+              <a:ext uri="{28A0092B-C50C-407E-A947-70E740481C1C}">
+                <a14:useLocalDpi xmlns:a14="http://schemas.microsoft.com/office/drawing/2010/main" val="0"/>
+              </a:ext>
+            </a:extLst>
+          </a:blip>
+          <a:stretch>
+            <a:fillRect/>
+          </a:stretch>
+        </p:blipFill>
+        <p:spPr>
+          <a:xfrm rot="5400000">
+            <a:off x="923464" y="1472442"/>
+            <a:ext cx="914400" cy="829405"/>
+          </a:xfrm>
+          <a:prstGeom prst="rect">
+            <a:avLst/>
+          </a:prstGeom>
+        </p:spPr>
+      </p:pic>
       <p:sp>
         <p:nvSpPr>
           <p:cNvPr id="15" name="TextBox 14">
@@ -7509,8 +7171,8 @@
         </p:nvSpPr>
         <p:spPr>
           <a:xfrm>
-            <a:off x="149391" y="88383"/>
-            <a:ext cx="4971249" cy="2585323"/>
+            <a:off x="5747551" y="2597903"/>
+            <a:ext cx="6011070" cy="1477328"/>
           </a:xfrm>
           <a:prstGeom prst="rect">
             <a:avLst/>
@@ -7525,7 +7187,7 @@
           <a:p>
             <a:r>
               <a:rPr lang="en-US" sz="7200" dirty="0"/>
-              <a:t>LEVEL 8 STEP 0</a:t>
+              <a:t>LEVEL 8 STEP 3</a:t>
             </a:r>
           </a:p>
           <a:p>
@@ -7533,190 +7195,10 @@
           </a:p>
         </p:txBody>
       </p:sp>
-      <p:pic>
-        <p:nvPicPr>
-          <p:cNvPr id="4" name="Picture 3" descr="Logo&#10;&#10;Description automatically generated">
-            <a:extLst>
-              <a:ext uri="{FF2B5EF4-FFF2-40B4-BE49-F238E27FC236}">
-                <a16:creationId xmlns:a16="http://schemas.microsoft.com/office/drawing/2014/main" id="{62D80A73-5FD4-48FC-A073-65CDEF9B1091}"/>
-              </a:ext>
-            </a:extLst>
-          </p:cNvPr>
-          <p:cNvPicPr>
-            <a:picLocks noChangeAspect="1"/>
-          </p:cNvPicPr>
-          <p:nvPr/>
-        </p:nvPicPr>
-        <p:blipFill>
-          <a:blip r:embed="rId2">
-            <a:extLst>
-              <a:ext uri="{28A0092B-C50C-407E-A947-70E740481C1C}">
-                <a14:useLocalDpi xmlns:a14="http://schemas.microsoft.com/office/drawing/2010/main" val="0"/>
-              </a:ext>
-            </a:extLst>
-          </a:blip>
-          <a:stretch>
-            <a:fillRect/>
-          </a:stretch>
-        </p:blipFill>
-        <p:spPr>
-          <a:xfrm rot="5241219">
-            <a:off x="4793879" y="1525590"/>
-            <a:ext cx="914400" cy="914400"/>
-          </a:xfrm>
-          <a:prstGeom prst="rect">
-            <a:avLst/>
-          </a:prstGeom>
-        </p:spPr>
-      </p:pic>
-      <p:pic>
-        <p:nvPicPr>
-          <p:cNvPr id="5" name="Picture 4" descr="Icon&#10;&#10;Description automatically generated with medium confidence">
-            <a:extLst>
-              <a:ext uri="{FF2B5EF4-FFF2-40B4-BE49-F238E27FC236}">
-                <a16:creationId xmlns:a16="http://schemas.microsoft.com/office/drawing/2014/main" id="{A47CB9FD-7BB8-44B2-B5DF-CB22E4F42C50}"/>
-              </a:ext>
-            </a:extLst>
-          </p:cNvPr>
-          <p:cNvPicPr>
-            <a:picLocks noChangeAspect="1"/>
-          </p:cNvPicPr>
-          <p:nvPr/>
-        </p:nvPicPr>
-        <p:blipFill>
-          <a:blip r:embed="rId3">
-            <a:extLst>
-              <a:ext uri="{28A0092B-C50C-407E-A947-70E740481C1C}">
-                <a14:useLocalDpi xmlns:a14="http://schemas.microsoft.com/office/drawing/2010/main" val="0"/>
-              </a:ext>
-            </a:extLst>
-          </a:blip>
-          <a:stretch>
-            <a:fillRect/>
-          </a:stretch>
-        </p:blipFill>
-        <p:spPr>
-          <a:xfrm rot="10800000">
-            <a:off x="6697605" y="88383"/>
-            <a:ext cx="914400" cy="914400"/>
-          </a:xfrm>
-          <a:prstGeom prst="rect">
-            <a:avLst/>
-          </a:prstGeom>
-        </p:spPr>
-      </p:pic>
-      <p:pic>
-        <p:nvPicPr>
-          <p:cNvPr id="6" name="Picture 5" descr="Icon&#10;&#10;Description automatically generated">
-            <a:extLst>
-              <a:ext uri="{FF2B5EF4-FFF2-40B4-BE49-F238E27FC236}">
-                <a16:creationId xmlns:a16="http://schemas.microsoft.com/office/drawing/2014/main" id="{B3B565D4-FF00-4EA9-8DD3-46B67F8CBADD}"/>
-              </a:ext>
-            </a:extLst>
-          </p:cNvPr>
-          <p:cNvPicPr>
-            <a:picLocks noChangeAspect="1"/>
-          </p:cNvPicPr>
-          <p:nvPr/>
-        </p:nvPicPr>
-        <p:blipFill>
-          <a:blip r:embed="rId4">
-            <a:extLst>
-              <a:ext uri="{28A0092B-C50C-407E-A947-70E740481C1C}">
-                <a14:useLocalDpi xmlns:a14="http://schemas.microsoft.com/office/drawing/2010/main" val="0"/>
-              </a:ext>
-            </a:extLst>
-          </a:blip>
-          <a:stretch>
-            <a:fillRect/>
-          </a:stretch>
-        </p:blipFill>
-        <p:spPr>
-          <a:xfrm rot="5400000">
-            <a:off x="6697605" y="1504968"/>
-            <a:ext cx="914400" cy="914400"/>
-          </a:xfrm>
-          <a:prstGeom prst="rect">
-            <a:avLst/>
-          </a:prstGeom>
-        </p:spPr>
-      </p:pic>
-      <p:pic>
-        <p:nvPicPr>
-          <p:cNvPr id="7" name="Picture 6" descr="Logo&#10;&#10;Description automatically generated">
-            <a:extLst>
-              <a:ext uri="{FF2B5EF4-FFF2-40B4-BE49-F238E27FC236}">
-                <a16:creationId xmlns:a16="http://schemas.microsoft.com/office/drawing/2014/main" id="{01743069-6724-4A6C-A040-21AEC3C6C651}"/>
-              </a:ext>
-            </a:extLst>
-          </p:cNvPr>
-          <p:cNvPicPr>
-            <a:picLocks noChangeAspect="1"/>
-          </p:cNvPicPr>
-          <p:nvPr/>
-        </p:nvPicPr>
-        <p:blipFill>
-          <a:blip r:embed="rId5">
-            <a:extLst>
-              <a:ext uri="{28A0092B-C50C-407E-A947-70E740481C1C}">
-                <a14:useLocalDpi xmlns:a14="http://schemas.microsoft.com/office/drawing/2010/main" val="0"/>
-              </a:ext>
-            </a:extLst>
-          </a:blip>
-          <a:stretch>
-            <a:fillRect/>
-          </a:stretch>
-        </p:blipFill>
-        <p:spPr>
-          <a:xfrm rot="16200000">
-            <a:off x="8302026" y="1546212"/>
-            <a:ext cx="914400" cy="914400"/>
-          </a:xfrm>
-          <a:prstGeom prst="rect">
-            <a:avLst/>
-          </a:prstGeom>
-        </p:spPr>
-      </p:pic>
-      <p:pic>
-        <p:nvPicPr>
-          <p:cNvPr id="8" name="Picture 7" descr="A picture containing icon&#10;&#10;Description automatically generated">
-            <a:extLst>
-              <a:ext uri="{FF2B5EF4-FFF2-40B4-BE49-F238E27FC236}">
-                <a16:creationId xmlns:a16="http://schemas.microsoft.com/office/drawing/2014/main" id="{53BB3A9C-49C0-48A6-8A0D-8E20A7F42C94}"/>
-              </a:ext>
-            </a:extLst>
-          </p:cNvPr>
-          <p:cNvPicPr>
-            <a:picLocks noChangeAspect="1"/>
-          </p:cNvPicPr>
-          <p:nvPr/>
-        </p:nvPicPr>
-        <p:blipFill>
-          <a:blip r:embed="rId6">
-            <a:extLst>
-              <a:ext uri="{28A0092B-C50C-407E-A947-70E740481C1C}">
-                <a14:useLocalDpi xmlns:a14="http://schemas.microsoft.com/office/drawing/2010/main" val="0"/>
-              </a:ext>
-            </a:extLst>
-          </a:blip>
-          <a:stretch>
-            <a:fillRect/>
-          </a:stretch>
-        </p:blipFill>
-        <p:spPr>
-          <a:xfrm>
-            <a:off x="6697605" y="3981433"/>
-            <a:ext cx="914400" cy="914400"/>
-          </a:xfrm>
-          <a:prstGeom prst="rect">
-            <a:avLst/>
-          </a:prstGeom>
-        </p:spPr>
-      </p:pic>
     </p:spTree>
     <p:extLst>
       <p:ext uri="{BB962C8B-B14F-4D97-AF65-F5344CB8AC3E}">
-        <p14:creationId xmlns:p14="http://schemas.microsoft.com/office/powerpoint/2010/main" val="2540001287"/>
+        <p14:creationId xmlns:p14="http://schemas.microsoft.com/office/powerpoint/2010/main" val="1362904682"/>
       </p:ext>
     </p:extLst>
   </p:cSld>
@@ -7773,7 +7255,7 @@
           <a:p>
             <a:r>
               <a:rPr lang="en-US" sz="7200" dirty="0"/>
-              <a:t>LEVEL 9 STEP 1</a:t>
+              <a:t>LEVEL 8 STEP 0</a:t>
             </a:r>
           </a:p>
           <a:p>
@@ -7783,10 +7265,10 @@
       </p:sp>
       <p:pic>
         <p:nvPicPr>
-          <p:cNvPr id="3" name="Picture 2" descr="Logo&#10;&#10;Description automatically generated">
-            <a:extLst>
-              <a:ext uri="{FF2B5EF4-FFF2-40B4-BE49-F238E27FC236}">
-                <a16:creationId xmlns:a16="http://schemas.microsoft.com/office/drawing/2014/main" id="{427C73FD-D5B1-42E0-98FA-D0DDEDD62029}"/>
+          <p:cNvPr id="4" name="Picture 3" descr="Logo&#10;&#10;Description automatically generated">
+            <a:extLst>
+              <a:ext uri="{FF2B5EF4-FFF2-40B4-BE49-F238E27FC236}">
+                <a16:creationId xmlns:a16="http://schemas.microsoft.com/office/drawing/2014/main" id="{62D80A73-5FD4-48FC-A073-65CDEF9B1091}"/>
               </a:ext>
             </a:extLst>
           </p:cNvPr>
@@ -7819,10 +7301,10 @@
       </p:pic>
       <p:pic>
         <p:nvPicPr>
-          <p:cNvPr id="4" name="Picture 3" descr="Icon&#10;&#10;Description automatically generated with medium confidence">
-            <a:extLst>
-              <a:ext uri="{FF2B5EF4-FFF2-40B4-BE49-F238E27FC236}">
-                <a16:creationId xmlns:a16="http://schemas.microsoft.com/office/drawing/2014/main" id="{8A4A45F8-5F9E-4939-A3F3-8786794D9264}"/>
+          <p:cNvPr id="5" name="Picture 4" descr="Icon&#10;&#10;Description automatically generated with medium confidence">
+            <a:extLst>
+              <a:ext uri="{FF2B5EF4-FFF2-40B4-BE49-F238E27FC236}">
+                <a16:creationId xmlns:a16="http://schemas.microsoft.com/office/drawing/2014/main" id="{A47CB9FD-7BB8-44B2-B5DF-CB22E4F42C50}"/>
               </a:ext>
             </a:extLst>
           </p:cNvPr>
@@ -7844,21 +7326,21 @@
           </a:stretch>
         </p:blipFill>
         <p:spPr>
-          <a:xfrm rot="16200000">
-            <a:off x="8580709" y="1525590"/>
-            <a:ext cx="914400" cy="914400"/>
-          </a:xfrm>
-          <a:prstGeom prst="rect">
-            <a:avLst/>
-          </a:prstGeom>
-        </p:spPr>
-      </p:pic>
-      <p:pic>
-        <p:nvPicPr>
-          <p:cNvPr id="25" name="Picture 24" descr="Icon&#10;&#10;Description automatically generated">
-            <a:extLst>
-              <a:ext uri="{FF2B5EF4-FFF2-40B4-BE49-F238E27FC236}">
-                <a16:creationId xmlns:a16="http://schemas.microsoft.com/office/drawing/2014/main" id="{BC13E319-3ECE-439D-8A3E-75C3146031C1}"/>
+          <a:xfrm rot="10800000">
+            <a:off x="6697605" y="88383"/>
+            <a:ext cx="914400" cy="914400"/>
+          </a:xfrm>
+          <a:prstGeom prst="rect">
+            <a:avLst/>
+          </a:prstGeom>
+        </p:spPr>
+      </p:pic>
+      <p:pic>
+        <p:nvPicPr>
+          <p:cNvPr id="6" name="Picture 5" descr="Icon&#10;&#10;Description automatically generated">
+            <a:extLst>
+              <a:ext uri="{FF2B5EF4-FFF2-40B4-BE49-F238E27FC236}">
+                <a16:creationId xmlns:a16="http://schemas.microsoft.com/office/drawing/2014/main" id="{B3B565D4-FF00-4EA9-8DD3-46B67F8CBADD}"/>
               </a:ext>
             </a:extLst>
           </p:cNvPr>
@@ -7891,10 +7373,10 @@
       </p:pic>
       <p:pic>
         <p:nvPicPr>
-          <p:cNvPr id="27" name="Picture 26" descr="Logo&#10;&#10;Description automatically generated">
-            <a:extLst>
-              <a:ext uri="{FF2B5EF4-FFF2-40B4-BE49-F238E27FC236}">
-                <a16:creationId xmlns:a16="http://schemas.microsoft.com/office/drawing/2014/main" id="{E6102927-D94F-4B78-BEE6-86654004360E}"/>
+          <p:cNvPr id="7" name="Picture 6" descr="Logo&#10;&#10;Description automatically generated">
+            <a:extLst>
+              <a:ext uri="{FF2B5EF4-FFF2-40B4-BE49-F238E27FC236}">
+                <a16:creationId xmlns:a16="http://schemas.microsoft.com/office/drawing/2014/main" id="{01743069-6724-4A6C-A040-21AEC3C6C651}"/>
               </a:ext>
             </a:extLst>
           </p:cNvPr>
@@ -7916,21 +7398,21 @@
           </a:stretch>
         </p:blipFill>
         <p:spPr>
-          <a:xfrm>
-            <a:off x="10352767" y="1047768"/>
-            <a:ext cx="914400" cy="914400"/>
-          </a:xfrm>
-          <a:prstGeom prst="rect">
-            <a:avLst/>
-          </a:prstGeom>
-        </p:spPr>
-      </p:pic>
-      <p:pic>
-        <p:nvPicPr>
-          <p:cNvPr id="29" name="Picture 28" descr="A picture containing icon&#10;&#10;Description automatically generated">
-            <a:extLst>
-              <a:ext uri="{FF2B5EF4-FFF2-40B4-BE49-F238E27FC236}">
-                <a16:creationId xmlns:a16="http://schemas.microsoft.com/office/drawing/2014/main" id="{14FAD842-C9AE-47B5-8027-4BBD73E2D765}"/>
+          <a:xfrm rot="16200000">
+            <a:off x="8302026" y="1546212"/>
+            <a:ext cx="914400" cy="914400"/>
+          </a:xfrm>
+          <a:prstGeom prst="rect">
+            <a:avLst/>
+          </a:prstGeom>
+        </p:spPr>
+      </p:pic>
+      <p:pic>
+        <p:nvPicPr>
+          <p:cNvPr id="8" name="Picture 7" descr="A picture containing icon&#10;&#10;Description automatically generated">
+            <a:extLst>
+              <a:ext uri="{FF2B5EF4-FFF2-40B4-BE49-F238E27FC236}">
+                <a16:creationId xmlns:a16="http://schemas.microsoft.com/office/drawing/2014/main" id="{53BB3A9C-49C0-48A6-8A0D-8E20A7F42C94}"/>
               </a:ext>
             </a:extLst>
           </p:cNvPr>
@@ -7964,7 +7446,7 @@
     </p:spTree>
     <p:extLst>
       <p:ext uri="{BB962C8B-B14F-4D97-AF65-F5344CB8AC3E}">
-        <p14:creationId xmlns:p14="http://schemas.microsoft.com/office/powerpoint/2010/main" val="1365719046"/>
+        <p14:creationId xmlns:p14="http://schemas.microsoft.com/office/powerpoint/2010/main" val="2540001287"/>
       </p:ext>
     </p:extLst>
   </p:cSld>
@@ -7993,46 +7475,10 @@
       </p:grpSpPr>
       <p:pic>
         <p:nvPicPr>
-          <p:cNvPr id="4" name="Picture 3" descr="Logo&#10;&#10;Description automatically generated">
-            <a:extLst>
-              <a:ext uri="{FF2B5EF4-FFF2-40B4-BE49-F238E27FC236}">
-                <a16:creationId xmlns:a16="http://schemas.microsoft.com/office/drawing/2014/main" id="{02FD1973-EB3E-49FA-AFA0-901E66E3B611}"/>
-              </a:ext>
-            </a:extLst>
-          </p:cNvPr>
-          <p:cNvPicPr>
-            <a:picLocks noChangeAspect="1"/>
-          </p:cNvPicPr>
-          <p:nvPr/>
-        </p:nvPicPr>
-        <p:blipFill>
-          <a:blip r:embed="rId2">
-            <a:extLst>
-              <a:ext uri="{28A0092B-C50C-407E-A947-70E740481C1C}">
-                <a14:useLocalDpi xmlns:a14="http://schemas.microsoft.com/office/drawing/2010/main" val="0"/>
-              </a:ext>
-            </a:extLst>
-          </a:blip>
-          <a:stretch>
-            <a:fillRect/>
-          </a:stretch>
-        </p:blipFill>
-        <p:spPr>
-          <a:xfrm>
-            <a:off x="3120143" y="2971800"/>
-            <a:ext cx="914400" cy="914400"/>
-          </a:xfrm>
-          <a:prstGeom prst="rect">
-            <a:avLst/>
-          </a:prstGeom>
-        </p:spPr>
-      </p:pic>
-      <p:pic>
-        <p:nvPicPr>
-          <p:cNvPr id="5" name="Picture 4" descr="Icon&#10;&#10;Description automatically generated">
-            <a:extLst>
-              <a:ext uri="{FF2B5EF4-FFF2-40B4-BE49-F238E27FC236}">
-                <a16:creationId xmlns:a16="http://schemas.microsoft.com/office/drawing/2014/main" id="{2CCC373F-2D30-4C63-85AC-BF48961A8E0E}"/>
+          <p:cNvPr id="6" name="Picture 5" descr="Icon&#10;&#10;Description automatically generated">
+            <a:extLst>
+              <a:ext uri="{FF2B5EF4-FFF2-40B4-BE49-F238E27FC236}">
+                <a16:creationId xmlns:a16="http://schemas.microsoft.com/office/drawing/2014/main" id="{5E96D79E-4951-403B-9EAD-0BB3B84896C5}"/>
               </a:ext>
             </a:extLst>
           </p:cNvPr>
@@ -8055,53 +7501,702 @@
         </p:blipFill>
         <p:spPr>
           <a:xfrm>
-            <a:off x="6711104" y="4271984"/>
-            <a:ext cx="914400" cy="914400"/>
-          </a:xfrm>
-          <a:prstGeom prst="rect">
-            <a:avLst/>
-          </a:prstGeom>
-        </p:spPr>
-      </p:pic>
-      <p:sp>
-        <p:nvSpPr>
-          <p:cNvPr id="6" name="TextBox 5">
-            <a:extLst>
-              <a:ext uri="{FF2B5EF4-FFF2-40B4-BE49-F238E27FC236}">
-                <a16:creationId xmlns:a16="http://schemas.microsoft.com/office/drawing/2014/main" id="{FA129942-5BCC-4F60-82BF-F574107C7438}"/>
-              </a:ext>
-            </a:extLst>
-          </p:cNvPr>
-          <p:cNvSpPr txBox="1"/>
-          <p:nvPr/>
-        </p:nvSpPr>
-        <p:spPr>
-          <a:xfrm>
-            <a:off x="359250" y="53995"/>
-            <a:ext cx="3577701" cy="2431435"/>
-          </a:xfrm>
-          <a:prstGeom prst="rect">
-            <a:avLst/>
-          </a:prstGeom>
-          <a:noFill/>
-        </p:spPr>
-        <p:txBody>
-          <a:bodyPr wrap="square" rtlCol="0">
-            <a:spAutoFit/>
-          </a:bodyPr>
-          <a:lstStyle/>
-          <a:p>
-            <a:r>
-              <a:rPr lang="en-US" sz="7600" dirty="0"/>
-              <a:t>LEVEL 1 STEP 0</a:t>
-            </a:r>
-          </a:p>
-        </p:txBody>
-      </p:sp>
+            <a:off x="9802427" y="4179163"/>
+            <a:ext cx="914400" cy="914400"/>
+          </a:xfrm>
+          <a:prstGeom prst="rect">
+            <a:avLst/>
+          </a:prstGeom>
+        </p:spPr>
+      </p:pic>
+      <p:pic>
+        <p:nvPicPr>
+          <p:cNvPr id="10" name="Picture 9" descr="A black rectangle with white squares&#10;&#10;Description automatically generated with low confidence">
+            <a:extLst>
+              <a:ext uri="{FF2B5EF4-FFF2-40B4-BE49-F238E27FC236}">
+                <a16:creationId xmlns:a16="http://schemas.microsoft.com/office/drawing/2014/main" id="{2DCB0E22-9B7B-49DC-A23A-2B37DF484382}"/>
+              </a:ext>
+            </a:extLst>
+          </p:cNvPr>
+          <p:cNvPicPr>
+            <a:picLocks noChangeAspect="1"/>
+          </p:cNvPicPr>
+          <p:nvPr/>
+        </p:nvPicPr>
+        <p:blipFill>
+          <a:blip r:embed="rId4">
+            <a:extLst>
+              <a:ext uri="{28A0092B-C50C-407E-A947-70E740481C1C}">
+                <a14:useLocalDpi xmlns:a14="http://schemas.microsoft.com/office/drawing/2010/main" val="0"/>
+              </a:ext>
+            </a:extLst>
+          </a:blip>
+          <a:stretch>
+            <a:fillRect/>
+          </a:stretch>
+        </p:blipFill>
+        <p:spPr>
+          <a:xfrm>
+            <a:off x="3952043" y="2971800"/>
+            <a:ext cx="914400" cy="914400"/>
+          </a:xfrm>
+          <a:prstGeom prst="rect">
+            <a:avLst/>
+          </a:prstGeom>
+        </p:spPr>
+      </p:pic>
+      <p:pic>
+        <p:nvPicPr>
+          <p:cNvPr id="12" name="Picture 11" descr="A picture containing text, television, monitor, screen&#10;&#10;Description automatically generated">
+            <a:extLst>
+              <a:ext uri="{FF2B5EF4-FFF2-40B4-BE49-F238E27FC236}">
+                <a16:creationId xmlns:a16="http://schemas.microsoft.com/office/drawing/2014/main" id="{84B76F10-7B4E-4D33-BCEE-B51D1BEC978D}"/>
+              </a:ext>
+            </a:extLst>
+          </p:cNvPr>
+          <p:cNvPicPr>
+            <a:picLocks noChangeAspect="1"/>
+          </p:cNvPicPr>
+          <p:nvPr/>
+        </p:nvPicPr>
+        <p:blipFill>
+          <a:blip r:embed="rId5">
+            <a:extLst>
+              <a:ext uri="{28A0092B-C50C-407E-A947-70E740481C1C}">
+                <a14:useLocalDpi xmlns:a14="http://schemas.microsoft.com/office/drawing/2010/main" val="0"/>
+              </a:ext>
+            </a:extLst>
+          </a:blip>
+          <a:stretch>
+            <a:fillRect/>
+          </a:stretch>
+        </p:blipFill>
+        <p:spPr>
+          <a:xfrm>
+            <a:off x="1492928" y="2625571"/>
+            <a:ext cx="914400" cy="914400"/>
+          </a:xfrm>
+          <a:prstGeom prst="rect">
+            <a:avLst/>
+          </a:prstGeom>
+        </p:spPr>
+      </p:pic>
+      <p:pic>
+        <p:nvPicPr>
+          <p:cNvPr id="14" name="Picture 13" descr="Icon&#10;&#10;Description automatically generated">
+            <a:extLst>
+              <a:ext uri="{FF2B5EF4-FFF2-40B4-BE49-F238E27FC236}">
+                <a16:creationId xmlns:a16="http://schemas.microsoft.com/office/drawing/2014/main" id="{685B9065-BFEC-432E-9D6B-D0D1F7228555}"/>
+              </a:ext>
+            </a:extLst>
+          </p:cNvPr>
+          <p:cNvPicPr>
+            <a:picLocks noChangeAspect="1"/>
+          </p:cNvPicPr>
+          <p:nvPr/>
+        </p:nvPicPr>
+        <p:blipFill>
+          <a:blip r:embed="rId6">
+            <a:extLst>
+              <a:ext uri="{28A0092B-C50C-407E-A947-70E740481C1C}">
+                <a14:useLocalDpi xmlns:a14="http://schemas.microsoft.com/office/drawing/2010/main" val="0"/>
+              </a:ext>
+            </a:extLst>
+          </a:blip>
+          <a:stretch>
+            <a:fillRect/>
+          </a:stretch>
+        </p:blipFill>
+        <p:spPr>
+          <a:xfrm>
+            <a:off x="9553852" y="1542496"/>
+            <a:ext cx="914400" cy="914400"/>
+          </a:xfrm>
+          <a:prstGeom prst="rect">
+            <a:avLst/>
+          </a:prstGeom>
+        </p:spPr>
+      </p:pic>
+      <p:pic>
+        <p:nvPicPr>
+          <p:cNvPr id="16" name="Picture 15" descr="Chart, histogram&#10;&#10;Description automatically generated">
+            <a:extLst>
+              <a:ext uri="{FF2B5EF4-FFF2-40B4-BE49-F238E27FC236}">
+                <a16:creationId xmlns:a16="http://schemas.microsoft.com/office/drawing/2014/main" id="{C021524B-EE26-4F60-A34B-2148998ADAD7}"/>
+              </a:ext>
+            </a:extLst>
+          </p:cNvPr>
+          <p:cNvPicPr>
+            <a:picLocks noChangeAspect="1"/>
+          </p:cNvPicPr>
+          <p:nvPr/>
+        </p:nvPicPr>
+        <p:blipFill>
+          <a:blip r:embed="rId7">
+            <a:extLst>
+              <a:ext uri="{28A0092B-C50C-407E-A947-70E740481C1C}">
+                <a14:useLocalDpi xmlns:a14="http://schemas.microsoft.com/office/drawing/2010/main" val="0"/>
+              </a:ext>
+            </a:extLst>
+          </a:blip>
+          <a:stretch>
+            <a:fillRect/>
+          </a:stretch>
+        </p:blipFill>
+        <p:spPr>
+          <a:xfrm>
+            <a:off x="4409243" y="912180"/>
+            <a:ext cx="914400" cy="914400"/>
+          </a:xfrm>
+          <a:prstGeom prst="rect">
+            <a:avLst/>
+          </a:prstGeom>
+        </p:spPr>
+      </p:pic>
+      <p:pic>
+        <p:nvPicPr>
+          <p:cNvPr id="20" name="Picture 19" descr="Logo&#10;&#10;Description automatically generated">
+            <a:extLst>
+              <a:ext uri="{FF2B5EF4-FFF2-40B4-BE49-F238E27FC236}">
+                <a16:creationId xmlns:a16="http://schemas.microsoft.com/office/drawing/2014/main" id="{397281DB-2EFE-4E73-9C9B-6703A78DD660}"/>
+              </a:ext>
+            </a:extLst>
+          </p:cNvPr>
+          <p:cNvPicPr>
+            <a:picLocks noChangeAspect="1"/>
+          </p:cNvPicPr>
+          <p:nvPr/>
+        </p:nvPicPr>
+        <p:blipFill>
+          <a:blip r:embed="rId8">
+            <a:extLst>
+              <a:ext uri="{28A0092B-C50C-407E-A947-70E740481C1C}">
+                <a14:useLocalDpi xmlns:a14="http://schemas.microsoft.com/office/drawing/2010/main" val="0"/>
+              </a:ext>
+            </a:extLst>
+          </a:blip>
+          <a:stretch>
+            <a:fillRect/>
+          </a:stretch>
+        </p:blipFill>
+        <p:spPr>
+          <a:xfrm>
+            <a:off x="8420911" y="4232665"/>
+            <a:ext cx="914400" cy="914400"/>
+          </a:xfrm>
+          <a:prstGeom prst="rect">
+            <a:avLst/>
+          </a:prstGeom>
+        </p:spPr>
+      </p:pic>
+      <p:pic>
+        <p:nvPicPr>
+          <p:cNvPr id="22" name="Picture 21" descr="Logo&#10;&#10;Description automatically generated">
+            <a:extLst>
+              <a:ext uri="{FF2B5EF4-FFF2-40B4-BE49-F238E27FC236}">
+                <a16:creationId xmlns:a16="http://schemas.microsoft.com/office/drawing/2014/main" id="{54E8587F-90C1-464C-92CD-DA3B62AFB4CE}"/>
+              </a:ext>
+            </a:extLst>
+          </p:cNvPr>
+          <p:cNvPicPr>
+            <a:picLocks noChangeAspect="1"/>
+          </p:cNvPicPr>
+          <p:nvPr/>
+        </p:nvPicPr>
+        <p:blipFill>
+          <a:blip r:embed="rId9">
+            <a:extLst>
+              <a:ext uri="{28A0092B-C50C-407E-A947-70E740481C1C}">
+                <a14:useLocalDpi xmlns:a14="http://schemas.microsoft.com/office/drawing/2010/main" val="0"/>
+              </a:ext>
+            </a:extLst>
+          </a:blip>
+          <a:stretch>
+            <a:fillRect/>
+          </a:stretch>
+        </p:blipFill>
+        <p:spPr>
+          <a:xfrm>
+            <a:off x="6311961" y="1068390"/>
+            <a:ext cx="914400" cy="914400"/>
+          </a:xfrm>
+          <a:prstGeom prst="rect">
+            <a:avLst/>
+          </a:prstGeom>
+        </p:spPr>
+      </p:pic>
+      <p:pic>
+        <p:nvPicPr>
+          <p:cNvPr id="24" name="Picture 23" descr="A picture containing icon&#10;&#10;Description automatically generated">
+            <a:extLst>
+              <a:ext uri="{FF2B5EF4-FFF2-40B4-BE49-F238E27FC236}">
+                <a16:creationId xmlns:a16="http://schemas.microsoft.com/office/drawing/2014/main" id="{D45D884E-5A74-4EC7-9651-058982CA6120}"/>
+              </a:ext>
+            </a:extLst>
+          </p:cNvPr>
+          <p:cNvPicPr>
+            <a:picLocks noChangeAspect="1"/>
+          </p:cNvPicPr>
+          <p:nvPr/>
+        </p:nvPicPr>
+        <p:blipFill>
+          <a:blip r:embed="rId10">
+            <a:extLst>
+              <a:ext uri="{28A0092B-C50C-407E-A947-70E740481C1C}">
+                <a14:useLocalDpi xmlns:a14="http://schemas.microsoft.com/office/drawing/2010/main" val="0"/>
+              </a:ext>
+            </a:extLst>
+          </a:blip>
+          <a:stretch>
+            <a:fillRect/>
+          </a:stretch>
+        </p:blipFill>
+        <p:spPr>
+          <a:xfrm>
+            <a:off x="7136860" y="3539074"/>
+            <a:ext cx="914400" cy="914400"/>
+          </a:xfrm>
+          <a:prstGeom prst="rect">
+            <a:avLst/>
+          </a:prstGeom>
+        </p:spPr>
+      </p:pic>
+      <p:pic>
+        <p:nvPicPr>
+          <p:cNvPr id="26" name="Picture 25" descr="Icon&#10;&#10;Description automatically generated with medium confidence">
+            <a:extLst>
+              <a:ext uri="{FF2B5EF4-FFF2-40B4-BE49-F238E27FC236}">
+                <a16:creationId xmlns:a16="http://schemas.microsoft.com/office/drawing/2014/main" id="{0E970385-EE78-450C-B807-3551C1D3AF44}"/>
+              </a:ext>
+            </a:extLst>
+          </p:cNvPr>
+          <p:cNvPicPr>
+            <a:picLocks noChangeAspect="1"/>
+          </p:cNvPicPr>
+          <p:nvPr/>
+        </p:nvPicPr>
+        <p:blipFill>
+          <a:blip r:embed="rId11">
+            <a:extLst>
+              <a:ext uri="{28A0092B-C50C-407E-A947-70E740481C1C}">
+                <a14:useLocalDpi xmlns:a14="http://schemas.microsoft.com/office/drawing/2010/main" val="0"/>
+              </a:ext>
+            </a:extLst>
+          </a:blip>
+          <a:stretch>
+            <a:fillRect/>
+          </a:stretch>
+        </p:blipFill>
+        <p:spPr>
+          <a:xfrm>
+            <a:off x="7506511" y="1561054"/>
+            <a:ext cx="914400" cy="914400"/>
+          </a:xfrm>
+          <a:prstGeom prst="rect">
+            <a:avLst/>
+          </a:prstGeom>
+        </p:spPr>
+      </p:pic>
+      <p:pic>
+        <p:nvPicPr>
+          <p:cNvPr id="28" name="Picture 27" descr="A picture containing icon&#10;&#10;Description automatically generated">
+            <a:extLst>
+              <a:ext uri="{FF2B5EF4-FFF2-40B4-BE49-F238E27FC236}">
+                <a16:creationId xmlns:a16="http://schemas.microsoft.com/office/drawing/2014/main" id="{F2F91C01-EB7C-41C0-A7E4-E62413492CF5}"/>
+              </a:ext>
+            </a:extLst>
+          </p:cNvPr>
+          <p:cNvPicPr>
+            <a:picLocks noChangeAspect="1"/>
+          </p:cNvPicPr>
+          <p:nvPr/>
+        </p:nvPicPr>
+        <p:blipFill>
+          <a:blip r:embed="rId12">
+            <a:extLst>
+              <a:ext uri="{28A0092B-C50C-407E-A947-70E740481C1C}">
+                <a14:useLocalDpi xmlns:a14="http://schemas.microsoft.com/office/drawing/2010/main" val="0"/>
+              </a:ext>
+            </a:extLst>
+          </a:blip>
+          <a:stretch>
+            <a:fillRect/>
+          </a:stretch>
+        </p:blipFill>
+        <p:spPr>
+          <a:xfrm>
+            <a:off x="4432570" y="4267350"/>
+            <a:ext cx="914400" cy="914400"/>
+          </a:xfrm>
+          <a:prstGeom prst="rect">
+            <a:avLst/>
+          </a:prstGeom>
+        </p:spPr>
+      </p:pic>
+      <p:pic>
+        <p:nvPicPr>
+          <p:cNvPr id="30" name="Picture 29" descr="Shape&#10;&#10;Description automatically generated with medium confidence">
+            <a:extLst>
+              <a:ext uri="{FF2B5EF4-FFF2-40B4-BE49-F238E27FC236}">
+                <a16:creationId xmlns:a16="http://schemas.microsoft.com/office/drawing/2014/main" id="{3C0123D0-7208-4B7C-A1C6-1C6AB3778191}"/>
+              </a:ext>
+            </a:extLst>
+          </p:cNvPr>
+          <p:cNvPicPr>
+            <a:picLocks noChangeAspect="1"/>
+          </p:cNvPicPr>
+          <p:nvPr/>
+        </p:nvPicPr>
+        <p:blipFill>
+          <a:blip r:embed="rId13">
+            <a:extLst>
+              <a:ext uri="{28A0092B-C50C-407E-A947-70E740481C1C}">
+                <a14:useLocalDpi xmlns:a14="http://schemas.microsoft.com/office/drawing/2010/main" val="0"/>
+              </a:ext>
+            </a:extLst>
+          </a:blip>
+          <a:stretch>
+            <a:fillRect/>
+          </a:stretch>
+        </p:blipFill>
+        <p:spPr>
+          <a:xfrm>
+            <a:off x="6326882" y="2514600"/>
+            <a:ext cx="914400" cy="914400"/>
+          </a:xfrm>
+          <a:prstGeom prst="rect">
+            <a:avLst/>
+          </a:prstGeom>
+        </p:spPr>
+      </p:pic>
+      <p:pic>
+        <p:nvPicPr>
+          <p:cNvPr id="34" name="Picture 33" descr="A picture containing shape&#10;&#10;Description automatically generated">
+            <a:extLst>
+              <a:ext uri="{FF2B5EF4-FFF2-40B4-BE49-F238E27FC236}">
+                <a16:creationId xmlns:a16="http://schemas.microsoft.com/office/drawing/2014/main" id="{6884DE2D-BE4A-4F98-B3C3-DED10B924473}"/>
+              </a:ext>
+            </a:extLst>
+          </p:cNvPr>
+          <p:cNvPicPr>
+            <a:picLocks noChangeAspect="1"/>
+          </p:cNvPicPr>
+          <p:nvPr/>
+        </p:nvPicPr>
+        <p:blipFill>
+          <a:blip r:embed="rId14">
+            <a:extLst>
+              <a:ext uri="{28A0092B-C50C-407E-A947-70E740481C1C}">
+                <a14:useLocalDpi xmlns:a14="http://schemas.microsoft.com/office/drawing/2010/main" val="0"/>
+              </a:ext>
+            </a:extLst>
+          </a:blip>
+          <a:stretch>
+            <a:fillRect/>
+          </a:stretch>
+        </p:blipFill>
+        <p:spPr>
+          <a:xfrm>
+            <a:off x="9968899" y="2868763"/>
+            <a:ext cx="914400" cy="914400"/>
+          </a:xfrm>
+          <a:prstGeom prst="rect">
+            <a:avLst/>
+          </a:prstGeom>
+        </p:spPr>
+      </p:pic>
+      <p:pic>
+        <p:nvPicPr>
+          <p:cNvPr id="43" name="Picture 42" descr="Shape&#10;&#10;Description automatically generated">
+            <a:extLst>
+              <a:ext uri="{FF2B5EF4-FFF2-40B4-BE49-F238E27FC236}">
+                <a16:creationId xmlns:a16="http://schemas.microsoft.com/office/drawing/2014/main" id="{CC0141C6-42AD-4250-8550-34C60DAA7BA8}"/>
+              </a:ext>
+            </a:extLst>
+          </p:cNvPr>
+          <p:cNvPicPr>
+            <a:picLocks noChangeAspect="1"/>
+          </p:cNvPicPr>
+          <p:nvPr/>
+        </p:nvPicPr>
+        <p:blipFill>
+          <a:blip r:embed="rId15">
+            <a:extLst>
+              <a:ext uri="{28A0092B-C50C-407E-A947-70E740481C1C}">
+                <a14:useLocalDpi xmlns:a14="http://schemas.microsoft.com/office/drawing/2010/main" val="0"/>
+              </a:ext>
+            </a:extLst>
+          </a:blip>
+          <a:stretch>
+            <a:fillRect/>
+          </a:stretch>
+        </p:blipFill>
+        <p:spPr>
+          <a:xfrm>
+            <a:off x="2785055" y="890931"/>
+            <a:ext cx="914400" cy="914400"/>
+          </a:xfrm>
+          <a:prstGeom prst="rect">
+            <a:avLst/>
+          </a:prstGeom>
+        </p:spPr>
+      </p:pic>
+      <p:pic>
+        <p:nvPicPr>
+          <p:cNvPr id="52" name="Picture 51" descr="Shape&#10;&#10;Description automatically generated with medium confidence">
+            <a:extLst>
+              <a:ext uri="{FF2B5EF4-FFF2-40B4-BE49-F238E27FC236}">
+                <a16:creationId xmlns:a16="http://schemas.microsoft.com/office/drawing/2014/main" id="{841A5F64-CAA1-4005-A857-4E91B669F321}"/>
+              </a:ext>
+            </a:extLst>
+          </p:cNvPr>
+          <p:cNvPicPr>
+            <a:picLocks noChangeAspect="1"/>
+          </p:cNvPicPr>
+          <p:nvPr/>
+        </p:nvPicPr>
+        <p:blipFill>
+          <a:blip r:embed="rId16">
+            <a:extLst>
+              <a:ext uri="{28A0092B-C50C-407E-A947-70E740481C1C}">
+                <a14:useLocalDpi xmlns:a14="http://schemas.microsoft.com/office/drawing/2010/main" val="0"/>
+              </a:ext>
+            </a:extLst>
+          </a:blip>
+          <a:stretch>
+            <a:fillRect/>
+          </a:stretch>
+        </p:blipFill>
+        <p:spPr>
+          <a:xfrm>
+            <a:off x="5638800" y="4393314"/>
+            <a:ext cx="914400" cy="914400"/>
+          </a:xfrm>
+          <a:prstGeom prst="rect">
+            <a:avLst/>
+          </a:prstGeom>
+        </p:spPr>
+      </p:pic>
+      <p:pic>
+        <p:nvPicPr>
+          <p:cNvPr id="54" name="Picture 53" descr="A picture containing shape&#10;&#10;Description automatically generated">
+            <a:extLst>
+              <a:ext uri="{FF2B5EF4-FFF2-40B4-BE49-F238E27FC236}">
+                <a16:creationId xmlns:a16="http://schemas.microsoft.com/office/drawing/2014/main" id="{67CB0A0F-4878-46A4-97F0-106175ADFFD2}"/>
+              </a:ext>
+            </a:extLst>
+          </p:cNvPr>
+          <p:cNvPicPr>
+            <a:picLocks noChangeAspect="1"/>
+          </p:cNvPicPr>
+          <p:nvPr/>
+        </p:nvPicPr>
+        <p:blipFill>
+          <a:blip r:embed="rId17">
+            <a:extLst>
+              <a:ext uri="{28A0092B-C50C-407E-A947-70E740481C1C}">
+                <a14:useLocalDpi xmlns:a14="http://schemas.microsoft.com/office/drawing/2010/main" val="0"/>
+              </a:ext>
+            </a:extLst>
+          </a:blip>
+          <a:stretch>
+            <a:fillRect/>
+          </a:stretch>
+        </p:blipFill>
+        <p:spPr>
+          <a:xfrm>
+            <a:off x="2856689" y="4453474"/>
+            <a:ext cx="914400" cy="914400"/>
+          </a:xfrm>
+          <a:prstGeom prst="rect">
+            <a:avLst/>
+          </a:prstGeom>
+        </p:spPr>
+      </p:pic>
+      <p:pic>
+        <p:nvPicPr>
+          <p:cNvPr id="56" name="Picture 55" descr="Icon&#10;&#10;Description automatically generated with medium confidence">
+            <a:extLst>
+              <a:ext uri="{FF2B5EF4-FFF2-40B4-BE49-F238E27FC236}">
+                <a16:creationId xmlns:a16="http://schemas.microsoft.com/office/drawing/2014/main" id="{63E7980B-7848-4B22-AEDB-BD442026BC4B}"/>
+              </a:ext>
+            </a:extLst>
+          </p:cNvPr>
+          <p:cNvPicPr>
+            <a:picLocks noChangeAspect="1"/>
+          </p:cNvPicPr>
+          <p:nvPr/>
+        </p:nvPicPr>
+        <p:blipFill>
+          <a:blip r:embed="rId18">
+            <a:extLst>
+              <a:ext uri="{28A0092B-C50C-407E-A947-70E740481C1C}">
+                <a14:useLocalDpi xmlns:a14="http://schemas.microsoft.com/office/drawing/2010/main" val="0"/>
+              </a:ext>
+            </a:extLst>
+          </a:blip>
+          <a:stretch>
+            <a:fillRect/>
+          </a:stretch>
+        </p:blipFill>
+        <p:spPr>
+          <a:xfrm>
+            <a:off x="140783" y="2509217"/>
+            <a:ext cx="914400" cy="914400"/>
+          </a:xfrm>
+          <a:prstGeom prst="rect">
+            <a:avLst/>
+          </a:prstGeom>
+        </p:spPr>
+      </p:pic>
+      <p:pic>
+        <p:nvPicPr>
+          <p:cNvPr id="58" name="Picture 57" descr="Icon&#10;&#10;Description automatically generated">
+            <a:extLst>
+              <a:ext uri="{FF2B5EF4-FFF2-40B4-BE49-F238E27FC236}">
+                <a16:creationId xmlns:a16="http://schemas.microsoft.com/office/drawing/2014/main" id="{A2CEA007-39D5-4853-AF81-75BAE1068268}"/>
+              </a:ext>
+            </a:extLst>
+          </p:cNvPr>
+          <p:cNvPicPr>
+            <a:picLocks noChangeAspect="1"/>
+          </p:cNvPicPr>
+          <p:nvPr/>
+        </p:nvPicPr>
+        <p:blipFill>
+          <a:blip r:embed="rId19">
+            <a:extLst>
+              <a:ext uri="{28A0092B-C50C-407E-A947-70E740481C1C}">
+                <a14:useLocalDpi xmlns:a14="http://schemas.microsoft.com/office/drawing/2010/main" val="0"/>
+              </a:ext>
+            </a:extLst>
+          </a:blip>
+          <a:stretch>
+            <a:fillRect/>
+          </a:stretch>
+        </p:blipFill>
+        <p:spPr>
+          <a:xfrm>
+            <a:off x="737714" y="1222899"/>
+            <a:ext cx="914400" cy="914400"/>
+          </a:xfrm>
+          <a:prstGeom prst="rect">
+            <a:avLst/>
+          </a:prstGeom>
+        </p:spPr>
+      </p:pic>
+      <p:pic>
+        <p:nvPicPr>
+          <p:cNvPr id="62" name="Picture 61" descr="A picture containing icon&#10;&#10;Description automatically generated">
+            <a:extLst>
+              <a:ext uri="{FF2B5EF4-FFF2-40B4-BE49-F238E27FC236}">
+                <a16:creationId xmlns:a16="http://schemas.microsoft.com/office/drawing/2014/main" id="{64D41472-5AD9-4BD5-A6B5-ED03CCA75B2C}"/>
+              </a:ext>
+            </a:extLst>
+          </p:cNvPr>
+          <p:cNvPicPr>
+            <a:picLocks noChangeAspect="1"/>
+          </p:cNvPicPr>
+          <p:nvPr/>
+        </p:nvPicPr>
+        <p:blipFill>
+          <a:blip r:embed="rId20">
+            <a:extLst>
+              <a:ext uri="{28A0092B-C50C-407E-A947-70E740481C1C}">
+                <a14:useLocalDpi xmlns:a14="http://schemas.microsoft.com/office/drawing/2010/main" val="0"/>
+              </a:ext>
+            </a:extLst>
+          </a:blip>
+          <a:stretch>
+            <a:fillRect/>
+          </a:stretch>
+        </p:blipFill>
+        <p:spPr>
+          <a:xfrm>
+            <a:off x="1481091" y="912180"/>
+            <a:ext cx="914400" cy="914400"/>
+          </a:xfrm>
+          <a:prstGeom prst="rect">
+            <a:avLst/>
+          </a:prstGeom>
+        </p:spPr>
+      </p:pic>
+      <p:pic>
+        <p:nvPicPr>
+          <p:cNvPr id="64" name="Picture 63" descr="Icon&#10;&#10;Description automatically generated">
+            <a:extLst>
+              <a:ext uri="{FF2B5EF4-FFF2-40B4-BE49-F238E27FC236}">
+                <a16:creationId xmlns:a16="http://schemas.microsoft.com/office/drawing/2014/main" id="{DDF0EA50-092E-441A-909B-2FB86B4FD34B}"/>
+              </a:ext>
+            </a:extLst>
+          </p:cNvPr>
+          <p:cNvPicPr>
+            <a:picLocks noChangeAspect="1"/>
+          </p:cNvPicPr>
+          <p:nvPr/>
+        </p:nvPicPr>
+        <p:blipFill>
+          <a:blip r:embed="rId21">
+            <a:extLst>
+              <a:ext uri="{28A0092B-C50C-407E-A947-70E740481C1C}">
+                <a14:useLocalDpi xmlns:a14="http://schemas.microsoft.com/office/drawing/2010/main" val="0"/>
+              </a:ext>
+            </a:extLst>
+          </a:blip>
+          <a:stretch>
+            <a:fillRect/>
+          </a:stretch>
+        </p:blipFill>
+        <p:spPr>
+          <a:xfrm>
+            <a:off x="737714" y="4237200"/>
+            <a:ext cx="914400" cy="914400"/>
+          </a:xfrm>
+          <a:prstGeom prst="rect">
+            <a:avLst/>
+          </a:prstGeom>
+        </p:spPr>
+      </p:pic>
+      <p:pic>
+        <p:nvPicPr>
+          <p:cNvPr id="5" name="Picture 4" descr="Shape&#10;&#10;Description automatically generated">
+            <a:extLst>
+              <a:ext uri="{FF2B5EF4-FFF2-40B4-BE49-F238E27FC236}">
+                <a16:creationId xmlns:a16="http://schemas.microsoft.com/office/drawing/2014/main" id="{A8323241-61E3-4539-8E9E-53EDEF82A025}"/>
+              </a:ext>
+            </a:extLst>
+          </p:cNvPr>
+          <p:cNvPicPr>
+            <a:picLocks noChangeAspect="1"/>
+          </p:cNvPicPr>
+          <p:nvPr/>
+        </p:nvPicPr>
+        <p:blipFill>
+          <a:blip r:embed="rId22">
+            <a:extLst>
+              <a:ext uri="{28A0092B-C50C-407E-A947-70E740481C1C}">
+                <a14:useLocalDpi xmlns:a14="http://schemas.microsoft.com/office/drawing/2010/main" val="0"/>
+              </a:ext>
+            </a:extLst>
+          </a:blip>
+          <a:stretch>
+            <a:fillRect/>
+          </a:stretch>
+        </p:blipFill>
+        <p:spPr>
+          <a:xfrm>
+            <a:off x="6909882" y="4755386"/>
+            <a:ext cx="914400" cy="914400"/>
+          </a:xfrm>
+          <a:prstGeom prst="rect">
+            <a:avLst/>
+          </a:prstGeom>
+        </p:spPr>
+      </p:pic>
     </p:spTree>
     <p:extLst>
       <p:ext uri="{BB962C8B-B14F-4D97-AF65-F5344CB8AC3E}">
-        <p14:creationId xmlns:p14="http://schemas.microsoft.com/office/powerpoint/2010/main" val="1565883672"/>
+        <p14:creationId xmlns:p14="http://schemas.microsoft.com/office/powerpoint/2010/main" val="3937420748"/>
       </p:ext>
     </p:extLst>
   </p:cSld>
@@ -8128,48 +8223,12 @@
           <a:chExt cx="0" cy="0"/>
         </a:xfrm>
       </p:grpSpPr>
-      <p:pic>
-        <p:nvPicPr>
-          <p:cNvPr id="4" name="Picture 3" descr="Logo&#10;&#10;Description automatically generated">
-            <a:extLst>
-              <a:ext uri="{FF2B5EF4-FFF2-40B4-BE49-F238E27FC236}">
-                <a16:creationId xmlns:a16="http://schemas.microsoft.com/office/drawing/2014/main" id="{687C714A-1F00-42AC-BC6A-F6D1E2D6AD87}"/>
-              </a:ext>
-            </a:extLst>
-          </p:cNvPr>
-          <p:cNvPicPr>
-            <a:picLocks noChangeAspect="1"/>
-          </p:cNvPicPr>
-          <p:nvPr/>
-        </p:nvPicPr>
-        <p:blipFill>
-          <a:blip r:embed="rId2">
-            <a:extLst>
-              <a:ext uri="{28A0092B-C50C-407E-A947-70E740481C1C}">
-                <a14:useLocalDpi xmlns:a14="http://schemas.microsoft.com/office/drawing/2010/main" val="0"/>
-              </a:ext>
-            </a:extLst>
-          </a:blip>
-          <a:stretch>
-            <a:fillRect/>
-          </a:stretch>
-        </p:blipFill>
-        <p:spPr>
-          <a:xfrm rot="5606600">
-            <a:off x="10335051" y="2835613"/>
-            <a:ext cx="914400" cy="914400"/>
-          </a:xfrm>
-          <a:prstGeom prst="rect">
-            <a:avLst/>
-          </a:prstGeom>
-        </p:spPr>
-      </p:pic>
       <p:sp>
         <p:nvSpPr>
-          <p:cNvPr id="5" name="TextBox 4">
-            <a:extLst>
-              <a:ext uri="{FF2B5EF4-FFF2-40B4-BE49-F238E27FC236}">
-                <a16:creationId xmlns:a16="http://schemas.microsoft.com/office/drawing/2014/main" id="{500923F3-090A-40AC-BE2B-A101D34CDF2B}"/>
+          <p:cNvPr id="15" name="TextBox 14">
+            <a:extLst>
+              <a:ext uri="{FF2B5EF4-FFF2-40B4-BE49-F238E27FC236}">
+                <a16:creationId xmlns:a16="http://schemas.microsoft.com/office/drawing/2014/main" id="{A5D2969A-392C-4AC5-879D-8BFB90746B56}"/>
               </a:ext>
             </a:extLst>
           </p:cNvPr>
@@ -8194,7 +8253,7 @@
           <a:p>
             <a:r>
               <a:rPr lang="en-US" sz="7200" dirty="0"/>
-              <a:t>LEVEL 9 STEP 0</a:t>
+              <a:t>LEVEL 9 STEP 1</a:t>
             </a:r>
           </a:p>
           <a:p>
@@ -8204,10 +8263,46 @@
       </p:sp>
       <p:pic>
         <p:nvPicPr>
-          <p:cNvPr id="6" name="Picture 5" descr="Icon&#10;&#10;Description automatically generated with medium confidence">
-            <a:extLst>
-              <a:ext uri="{FF2B5EF4-FFF2-40B4-BE49-F238E27FC236}">
-                <a16:creationId xmlns:a16="http://schemas.microsoft.com/office/drawing/2014/main" id="{C3988B50-AA85-4050-91B2-983CFC43D07B}"/>
+          <p:cNvPr id="3" name="Picture 2" descr="Logo&#10;&#10;Description automatically generated">
+            <a:extLst>
+              <a:ext uri="{FF2B5EF4-FFF2-40B4-BE49-F238E27FC236}">
+                <a16:creationId xmlns:a16="http://schemas.microsoft.com/office/drawing/2014/main" id="{427C73FD-D5B1-42E0-98FA-D0DDEDD62029}"/>
+              </a:ext>
+            </a:extLst>
+          </p:cNvPr>
+          <p:cNvPicPr>
+            <a:picLocks noChangeAspect="1"/>
+          </p:cNvPicPr>
+          <p:nvPr/>
+        </p:nvPicPr>
+        <p:blipFill>
+          <a:blip r:embed="rId2">
+            <a:extLst>
+              <a:ext uri="{28A0092B-C50C-407E-A947-70E740481C1C}">
+                <a14:useLocalDpi xmlns:a14="http://schemas.microsoft.com/office/drawing/2010/main" val="0"/>
+              </a:ext>
+            </a:extLst>
+          </a:blip>
+          <a:stretch>
+            <a:fillRect/>
+          </a:stretch>
+        </p:blipFill>
+        <p:spPr>
+          <a:xfrm rot="5241219">
+            <a:off x="4793879" y="1525590"/>
+            <a:ext cx="914400" cy="914400"/>
+          </a:xfrm>
+          <a:prstGeom prst="rect">
+            <a:avLst/>
+          </a:prstGeom>
+        </p:spPr>
+      </p:pic>
+      <p:pic>
+        <p:nvPicPr>
+          <p:cNvPr id="4" name="Picture 3" descr="Icon&#10;&#10;Description automatically generated with medium confidence">
+            <a:extLst>
+              <a:ext uri="{FF2B5EF4-FFF2-40B4-BE49-F238E27FC236}">
+                <a16:creationId xmlns:a16="http://schemas.microsoft.com/office/drawing/2014/main" id="{8A4A45F8-5F9E-4939-A3F3-8786794D9264}"/>
               </a:ext>
             </a:extLst>
           </p:cNvPr>
@@ -8229,21 +8324,21 @@
           </a:stretch>
         </p:blipFill>
         <p:spPr>
-          <a:xfrm rot="5646957">
-            <a:off x="10267466" y="1068390"/>
-            <a:ext cx="914400" cy="914400"/>
-          </a:xfrm>
-          <a:prstGeom prst="rect">
-            <a:avLst/>
-          </a:prstGeom>
-        </p:spPr>
-      </p:pic>
-      <p:pic>
-        <p:nvPicPr>
-          <p:cNvPr id="7" name="Picture 6" descr="A black rectangle with white squares&#10;&#10;Description automatically generated with low confidence">
-            <a:extLst>
-              <a:ext uri="{FF2B5EF4-FFF2-40B4-BE49-F238E27FC236}">
-                <a16:creationId xmlns:a16="http://schemas.microsoft.com/office/drawing/2014/main" id="{F21540EB-4A89-4B98-8C1C-2BAAAA9B91E2}"/>
+          <a:xfrm rot="16200000">
+            <a:off x="8580709" y="1525590"/>
+            <a:ext cx="914400" cy="914400"/>
+          </a:xfrm>
+          <a:prstGeom prst="rect">
+            <a:avLst/>
+          </a:prstGeom>
+        </p:spPr>
+      </p:pic>
+      <p:pic>
+        <p:nvPicPr>
+          <p:cNvPr id="25" name="Picture 24" descr="Icon&#10;&#10;Description automatically generated">
+            <a:extLst>
+              <a:ext uri="{FF2B5EF4-FFF2-40B4-BE49-F238E27FC236}">
+                <a16:creationId xmlns:a16="http://schemas.microsoft.com/office/drawing/2014/main" id="{BC13E319-3ECE-439D-8A3E-75C3146031C1}"/>
               </a:ext>
             </a:extLst>
           </p:cNvPr>
@@ -8265,21 +8360,21 @@
           </a:stretch>
         </p:blipFill>
         <p:spPr>
-          <a:xfrm rot="16200000">
-            <a:off x="10361685" y="1100027"/>
-            <a:ext cx="914400" cy="914400"/>
-          </a:xfrm>
-          <a:prstGeom prst="rect">
-            <a:avLst/>
-          </a:prstGeom>
-        </p:spPr>
-      </p:pic>
-      <p:pic>
-        <p:nvPicPr>
-          <p:cNvPr id="8" name="Picture 7" descr="Icon&#10;&#10;Description automatically generated">
-            <a:extLst>
-              <a:ext uri="{FF2B5EF4-FFF2-40B4-BE49-F238E27FC236}">
-                <a16:creationId xmlns:a16="http://schemas.microsoft.com/office/drawing/2014/main" id="{26E4EA8D-F901-4982-A4E5-0137BEEDAB44}"/>
+          <a:xfrm rot="5400000">
+            <a:off x="6697605" y="1504968"/>
+            <a:ext cx="914400" cy="914400"/>
+          </a:xfrm>
+          <a:prstGeom prst="rect">
+            <a:avLst/>
+          </a:prstGeom>
+        </p:spPr>
+      </p:pic>
+      <p:pic>
+        <p:nvPicPr>
+          <p:cNvPr id="27" name="Picture 26" descr="Logo&#10;&#10;Description automatically generated">
+            <a:extLst>
+              <a:ext uri="{FF2B5EF4-FFF2-40B4-BE49-F238E27FC236}">
+                <a16:creationId xmlns:a16="http://schemas.microsoft.com/office/drawing/2014/main" id="{E6102927-D94F-4B78-BEE6-86654004360E}"/>
               </a:ext>
             </a:extLst>
           </p:cNvPr>
@@ -8301,57 +8396,21 @@
           </a:stretch>
         </p:blipFill>
         <p:spPr>
-          <a:xfrm rot="10800000">
-            <a:off x="1811371" y="2804404"/>
-            <a:ext cx="914400" cy="914400"/>
-          </a:xfrm>
-          <a:prstGeom prst="rect">
-            <a:avLst/>
-          </a:prstGeom>
-        </p:spPr>
-      </p:pic>
-      <p:pic>
-        <p:nvPicPr>
-          <p:cNvPr id="9" name="Picture 8" descr="Icon&#10;&#10;Description automatically generated">
-            <a:extLst>
-              <a:ext uri="{FF2B5EF4-FFF2-40B4-BE49-F238E27FC236}">
-                <a16:creationId xmlns:a16="http://schemas.microsoft.com/office/drawing/2014/main" id="{437B3AE1-2FD0-4634-98D5-8CA7F0586A51}"/>
-              </a:ext>
-            </a:extLst>
-          </p:cNvPr>
-          <p:cNvPicPr>
-            <a:picLocks noChangeAspect="1"/>
-          </p:cNvPicPr>
-          <p:nvPr/>
-        </p:nvPicPr>
-        <p:blipFill>
-          <a:blip r:embed="rId5">
-            <a:extLst>
-              <a:ext uri="{28A0092B-C50C-407E-A947-70E740481C1C}">
-                <a14:useLocalDpi xmlns:a14="http://schemas.microsoft.com/office/drawing/2010/main" val="0"/>
-              </a:ext>
-            </a:extLst>
-          </a:blip>
-          <a:stretch>
-            <a:fillRect/>
-          </a:stretch>
-        </p:blipFill>
-        <p:spPr>
-          <a:xfrm rot="10800000">
-            <a:off x="1811372" y="4075485"/>
-            <a:ext cx="914400" cy="914400"/>
-          </a:xfrm>
-          <a:prstGeom prst="rect">
-            <a:avLst/>
-          </a:prstGeom>
-        </p:spPr>
-      </p:pic>
-      <p:pic>
-        <p:nvPicPr>
-          <p:cNvPr id="10" name="Picture 9" descr="A picture containing icon&#10;&#10;Description automatically generated">
-            <a:extLst>
-              <a:ext uri="{FF2B5EF4-FFF2-40B4-BE49-F238E27FC236}">
-                <a16:creationId xmlns:a16="http://schemas.microsoft.com/office/drawing/2014/main" id="{26CA42CB-B483-455B-B3DA-5C2A66B86416}"/>
+          <a:xfrm>
+            <a:off x="10352767" y="1047768"/>
+            <a:ext cx="914400" cy="914400"/>
+          </a:xfrm>
+          <a:prstGeom prst="rect">
+            <a:avLst/>
+          </a:prstGeom>
+        </p:spPr>
+      </p:pic>
+      <p:pic>
+        <p:nvPicPr>
+          <p:cNvPr id="29" name="Picture 28" descr="A picture containing icon&#10;&#10;Description automatically generated">
+            <a:extLst>
+              <a:ext uri="{FF2B5EF4-FFF2-40B4-BE49-F238E27FC236}">
+                <a16:creationId xmlns:a16="http://schemas.microsoft.com/office/drawing/2014/main" id="{14FAD842-C9AE-47B5-8027-4BBD73E2D765}"/>
               </a:ext>
             </a:extLst>
           </p:cNvPr>
@@ -8374,79 +8433,7 @@
         </p:blipFill>
         <p:spPr>
           <a:xfrm>
-            <a:off x="6467825" y="4250583"/>
-            <a:ext cx="914400" cy="914400"/>
-          </a:xfrm>
-          <a:prstGeom prst="rect">
-            <a:avLst/>
-          </a:prstGeom>
-        </p:spPr>
-      </p:pic>
-      <p:pic>
-        <p:nvPicPr>
-          <p:cNvPr id="11" name="Picture 10" descr="Icon&#10;&#10;Description automatically generated">
-            <a:extLst>
-              <a:ext uri="{FF2B5EF4-FFF2-40B4-BE49-F238E27FC236}">
-                <a16:creationId xmlns:a16="http://schemas.microsoft.com/office/drawing/2014/main" id="{7512DB72-F07F-4D16-8822-589B9379B255}"/>
-              </a:ext>
-            </a:extLst>
-          </p:cNvPr>
-          <p:cNvPicPr>
-            <a:picLocks noChangeAspect="1"/>
-          </p:cNvPicPr>
-          <p:nvPr/>
-        </p:nvPicPr>
-        <p:blipFill>
-          <a:blip r:embed="rId7">
-            <a:extLst>
-              <a:ext uri="{28A0092B-C50C-407E-A947-70E740481C1C}">
-                <a14:useLocalDpi xmlns:a14="http://schemas.microsoft.com/office/drawing/2010/main" val="0"/>
-              </a:ext>
-            </a:extLst>
-          </a:blip>
-          <a:stretch>
-            <a:fillRect/>
-          </a:stretch>
-        </p:blipFill>
-        <p:spPr>
-          <a:xfrm rot="5400000">
-            <a:off x="4401877" y="814304"/>
-            <a:ext cx="914400" cy="914400"/>
-          </a:xfrm>
-          <a:prstGeom prst="rect">
-            <a:avLst/>
-          </a:prstGeom>
-        </p:spPr>
-      </p:pic>
-      <p:pic>
-        <p:nvPicPr>
-          <p:cNvPr id="12" name="Picture 11" descr="Shape&#10;&#10;Description automatically generated">
-            <a:extLst>
-              <a:ext uri="{FF2B5EF4-FFF2-40B4-BE49-F238E27FC236}">
-                <a16:creationId xmlns:a16="http://schemas.microsoft.com/office/drawing/2014/main" id="{EBD7899F-6D7E-4918-B02C-F08369D25F75}"/>
-              </a:ext>
-            </a:extLst>
-          </p:cNvPr>
-          <p:cNvPicPr>
-            <a:picLocks noChangeAspect="1"/>
-          </p:cNvPicPr>
-          <p:nvPr/>
-        </p:nvPicPr>
-        <p:blipFill>
-          <a:blip r:embed="rId8">
-            <a:extLst>
-              <a:ext uri="{28A0092B-C50C-407E-A947-70E740481C1C}">
-                <a14:useLocalDpi xmlns:a14="http://schemas.microsoft.com/office/drawing/2010/main" val="0"/>
-              </a:ext>
-            </a:extLst>
-          </a:blip>
-          <a:stretch>
-            <a:fillRect/>
-          </a:stretch>
-        </p:blipFill>
-        <p:spPr>
-          <a:xfrm>
-            <a:off x="4401877" y="879653"/>
+            <a:off x="6697605" y="3981433"/>
             <a:ext cx="914400" cy="914400"/>
           </a:xfrm>
           <a:prstGeom prst="rect">
@@ -8457,7 +8444,7 @@
     </p:spTree>
     <p:extLst>
       <p:ext uri="{BB962C8B-B14F-4D97-AF65-F5344CB8AC3E}">
-        <p14:creationId xmlns:p14="http://schemas.microsoft.com/office/powerpoint/2010/main" val="883129314"/>
+        <p14:creationId xmlns:p14="http://schemas.microsoft.com/office/powerpoint/2010/main" val="1365719046"/>
       </p:ext>
     </p:extLst>
   </p:cSld>
@@ -8550,6 +8537,362 @@
           <a:p>
             <a:r>
               <a:rPr lang="en-US" sz="7200" dirty="0"/>
+              <a:t>LEVEL 9 STEP 0</a:t>
+            </a:r>
+          </a:p>
+          <a:p>
+            <a:endParaRPr lang="en-US" dirty="0"/>
+          </a:p>
+        </p:txBody>
+      </p:sp>
+      <p:pic>
+        <p:nvPicPr>
+          <p:cNvPr id="6" name="Picture 5" descr="Icon&#10;&#10;Description automatically generated with medium confidence">
+            <a:extLst>
+              <a:ext uri="{FF2B5EF4-FFF2-40B4-BE49-F238E27FC236}">
+                <a16:creationId xmlns:a16="http://schemas.microsoft.com/office/drawing/2014/main" id="{C3988B50-AA85-4050-91B2-983CFC43D07B}"/>
+              </a:ext>
+            </a:extLst>
+          </p:cNvPr>
+          <p:cNvPicPr>
+            <a:picLocks noChangeAspect="1"/>
+          </p:cNvPicPr>
+          <p:nvPr/>
+        </p:nvPicPr>
+        <p:blipFill>
+          <a:blip r:embed="rId3">
+            <a:extLst>
+              <a:ext uri="{28A0092B-C50C-407E-A947-70E740481C1C}">
+                <a14:useLocalDpi xmlns:a14="http://schemas.microsoft.com/office/drawing/2010/main" val="0"/>
+              </a:ext>
+            </a:extLst>
+          </a:blip>
+          <a:stretch>
+            <a:fillRect/>
+          </a:stretch>
+        </p:blipFill>
+        <p:spPr>
+          <a:xfrm rot="5646957">
+            <a:off x="10267466" y="1068390"/>
+            <a:ext cx="914400" cy="914400"/>
+          </a:xfrm>
+          <a:prstGeom prst="rect">
+            <a:avLst/>
+          </a:prstGeom>
+        </p:spPr>
+      </p:pic>
+      <p:pic>
+        <p:nvPicPr>
+          <p:cNvPr id="7" name="Picture 6" descr="A black rectangle with white squares&#10;&#10;Description automatically generated with low confidence">
+            <a:extLst>
+              <a:ext uri="{FF2B5EF4-FFF2-40B4-BE49-F238E27FC236}">
+                <a16:creationId xmlns:a16="http://schemas.microsoft.com/office/drawing/2014/main" id="{F21540EB-4A89-4B98-8C1C-2BAAAA9B91E2}"/>
+              </a:ext>
+            </a:extLst>
+          </p:cNvPr>
+          <p:cNvPicPr>
+            <a:picLocks noChangeAspect="1"/>
+          </p:cNvPicPr>
+          <p:nvPr/>
+        </p:nvPicPr>
+        <p:blipFill>
+          <a:blip r:embed="rId4">
+            <a:extLst>
+              <a:ext uri="{28A0092B-C50C-407E-A947-70E740481C1C}">
+                <a14:useLocalDpi xmlns:a14="http://schemas.microsoft.com/office/drawing/2010/main" val="0"/>
+              </a:ext>
+            </a:extLst>
+          </a:blip>
+          <a:stretch>
+            <a:fillRect/>
+          </a:stretch>
+        </p:blipFill>
+        <p:spPr>
+          <a:xfrm rot="16200000">
+            <a:off x="10361685" y="1100027"/>
+            <a:ext cx="914400" cy="914400"/>
+          </a:xfrm>
+          <a:prstGeom prst="rect">
+            <a:avLst/>
+          </a:prstGeom>
+        </p:spPr>
+      </p:pic>
+      <p:pic>
+        <p:nvPicPr>
+          <p:cNvPr id="8" name="Picture 7" descr="Icon&#10;&#10;Description automatically generated">
+            <a:extLst>
+              <a:ext uri="{FF2B5EF4-FFF2-40B4-BE49-F238E27FC236}">
+                <a16:creationId xmlns:a16="http://schemas.microsoft.com/office/drawing/2014/main" id="{26E4EA8D-F901-4982-A4E5-0137BEEDAB44}"/>
+              </a:ext>
+            </a:extLst>
+          </p:cNvPr>
+          <p:cNvPicPr>
+            <a:picLocks noChangeAspect="1"/>
+          </p:cNvPicPr>
+          <p:nvPr/>
+        </p:nvPicPr>
+        <p:blipFill>
+          <a:blip r:embed="rId5">
+            <a:extLst>
+              <a:ext uri="{28A0092B-C50C-407E-A947-70E740481C1C}">
+                <a14:useLocalDpi xmlns:a14="http://schemas.microsoft.com/office/drawing/2010/main" val="0"/>
+              </a:ext>
+            </a:extLst>
+          </a:blip>
+          <a:stretch>
+            <a:fillRect/>
+          </a:stretch>
+        </p:blipFill>
+        <p:spPr>
+          <a:xfrm rot="10800000">
+            <a:off x="1811371" y="2804404"/>
+            <a:ext cx="914400" cy="914400"/>
+          </a:xfrm>
+          <a:prstGeom prst="rect">
+            <a:avLst/>
+          </a:prstGeom>
+        </p:spPr>
+      </p:pic>
+      <p:pic>
+        <p:nvPicPr>
+          <p:cNvPr id="9" name="Picture 8" descr="Icon&#10;&#10;Description automatically generated">
+            <a:extLst>
+              <a:ext uri="{FF2B5EF4-FFF2-40B4-BE49-F238E27FC236}">
+                <a16:creationId xmlns:a16="http://schemas.microsoft.com/office/drawing/2014/main" id="{437B3AE1-2FD0-4634-98D5-8CA7F0586A51}"/>
+              </a:ext>
+            </a:extLst>
+          </p:cNvPr>
+          <p:cNvPicPr>
+            <a:picLocks noChangeAspect="1"/>
+          </p:cNvPicPr>
+          <p:nvPr/>
+        </p:nvPicPr>
+        <p:blipFill>
+          <a:blip r:embed="rId5">
+            <a:extLst>
+              <a:ext uri="{28A0092B-C50C-407E-A947-70E740481C1C}">
+                <a14:useLocalDpi xmlns:a14="http://schemas.microsoft.com/office/drawing/2010/main" val="0"/>
+              </a:ext>
+            </a:extLst>
+          </a:blip>
+          <a:stretch>
+            <a:fillRect/>
+          </a:stretch>
+        </p:blipFill>
+        <p:spPr>
+          <a:xfrm rot="10800000">
+            <a:off x="1811372" y="4075485"/>
+            <a:ext cx="914400" cy="914400"/>
+          </a:xfrm>
+          <a:prstGeom prst="rect">
+            <a:avLst/>
+          </a:prstGeom>
+        </p:spPr>
+      </p:pic>
+      <p:pic>
+        <p:nvPicPr>
+          <p:cNvPr id="10" name="Picture 9" descr="A picture containing icon&#10;&#10;Description automatically generated">
+            <a:extLst>
+              <a:ext uri="{FF2B5EF4-FFF2-40B4-BE49-F238E27FC236}">
+                <a16:creationId xmlns:a16="http://schemas.microsoft.com/office/drawing/2014/main" id="{26CA42CB-B483-455B-B3DA-5C2A66B86416}"/>
+              </a:ext>
+            </a:extLst>
+          </p:cNvPr>
+          <p:cNvPicPr>
+            <a:picLocks noChangeAspect="1"/>
+          </p:cNvPicPr>
+          <p:nvPr/>
+        </p:nvPicPr>
+        <p:blipFill>
+          <a:blip r:embed="rId6">
+            <a:extLst>
+              <a:ext uri="{28A0092B-C50C-407E-A947-70E740481C1C}">
+                <a14:useLocalDpi xmlns:a14="http://schemas.microsoft.com/office/drawing/2010/main" val="0"/>
+              </a:ext>
+            </a:extLst>
+          </a:blip>
+          <a:stretch>
+            <a:fillRect/>
+          </a:stretch>
+        </p:blipFill>
+        <p:spPr>
+          <a:xfrm>
+            <a:off x="6467825" y="4250583"/>
+            <a:ext cx="914400" cy="914400"/>
+          </a:xfrm>
+          <a:prstGeom prst="rect">
+            <a:avLst/>
+          </a:prstGeom>
+        </p:spPr>
+      </p:pic>
+      <p:pic>
+        <p:nvPicPr>
+          <p:cNvPr id="11" name="Picture 10" descr="Icon&#10;&#10;Description automatically generated">
+            <a:extLst>
+              <a:ext uri="{FF2B5EF4-FFF2-40B4-BE49-F238E27FC236}">
+                <a16:creationId xmlns:a16="http://schemas.microsoft.com/office/drawing/2014/main" id="{7512DB72-F07F-4D16-8822-589B9379B255}"/>
+              </a:ext>
+            </a:extLst>
+          </p:cNvPr>
+          <p:cNvPicPr>
+            <a:picLocks noChangeAspect="1"/>
+          </p:cNvPicPr>
+          <p:nvPr/>
+        </p:nvPicPr>
+        <p:blipFill>
+          <a:blip r:embed="rId7">
+            <a:extLst>
+              <a:ext uri="{28A0092B-C50C-407E-A947-70E740481C1C}">
+                <a14:useLocalDpi xmlns:a14="http://schemas.microsoft.com/office/drawing/2010/main" val="0"/>
+              </a:ext>
+            </a:extLst>
+          </a:blip>
+          <a:stretch>
+            <a:fillRect/>
+          </a:stretch>
+        </p:blipFill>
+        <p:spPr>
+          <a:xfrm rot="5400000">
+            <a:off x="4401877" y="814304"/>
+            <a:ext cx="914400" cy="914400"/>
+          </a:xfrm>
+          <a:prstGeom prst="rect">
+            <a:avLst/>
+          </a:prstGeom>
+        </p:spPr>
+      </p:pic>
+      <p:pic>
+        <p:nvPicPr>
+          <p:cNvPr id="12" name="Picture 11" descr="Shape&#10;&#10;Description automatically generated">
+            <a:extLst>
+              <a:ext uri="{FF2B5EF4-FFF2-40B4-BE49-F238E27FC236}">
+                <a16:creationId xmlns:a16="http://schemas.microsoft.com/office/drawing/2014/main" id="{EBD7899F-6D7E-4918-B02C-F08369D25F75}"/>
+              </a:ext>
+            </a:extLst>
+          </p:cNvPr>
+          <p:cNvPicPr>
+            <a:picLocks noChangeAspect="1"/>
+          </p:cNvPicPr>
+          <p:nvPr/>
+        </p:nvPicPr>
+        <p:blipFill>
+          <a:blip r:embed="rId8">
+            <a:extLst>
+              <a:ext uri="{28A0092B-C50C-407E-A947-70E740481C1C}">
+                <a14:useLocalDpi xmlns:a14="http://schemas.microsoft.com/office/drawing/2010/main" val="0"/>
+              </a:ext>
+            </a:extLst>
+          </a:blip>
+          <a:stretch>
+            <a:fillRect/>
+          </a:stretch>
+        </p:blipFill>
+        <p:spPr>
+          <a:xfrm>
+            <a:off x="4401877" y="879653"/>
+            <a:ext cx="914400" cy="914400"/>
+          </a:xfrm>
+          <a:prstGeom prst="rect">
+            <a:avLst/>
+          </a:prstGeom>
+        </p:spPr>
+      </p:pic>
+    </p:spTree>
+    <p:extLst>
+      <p:ext uri="{BB962C8B-B14F-4D97-AF65-F5344CB8AC3E}">
+        <p14:creationId xmlns:p14="http://schemas.microsoft.com/office/powerpoint/2010/main" val="883129314"/>
+      </p:ext>
+    </p:extLst>
+  </p:cSld>
+  <p:clrMapOvr>
+    <a:masterClrMapping/>
+  </p:clrMapOvr>
+</p:sld>
+</file>
+
+<file path=ppt/slides/slide22.xml><?xml version="1.0" encoding="utf-8"?>
+<p:sld xmlns:a="http://schemas.openxmlformats.org/drawingml/2006/main" xmlns:r="http://schemas.openxmlformats.org/officeDocument/2006/relationships" xmlns:p="http://schemas.openxmlformats.org/presentationml/2006/main">
+  <p:cSld>
+    <p:spTree>
+      <p:nvGrpSpPr>
+        <p:cNvPr id="1" name=""/>
+        <p:cNvGrpSpPr/>
+        <p:nvPr/>
+      </p:nvGrpSpPr>
+      <p:grpSpPr>
+        <a:xfrm>
+          <a:off x="0" y="0"/>
+          <a:ext cx="0" cy="0"/>
+          <a:chOff x="0" y="0"/>
+          <a:chExt cx="0" cy="0"/>
+        </a:xfrm>
+      </p:grpSpPr>
+      <p:pic>
+        <p:nvPicPr>
+          <p:cNvPr id="4" name="Picture 3" descr="Logo&#10;&#10;Description automatically generated">
+            <a:extLst>
+              <a:ext uri="{FF2B5EF4-FFF2-40B4-BE49-F238E27FC236}">
+                <a16:creationId xmlns:a16="http://schemas.microsoft.com/office/drawing/2014/main" id="{687C714A-1F00-42AC-BC6A-F6D1E2D6AD87}"/>
+              </a:ext>
+            </a:extLst>
+          </p:cNvPr>
+          <p:cNvPicPr>
+            <a:picLocks noChangeAspect="1"/>
+          </p:cNvPicPr>
+          <p:nvPr/>
+        </p:nvPicPr>
+        <p:blipFill>
+          <a:blip r:embed="rId2">
+            <a:extLst>
+              <a:ext uri="{28A0092B-C50C-407E-A947-70E740481C1C}">
+                <a14:useLocalDpi xmlns:a14="http://schemas.microsoft.com/office/drawing/2010/main" val="0"/>
+              </a:ext>
+            </a:extLst>
+          </a:blip>
+          <a:stretch>
+            <a:fillRect/>
+          </a:stretch>
+        </p:blipFill>
+        <p:spPr>
+          <a:xfrm rot="5606600">
+            <a:off x="10335051" y="2835613"/>
+            <a:ext cx="914400" cy="914400"/>
+          </a:xfrm>
+          <a:prstGeom prst="rect">
+            <a:avLst/>
+          </a:prstGeom>
+        </p:spPr>
+      </p:pic>
+      <p:sp>
+        <p:nvSpPr>
+          <p:cNvPr id="5" name="TextBox 4">
+            <a:extLst>
+              <a:ext uri="{FF2B5EF4-FFF2-40B4-BE49-F238E27FC236}">
+                <a16:creationId xmlns:a16="http://schemas.microsoft.com/office/drawing/2014/main" id="{500923F3-090A-40AC-BE2B-A101D34CDF2B}"/>
+              </a:ext>
+            </a:extLst>
+          </p:cNvPr>
+          <p:cNvSpPr txBox="1"/>
+          <p:nvPr/>
+        </p:nvSpPr>
+        <p:spPr>
+          <a:xfrm>
+            <a:off x="149391" y="88383"/>
+            <a:ext cx="4971249" cy="2585323"/>
+          </a:xfrm>
+          <a:prstGeom prst="rect">
+            <a:avLst/>
+          </a:prstGeom>
+          <a:noFill/>
+        </p:spPr>
+        <p:txBody>
+          <a:bodyPr wrap="square" rtlCol="0">
+            <a:spAutoFit/>
+          </a:bodyPr>
+          <a:lstStyle/>
+          <a:p>
+            <a:r>
+              <a:rPr lang="en-US" sz="7200" dirty="0"/>
               <a:t>LEVEL 9 STEP 1</a:t>
             </a:r>
           </a:p>
@@ -8787,7 +9130,7 @@
 </p:sld>
 </file>
 
-<file path=ppt/slides/slide22.xml><?xml version="1.0" encoding="utf-8"?>
+<file path=ppt/slides/slide23.xml><?xml version="1.0" encoding="utf-8"?>
 <p:sld xmlns:a="http://schemas.openxmlformats.org/drawingml/2006/main" xmlns:r="http://schemas.openxmlformats.org/officeDocument/2006/relationships" xmlns:p="http://schemas.openxmlformats.org/presentationml/2006/main">
   <p:cSld>
     <p:spTree>
@@ -9160,12 +9503,84 @@
           <a:chExt cx="0" cy="0"/>
         </a:xfrm>
       </p:grpSpPr>
+      <p:pic>
+        <p:nvPicPr>
+          <p:cNvPr id="4" name="Picture 3" descr="Logo&#10;&#10;Description automatically generated">
+            <a:extLst>
+              <a:ext uri="{FF2B5EF4-FFF2-40B4-BE49-F238E27FC236}">
+                <a16:creationId xmlns:a16="http://schemas.microsoft.com/office/drawing/2014/main" id="{02FD1973-EB3E-49FA-AFA0-901E66E3B611}"/>
+              </a:ext>
+            </a:extLst>
+          </p:cNvPr>
+          <p:cNvPicPr>
+            <a:picLocks noChangeAspect="1"/>
+          </p:cNvPicPr>
+          <p:nvPr/>
+        </p:nvPicPr>
+        <p:blipFill>
+          <a:blip r:embed="rId2">
+            <a:extLst>
+              <a:ext uri="{28A0092B-C50C-407E-A947-70E740481C1C}">
+                <a14:useLocalDpi xmlns:a14="http://schemas.microsoft.com/office/drawing/2010/main" val="0"/>
+              </a:ext>
+            </a:extLst>
+          </a:blip>
+          <a:stretch>
+            <a:fillRect/>
+          </a:stretch>
+        </p:blipFill>
+        <p:spPr>
+          <a:xfrm>
+            <a:off x="3120143" y="2971800"/>
+            <a:ext cx="914400" cy="914400"/>
+          </a:xfrm>
+          <a:prstGeom prst="rect">
+            <a:avLst/>
+          </a:prstGeom>
+        </p:spPr>
+      </p:pic>
+      <p:pic>
+        <p:nvPicPr>
+          <p:cNvPr id="5" name="Picture 4" descr="Icon&#10;&#10;Description automatically generated">
+            <a:extLst>
+              <a:ext uri="{FF2B5EF4-FFF2-40B4-BE49-F238E27FC236}">
+                <a16:creationId xmlns:a16="http://schemas.microsoft.com/office/drawing/2014/main" id="{2CCC373F-2D30-4C63-85AC-BF48961A8E0E}"/>
+              </a:ext>
+            </a:extLst>
+          </p:cNvPr>
+          <p:cNvPicPr>
+            <a:picLocks noChangeAspect="1"/>
+          </p:cNvPicPr>
+          <p:nvPr/>
+        </p:nvPicPr>
+        <p:blipFill>
+          <a:blip r:embed="rId3">
+            <a:extLst>
+              <a:ext uri="{28A0092B-C50C-407E-A947-70E740481C1C}">
+                <a14:useLocalDpi xmlns:a14="http://schemas.microsoft.com/office/drawing/2010/main" val="0"/>
+              </a:ext>
+            </a:extLst>
+          </a:blip>
+          <a:stretch>
+            <a:fillRect/>
+          </a:stretch>
+        </p:blipFill>
+        <p:spPr>
+          <a:xfrm>
+            <a:off x="6711104" y="4271984"/>
+            <a:ext cx="914400" cy="914400"/>
+          </a:xfrm>
+          <a:prstGeom prst="rect">
+            <a:avLst/>
+          </a:prstGeom>
+        </p:spPr>
+      </p:pic>
       <p:sp>
         <p:nvSpPr>
-          <p:cNvPr id="4" name="TextBox 3">
-            <a:extLst>
-              <a:ext uri="{FF2B5EF4-FFF2-40B4-BE49-F238E27FC236}">
-                <a16:creationId xmlns:a16="http://schemas.microsoft.com/office/drawing/2014/main" id="{2F85396A-9880-489E-8629-97CE61E7BAE7}"/>
+          <p:cNvPr id="6" name="TextBox 5">
+            <a:extLst>
+              <a:ext uri="{FF2B5EF4-FFF2-40B4-BE49-F238E27FC236}">
+                <a16:creationId xmlns:a16="http://schemas.microsoft.com/office/drawing/2014/main" id="{FA129942-5BCC-4F60-82BF-F574107C7438}"/>
               </a:ext>
             </a:extLst>
           </p:cNvPr>
@@ -9174,7 +9589,7 @@
         </p:nvSpPr>
         <p:spPr>
           <a:xfrm>
-            <a:off x="612559" y="210303"/>
+            <a:off x="359250" y="53995"/>
             <a:ext cx="3577701" cy="2431435"/>
           </a:xfrm>
           <a:prstGeom prst="rect">
@@ -9190,87 +9605,15 @@
           <a:p>
             <a:r>
               <a:rPr lang="en-US" sz="7600" dirty="0"/>
-              <a:t>LEVEL 1 STEP 1</a:t>
+              <a:t>LEVEL 1 STEP 0</a:t>
             </a:r>
           </a:p>
         </p:txBody>
       </p:sp>
-      <p:pic>
-        <p:nvPicPr>
-          <p:cNvPr id="5" name="Picture 4" descr="Logo&#10;&#10;Description automatically generated">
-            <a:extLst>
-              <a:ext uri="{FF2B5EF4-FFF2-40B4-BE49-F238E27FC236}">
-                <a16:creationId xmlns:a16="http://schemas.microsoft.com/office/drawing/2014/main" id="{6B2591E6-2F42-4374-AB93-325258AA569E}"/>
-              </a:ext>
-            </a:extLst>
-          </p:cNvPr>
-          <p:cNvPicPr>
-            <a:picLocks noChangeAspect="1"/>
-          </p:cNvPicPr>
-          <p:nvPr/>
-        </p:nvPicPr>
-        <p:blipFill>
-          <a:blip r:embed="rId2">
-            <a:extLst>
-              <a:ext uri="{28A0092B-C50C-407E-A947-70E740481C1C}">
-                <a14:useLocalDpi xmlns:a14="http://schemas.microsoft.com/office/drawing/2010/main" val="0"/>
-              </a:ext>
-            </a:extLst>
-          </a:blip>
-          <a:stretch>
-            <a:fillRect/>
-          </a:stretch>
-        </p:blipFill>
-        <p:spPr>
-          <a:xfrm rot="5400000">
-            <a:off x="3733060" y="3710864"/>
-            <a:ext cx="914400" cy="914400"/>
-          </a:xfrm>
-          <a:prstGeom prst="rect">
-            <a:avLst/>
-          </a:prstGeom>
-        </p:spPr>
-      </p:pic>
-      <p:pic>
-        <p:nvPicPr>
-          <p:cNvPr id="6" name="Picture 5" descr="Icon&#10;&#10;Description automatically generated">
-            <a:extLst>
-              <a:ext uri="{FF2B5EF4-FFF2-40B4-BE49-F238E27FC236}">
-                <a16:creationId xmlns:a16="http://schemas.microsoft.com/office/drawing/2014/main" id="{671197F8-6552-40B0-97E0-487A23A3F62A}"/>
-              </a:ext>
-            </a:extLst>
-          </p:cNvPr>
-          <p:cNvPicPr>
-            <a:picLocks noChangeAspect="1"/>
-          </p:cNvPicPr>
-          <p:nvPr/>
-        </p:nvPicPr>
-        <p:blipFill>
-          <a:blip r:embed="rId3">
-            <a:extLst>
-              <a:ext uri="{28A0092B-C50C-407E-A947-70E740481C1C}">
-                <a14:useLocalDpi xmlns:a14="http://schemas.microsoft.com/office/drawing/2010/main" val="0"/>
-              </a:ext>
-            </a:extLst>
-          </a:blip>
-          <a:stretch>
-            <a:fillRect/>
-          </a:stretch>
-        </p:blipFill>
-        <p:spPr>
-          <a:xfrm rot="16200000">
-            <a:off x="6557540" y="3596503"/>
-            <a:ext cx="914400" cy="914400"/>
-          </a:xfrm>
-          <a:prstGeom prst="rect">
-            <a:avLst/>
-          </a:prstGeom>
-        </p:spPr>
-      </p:pic>
     </p:spTree>
     <p:extLst>
       <p:ext uri="{BB962C8B-B14F-4D97-AF65-F5344CB8AC3E}">
-        <p14:creationId xmlns:p14="http://schemas.microsoft.com/office/powerpoint/2010/main" val="4107419160"/>
+        <p14:creationId xmlns:p14="http://schemas.microsoft.com/office/powerpoint/2010/main" val="1565883672"/>
       </p:ext>
     </p:extLst>
   </p:cSld>
@@ -9297,48 +9640,12 @@
           <a:chExt cx="0" cy="0"/>
         </a:xfrm>
       </p:grpSpPr>
-      <p:pic>
-        <p:nvPicPr>
-          <p:cNvPr id="4" name="Picture 3" descr="Logo&#10;&#10;Description automatically generated">
-            <a:extLst>
-              <a:ext uri="{FF2B5EF4-FFF2-40B4-BE49-F238E27FC236}">
-                <a16:creationId xmlns:a16="http://schemas.microsoft.com/office/drawing/2014/main" id="{02FD1973-EB3E-49FA-AFA0-901E66E3B611}"/>
-              </a:ext>
-            </a:extLst>
-          </p:cNvPr>
-          <p:cNvPicPr>
-            <a:picLocks noChangeAspect="1"/>
-          </p:cNvPicPr>
-          <p:nvPr/>
-        </p:nvPicPr>
-        <p:blipFill>
-          <a:blip r:embed="rId2">
-            <a:extLst>
-              <a:ext uri="{28A0092B-C50C-407E-A947-70E740481C1C}">
-                <a14:useLocalDpi xmlns:a14="http://schemas.microsoft.com/office/drawing/2010/main" val="0"/>
-              </a:ext>
-            </a:extLst>
-          </a:blip>
-          <a:stretch>
-            <a:fillRect/>
-          </a:stretch>
-        </p:blipFill>
-        <p:spPr>
-          <a:xfrm rot="10800000">
-            <a:off x="3523084" y="1545177"/>
-            <a:ext cx="914400" cy="914400"/>
-          </a:xfrm>
-          <a:prstGeom prst="rect">
-            <a:avLst/>
-          </a:prstGeom>
-        </p:spPr>
-      </p:pic>
       <p:sp>
         <p:nvSpPr>
-          <p:cNvPr id="6" name="TextBox 5">
-            <a:extLst>
-              <a:ext uri="{FF2B5EF4-FFF2-40B4-BE49-F238E27FC236}">
-                <a16:creationId xmlns:a16="http://schemas.microsoft.com/office/drawing/2014/main" id="{FA129942-5BCC-4F60-82BF-F574107C7438}"/>
+          <p:cNvPr id="4" name="TextBox 3">
+            <a:extLst>
+              <a:ext uri="{FF2B5EF4-FFF2-40B4-BE49-F238E27FC236}">
+                <a16:creationId xmlns:a16="http://schemas.microsoft.com/office/drawing/2014/main" id="{2F85396A-9880-489E-8629-97CE61E7BAE7}"/>
               </a:ext>
             </a:extLst>
           </p:cNvPr>
@@ -9347,7 +9654,7 @@
         </p:nvSpPr>
         <p:spPr>
           <a:xfrm>
-            <a:off x="237330" y="137524"/>
+            <a:off x="612559" y="210303"/>
             <a:ext cx="3577701" cy="2431435"/>
           </a:xfrm>
           <a:prstGeom prst="rect">
@@ -9363,17 +9670,53 @@
           <a:p>
             <a:r>
               <a:rPr lang="en-US" sz="7600" dirty="0"/>
-              <a:t>LEVEL 2 STEP 0</a:t>
+              <a:t>LEVEL 1 STEP 1</a:t>
             </a:r>
           </a:p>
         </p:txBody>
       </p:sp>
       <p:pic>
         <p:nvPicPr>
-          <p:cNvPr id="7" name="Picture 6" descr="Icon&#10;&#10;Description automatically generated">
-            <a:extLst>
-              <a:ext uri="{FF2B5EF4-FFF2-40B4-BE49-F238E27FC236}">
-                <a16:creationId xmlns:a16="http://schemas.microsoft.com/office/drawing/2014/main" id="{1C1BD2C8-0BB2-4AD5-9001-BD54EAEBEFF3}"/>
+          <p:cNvPr id="5" name="Picture 4" descr="Logo&#10;&#10;Description automatically generated">
+            <a:extLst>
+              <a:ext uri="{FF2B5EF4-FFF2-40B4-BE49-F238E27FC236}">
+                <a16:creationId xmlns:a16="http://schemas.microsoft.com/office/drawing/2014/main" id="{6B2591E6-2F42-4374-AB93-325258AA569E}"/>
+              </a:ext>
+            </a:extLst>
+          </p:cNvPr>
+          <p:cNvPicPr>
+            <a:picLocks noChangeAspect="1"/>
+          </p:cNvPicPr>
+          <p:nvPr/>
+        </p:nvPicPr>
+        <p:blipFill>
+          <a:blip r:embed="rId2">
+            <a:extLst>
+              <a:ext uri="{28A0092B-C50C-407E-A947-70E740481C1C}">
+                <a14:useLocalDpi xmlns:a14="http://schemas.microsoft.com/office/drawing/2010/main" val="0"/>
+              </a:ext>
+            </a:extLst>
+          </a:blip>
+          <a:stretch>
+            <a:fillRect/>
+          </a:stretch>
+        </p:blipFill>
+        <p:spPr>
+          <a:xfrm rot="5400000">
+            <a:off x="3733060" y="3710864"/>
+            <a:ext cx="914400" cy="914400"/>
+          </a:xfrm>
+          <a:prstGeom prst="rect">
+            <a:avLst/>
+          </a:prstGeom>
+        </p:spPr>
+      </p:pic>
+      <p:pic>
+        <p:nvPicPr>
+          <p:cNvPr id="6" name="Picture 5" descr="Icon&#10;&#10;Description automatically generated">
+            <a:extLst>
+              <a:ext uri="{FF2B5EF4-FFF2-40B4-BE49-F238E27FC236}">
+                <a16:creationId xmlns:a16="http://schemas.microsoft.com/office/drawing/2014/main" id="{671197F8-6552-40B0-97E0-487A23A3F62A}"/>
               </a:ext>
             </a:extLst>
           </p:cNvPr>
@@ -9395,188 +9738,8 @@
           </a:stretch>
         </p:blipFill>
         <p:spPr>
-          <a:xfrm>
-            <a:off x="3523084" y="3374641"/>
-            <a:ext cx="914400" cy="914400"/>
-          </a:xfrm>
-          <a:prstGeom prst="rect">
-            <a:avLst/>
-          </a:prstGeom>
-        </p:spPr>
-      </p:pic>
-      <p:pic>
-        <p:nvPicPr>
-          <p:cNvPr id="8" name="Picture 7" descr="Shape&#10;&#10;Description automatically generated with medium confidence">
-            <a:extLst>
-              <a:ext uri="{FF2B5EF4-FFF2-40B4-BE49-F238E27FC236}">
-                <a16:creationId xmlns:a16="http://schemas.microsoft.com/office/drawing/2014/main" id="{CB3B46C7-FB6D-487A-B761-982F60C373B4}"/>
-              </a:ext>
-            </a:extLst>
-          </p:cNvPr>
-          <p:cNvPicPr>
-            <a:picLocks noChangeAspect="1"/>
-          </p:cNvPicPr>
-          <p:nvPr/>
-        </p:nvPicPr>
-        <p:blipFill>
-          <a:blip r:embed="rId4">
-            <a:extLst>
-              <a:ext uri="{28A0092B-C50C-407E-A947-70E740481C1C}">
-                <a14:useLocalDpi xmlns:a14="http://schemas.microsoft.com/office/drawing/2010/main" val="0"/>
-              </a:ext>
-            </a:extLst>
-          </a:blip>
-          <a:stretch>
-            <a:fillRect/>
-          </a:stretch>
-        </p:blipFill>
-        <p:spPr>
-          <a:xfrm>
-            <a:off x="3523084" y="4289041"/>
-            <a:ext cx="914400" cy="914400"/>
-          </a:xfrm>
-          <a:prstGeom prst="rect">
-            <a:avLst/>
-          </a:prstGeom>
-        </p:spPr>
-      </p:pic>
-      <p:pic>
-        <p:nvPicPr>
-          <p:cNvPr id="9" name="Picture 8" descr="A picture containing icon&#10;&#10;Description automatically generated">
-            <a:extLst>
-              <a:ext uri="{FF2B5EF4-FFF2-40B4-BE49-F238E27FC236}">
-                <a16:creationId xmlns:a16="http://schemas.microsoft.com/office/drawing/2014/main" id="{900D6E1A-D717-44B1-B73F-EA90BD300D51}"/>
-              </a:ext>
-            </a:extLst>
-          </p:cNvPr>
-          <p:cNvPicPr>
-            <a:picLocks noChangeAspect="1"/>
-          </p:cNvPicPr>
-          <p:nvPr/>
-        </p:nvPicPr>
-        <p:blipFill>
-          <a:blip r:embed="rId5">
-            <a:extLst>
-              <a:ext uri="{28A0092B-C50C-407E-A947-70E740481C1C}">
-                <a14:useLocalDpi xmlns:a14="http://schemas.microsoft.com/office/drawing/2010/main" val="0"/>
-              </a:ext>
-            </a:extLst>
-          </a:blip>
-          <a:stretch>
-            <a:fillRect/>
-          </a:stretch>
-        </p:blipFill>
-        <p:spPr>
-          <a:xfrm>
-            <a:off x="3523083" y="2459577"/>
-            <a:ext cx="914400" cy="914400"/>
-          </a:xfrm>
-          <a:prstGeom prst="rect">
-            <a:avLst/>
-          </a:prstGeom>
-        </p:spPr>
-      </p:pic>
-      <p:pic>
-        <p:nvPicPr>
-          <p:cNvPr id="10" name="Picture 9" descr="Shape&#10;&#10;Description automatically generated with medium confidence">
-            <a:extLst>
-              <a:ext uri="{FF2B5EF4-FFF2-40B4-BE49-F238E27FC236}">
-                <a16:creationId xmlns:a16="http://schemas.microsoft.com/office/drawing/2014/main" id="{9D063A44-BA03-492C-970D-3F87A05C5038}"/>
-              </a:ext>
-            </a:extLst>
-          </p:cNvPr>
-          <p:cNvPicPr>
-            <a:picLocks noChangeAspect="1"/>
-          </p:cNvPicPr>
-          <p:nvPr/>
-        </p:nvPicPr>
-        <p:blipFill>
-          <a:blip r:embed="rId4">
-            <a:extLst>
-              <a:ext uri="{28A0092B-C50C-407E-A947-70E740481C1C}">
-                <a14:useLocalDpi xmlns:a14="http://schemas.microsoft.com/office/drawing/2010/main" val="0"/>
-              </a:ext>
-            </a:extLst>
-          </a:blip>
-          <a:stretch>
-            <a:fillRect/>
-          </a:stretch>
-        </p:blipFill>
-        <p:spPr>
-          <a:xfrm>
-            <a:off x="3523083" y="5203441"/>
-            <a:ext cx="914400" cy="914400"/>
-          </a:xfrm>
-          <a:prstGeom prst="rect">
-            <a:avLst/>
-          </a:prstGeom>
-        </p:spPr>
-      </p:pic>
-      <p:pic>
-        <p:nvPicPr>
-          <p:cNvPr id="11" name="Picture 10" descr="A black rectangle with white squares&#10;&#10;Description automatically generated with low confidence">
-            <a:extLst>
-              <a:ext uri="{FF2B5EF4-FFF2-40B4-BE49-F238E27FC236}">
-                <a16:creationId xmlns:a16="http://schemas.microsoft.com/office/drawing/2014/main" id="{4F5CE8D1-20E8-44AC-9356-452105D810C4}"/>
-              </a:ext>
-            </a:extLst>
-          </p:cNvPr>
-          <p:cNvPicPr>
-            <a:picLocks noChangeAspect="1"/>
-          </p:cNvPicPr>
-          <p:nvPr/>
-        </p:nvPicPr>
-        <p:blipFill>
-          <a:blip r:embed="rId6">
-            <a:extLst>
-              <a:ext uri="{28A0092B-C50C-407E-A947-70E740481C1C}">
-                <a14:useLocalDpi xmlns:a14="http://schemas.microsoft.com/office/drawing/2010/main" val="0"/>
-              </a:ext>
-            </a:extLst>
-          </a:blip>
-          <a:stretch>
-            <a:fillRect/>
-          </a:stretch>
-        </p:blipFill>
-        <p:spPr>
-          <a:xfrm>
-            <a:off x="3523083" y="1613603"/>
-            <a:ext cx="914400" cy="914400"/>
-          </a:xfrm>
-          <a:prstGeom prst="rect">
-            <a:avLst/>
-          </a:prstGeom>
-        </p:spPr>
-      </p:pic>
-      <p:pic>
-        <p:nvPicPr>
-          <p:cNvPr id="12" name="Picture 11" descr="Icon&#10;&#10;Description automatically generated with medium confidence">
-            <a:extLst>
-              <a:ext uri="{FF2B5EF4-FFF2-40B4-BE49-F238E27FC236}">
-                <a16:creationId xmlns:a16="http://schemas.microsoft.com/office/drawing/2014/main" id="{107678A9-46AE-4F74-B9B7-42DBD447D98A}"/>
-              </a:ext>
-            </a:extLst>
-          </p:cNvPr>
-          <p:cNvPicPr>
-            <a:picLocks noChangeAspect="1"/>
-          </p:cNvPicPr>
-          <p:nvPr/>
-        </p:nvPicPr>
-        <p:blipFill>
-          <a:blip r:embed="rId7">
-            <a:extLst>
-              <a:ext uri="{28A0092B-C50C-407E-A947-70E740481C1C}">
-                <a14:useLocalDpi xmlns:a14="http://schemas.microsoft.com/office/drawing/2010/main" val="0"/>
-              </a:ext>
-            </a:extLst>
-          </a:blip>
-          <a:stretch>
-            <a:fillRect/>
-          </a:stretch>
-        </p:blipFill>
-        <p:spPr>
-          <a:xfrm>
-            <a:off x="8727440" y="3694358"/>
+          <a:xfrm rot="16200000">
+            <a:off x="6557540" y="3596503"/>
             <a:ext cx="914400" cy="914400"/>
           </a:xfrm>
           <a:prstGeom prst="rect">
@@ -9587,7 +9750,7 @@
     </p:spTree>
     <p:extLst>
       <p:ext uri="{BB962C8B-B14F-4D97-AF65-F5344CB8AC3E}">
-        <p14:creationId xmlns:p14="http://schemas.microsoft.com/office/powerpoint/2010/main" val="3103693235"/>
+        <p14:creationId xmlns:p14="http://schemas.microsoft.com/office/powerpoint/2010/main" val="4107419160"/>
       </p:ext>
     </p:extLst>
   </p:cSld>
@@ -9616,10 +9779,10 @@
       </p:grpSpPr>
       <p:pic>
         <p:nvPicPr>
-          <p:cNvPr id="7" name="Picture 6" descr="Logo&#10;&#10;Description automatically generated">
-            <a:extLst>
-              <a:ext uri="{FF2B5EF4-FFF2-40B4-BE49-F238E27FC236}">
-                <a16:creationId xmlns:a16="http://schemas.microsoft.com/office/drawing/2014/main" id="{B3A609B9-E9F1-42B8-AE83-E95C79FDAA8E}"/>
+          <p:cNvPr id="4" name="Picture 3" descr="Logo&#10;&#10;Description automatically generated">
+            <a:extLst>
+              <a:ext uri="{FF2B5EF4-FFF2-40B4-BE49-F238E27FC236}">
+                <a16:creationId xmlns:a16="http://schemas.microsoft.com/office/drawing/2014/main" id="{02FD1973-EB3E-49FA-AFA0-901E66E3B611}"/>
               </a:ext>
             </a:extLst>
           </p:cNvPr>
@@ -9641,8 +9804,8 @@
           </a:stretch>
         </p:blipFill>
         <p:spPr>
-          <a:xfrm rot="5400000">
-            <a:off x="3808710" y="2784697"/>
+          <a:xfrm rot="10800000">
+            <a:off x="3523084" y="1545177"/>
             <a:ext cx="914400" cy="914400"/>
           </a:xfrm>
           <a:prstGeom prst="rect">
@@ -9652,10 +9815,10 @@
       </p:pic>
       <p:sp>
         <p:nvSpPr>
-          <p:cNvPr id="9" name="TextBox 8">
-            <a:extLst>
-              <a:ext uri="{FF2B5EF4-FFF2-40B4-BE49-F238E27FC236}">
-                <a16:creationId xmlns:a16="http://schemas.microsoft.com/office/drawing/2014/main" id="{15A8A94C-B8BF-425F-B034-CDE6AE4894F7}"/>
+          <p:cNvPr id="6" name="TextBox 5">
+            <a:extLst>
+              <a:ext uri="{FF2B5EF4-FFF2-40B4-BE49-F238E27FC236}">
+                <a16:creationId xmlns:a16="http://schemas.microsoft.com/office/drawing/2014/main" id="{FA129942-5BCC-4F60-82BF-F574107C7438}"/>
               </a:ext>
             </a:extLst>
           </p:cNvPr>
@@ -9664,7 +9827,7 @@
         </p:nvSpPr>
         <p:spPr>
           <a:xfrm>
-            <a:off x="572610" y="261103"/>
+            <a:off x="237330" y="137524"/>
             <a:ext cx="3577701" cy="2431435"/>
           </a:xfrm>
           <a:prstGeom prst="rect">
@@ -9680,17 +9843,17 @@
           <a:p>
             <a:r>
               <a:rPr lang="en-US" sz="7600" dirty="0"/>
-              <a:t>LEVEL 2 STEP 1</a:t>
+              <a:t>LEVEL 2 STEP 0</a:t>
             </a:r>
           </a:p>
         </p:txBody>
       </p:sp>
       <p:pic>
         <p:nvPicPr>
-          <p:cNvPr id="10" name="Picture 9" descr="Icon&#10;&#10;Description automatically generated">
-            <a:extLst>
-              <a:ext uri="{FF2B5EF4-FFF2-40B4-BE49-F238E27FC236}">
-                <a16:creationId xmlns:a16="http://schemas.microsoft.com/office/drawing/2014/main" id="{85980181-965A-4A5A-96BC-205D03703D6E}"/>
+          <p:cNvPr id="7" name="Picture 6" descr="Icon&#10;&#10;Description automatically generated">
+            <a:extLst>
+              <a:ext uri="{FF2B5EF4-FFF2-40B4-BE49-F238E27FC236}">
+                <a16:creationId xmlns:a16="http://schemas.microsoft.com/office/drawing/2014/main" id="{1C1BD2C8-0BB2-4AD5-9001-BD54EAEBEFF3}"/>
               </a:ext>
             </a:extLst>
           </p:cNvPr>
@@ -9712,21 +9875,21 @@
           </a:stretch>
         </p:blipFill>
         <p:spPr>
-          <a:xfrm rot="5400000">
-            <a:off x="5638800" y="2782045"/>
-            <a:ext cx="914400" cy="914400"/>
-          </a:xfrm>
-          <a:prstGeom prst="rect">
-            <a:avLst/>
-          </a:prstGeom>
-        </p:spPr>
-      </p:pic>
-      <p:pic>
-        <p:nvPicPr>
-          <p:cNvPr id="11" name="Picture 10" descr="Shape&#10;&#10;Description automatically generated with medium confidence">
-            <a:extLst>
-              <a:ext uri="{FF2B5EF4-FFF2-40B4-BE49-F238E27FC236}">
-                <a16:creationId xmlns:a16="http://schemas.microsoft.com/office/drawing/2014/main" id="{85C1592C-6AC6-4F57-80D2-1BB8E2608D0E}"/>
+          <a:xfrm>
+            <a:off x="3523084" y="3374641"/>
+            <a:ext cx="914400" cy="914400"/>
+          </a:xfrm>
+          <a:prstGeom prst="rect">
+            <a:avLst/>
+          </a:prstGeom>
+        </p:spPr>
+      </p:pic>
+      <p:pic>
+        <p:nvPicPr>
+          <p:cNvPr id="8" name="Picture 7" descr="Shape&#10;&#10;Description automatically generated with medium confidence">
+            <a:extLst>
+              <a:ext uri="{FF2B5EF4-FFF2-40B4-BE49-F238E27FC236}">
+                <a16:creationId xmlns:a16="http://schemas.microsoft.com/office/drawing/2014/main" id="{CB3B46C7-FB6D-487A-B761-982F60C373B4}"/>
               </a:ext>
             </a:extLst>
           </p:cNvPr>
@@ -9748,21 +9911,21 @@
           </a:stretch>
         </p:blipFill>
         <p:spPr>
-          <a:xfrm rot="5400000">
-            <a:off x="6553200" y="2782045"/>
-            <a:ext cx="914400" cy="914400"/>
-          </a:xfrm>
-          <a:prstGeom prst="rect">
-            <a:avLst/>
-          </a:prstGeom>
-        </p:spPr>
-      </p:pic>
-      <p:pic>
-        <p:nvPicPr>
-          <p:cNvPr id="12" name="Picture 11" descr="A picture containing icon&#10;&#10;Description automatically generated">
-            <a:extLst>
-              <a:ext uri="{FF2B5EF4-FFF2-40B4-BE49-F238E27FC236}">
-                <a16:creationId xmlns:a16="http://schemas.microsoft.com/office/drawing/2014/main" id="{8ACC98C7-2B8E-4510-AD6F-B3DD2A7A6B58}"/>
+          <a:xfrm>
+            <a:off x="3523084" y="4289041"/>
+            <a:ext cx="914400" cy="914400"/>
+          </a:xfrm>
+          <a:prstGeom prst="rect">
+            <a:avLst/>
+          </a:prstGeom>
+        </p:spPr>
+      </p:pic>
+      <p:pic>
+        <p:nvPicPr>
+          <p:cNvPr id="9" name="Picture 8" descr="A picture containing icon&#10;&#10;Description automatically generated">
+            <a:extLst>
+              <a:ext uri="{FF2B5EF4-FFF2-40B4-BE49-F238E27FC236}">
+                <a16:creationId xmlns:a16="http://schemas.microsoft.com/office/drawing/2014/main" id="{900D6E1A-D717-44B1-B73F-EA90BD300D51}"/>
               </a:ext>
             </a:extLst>
           </p:cNvPr>
@@ -9784,21 +9947,21 @@
           </a:stretch>
         </p:blipFill>
         <p:spPr>
-          <a:xfrm rot="5400000">
-            <a:off x="4723109" y="2784033"/>
-            <a:ext cx="914400" cy="914400"/>
-          </a:xfrm>
-          <a:prstGeom prst="rect">
-            <a:avLst/>
-          </a:prstGeom>
-        </p:spPr>
-      </p:pic>
-      <p:pic>
-        <p:nvPicPr>
-          <p:cNvPr id="13" name="Picture 12" descr="Shape&#10;&#10;Description automatically generated with medium confidence">
-            <a:extLst>
-              <a:ext uri="{FF2B5EF4-FFF2-40B4-BE49-F238E27FC236}">
-                <a16:creationId xmlns:a16="http://schemas.microsoft.com/office/drawing/2014/main" id="{099E2A2F-21DD-480E-995A-13303D29923D}"/>
+          <a:xfrm>
+            <a:off x="3523083" y="2459577"/>
+            <a:ext cx="914400" cy="914400"/>
+          </a:xfrm>
+          <a:prstGeom prst="rect">
+            <a:avLst/>
+          </a:prstGeom>
+        </p:spPr>
+      </p:pic>
+      <p:pic>
+        <p:nvPicPr>
+          <p:cNvPr id="10" name="Picture 9" descr="Shape&#10;&#10;Description automatically generated with medium confidence">
+            <a:extLst>
+              <a:ext uri="{FF2B5EF4-FFF2-40B4-BE49-F238E27FC236}">
+                <a16:creationId xmlns:a16="http://schemas.microsoft.com/office/drawing/2014/main" id="{9D063A44-BA03-492C-970D-3F87A05C5038}"/>
               </a:ext>
             </a:extLst>
           </p:cNvPr>
@@ -9820,21 +9983,21 @@
           </a:stretch>
         </p:blipFill>
         <p:spPr>
-          <a:xfrm rot="5400000">
-            <a:off x="7475184" y="2782045"/>
-            <a:ext cx="914400" cy="914400"/>
-          </a:xfrm>
-          <a:prstGeom prst="rect">
-            <a:avLst/>
-          </a:prstGeom>
-        </p:spPr>
-      </p:pic>
-      <p:pic>
-        <p:nvPicPr>
-          <p:cNvPr id="14" name="Picture 13" descr="A black rectangle with white squares&#10;&#10;Description automatically generated with low confidence">
-            <a:extLst>
-              <a:ext uri="{FF2B5EF4-FFF2-40B4-BE49-F238E27FC236}">
-                <a16:creationId xmlns:a16="http://schemas.microsoft.com/office/drawing/2014/main" id="{33C67970-0A11-4C23-8872-9DC44B674D34}"/>
+          <a:xfrm>
+            <a:off x="3523083" y="5203441"/>
+            <a:ext cx="914400" cy="914400"/>
+          </a:xfrm>
+          <a:prstGeom prst="rect">
+            <a:avLst/>
+          </a:prstGeom>
+        </p:spPr>
+      </p:pic>
+      <p:pic>
+        <p:nvPicPr>
+          <p:cNvPr id="11" name="Picture 10" descr="A black rectangle with white squares&#10;&#10;Description automatically generated with low confidence">
+            <a:extLst>
+              <a:ext uri="{FF2B5EF4-FFF2-40B4-BE49-F238E27FC236}">
+                <a16:creationId xmlns:a16="http://schemas.microsoft.com/office/drawing/2014/main" id="{4F5CE8D1-20E8-44AC-9356-452105D810C4}"/>
               </a:ext>
             </a:extLst>
           </p:cNvPr>
@@ -9857,20 +10020,20 @@
         </p:blipFill>
         <p:spPr>
           <a:xfrm>
-            <a:off x="3808709" y="2784033"/>
-            <a:ext cx="914400" cy="914400"/>
-          </a:xfrm>
-          <a:prstGeom prst="rect">
-            <a:avLst/>
-          </a:prstGeom>
-        </p:spPr>
-      </p:pic>
-      <p:pic>
-        <p:nvPicPr>
-          <p:cNvPr id="15" name="Picture 14" descr="Icon&#10;&#10;Description automatically generated with medium confidence">
-            <a:extLst>
-              <a:ext uri="{FF2B5EF4-FFF2-40B4-BE49-F238E27FC236}">
-                <a16:creationId xmlns:a16="http://schemas.microsoft.com/office/drawing/2014/main" id="{B92E3017-358A-4B96-ABD5-1E47B4AD4E82}"/>
+            <a:off x="3523083" y="1613603"/>
+            <a:ext cx="914400" cy="914400"/>
+          </a:xfrm>
+          <a:prstGeom prst="rect">
+            <a:avLst/>
+          </a:prstGeom>
+        </p:spPr>
+      </p:pic>
+      <p:pic>
+        <p:nvPicPr>
+          <p:cNvPr id="12" name="Picture 11" descr="Icon&#10;&#10;Description automatically generated with medium confidence">
+            <a:extLst>
+              <a:ext uri="{FF2B5EF4-FFF2-40B4-BE49-F238E27FC236}">
+                <a16:creationId xmlns:a16="http://schemas.microsoft.com/office/drawing/2014/main" id="{107678A9-46AE-4F74-B9B7-42DBD447D98A}"/>
               </a:ext>
             </a:extLst>
           </p:cNvPr>
@@ -9892,8 +10055,8 @@
           </a:stretch>
         </p:blipFill>
         <p:spPr>
-          <a:xfrm rot="16200000">
-            <a:off x="8397168" y="2782045"/>
+          <a:xfrm>
+            <a:off x="8727440" y="3694358"/>
             <a:ext cx="914400" cy="914400"/>
           </a:xfrm>
           <a:prstGeom prst="rect">
@@ -9904,7 +10067,7 @@
     </p:spTree>
     <p:extLst>
       <p:ext uri="{BB962C8B-B14F-4D97-AF65-F5344CB8AC3E}">
-        <p14:creationId xmlns:p14="http://schemas.microsoft.com/office/powerpoint/2010/main" val="213625331"/>
+        <p14:creationId xmlns:p14="http://schemas.microsoft.com/office/powerpoint/2010/main" val="3103693235"/>
       </p:ext>
     </p:extLst>
   </p:cSld>
@@ -9931,12 +10094,48 @@
           <a:chExt cx="0" cy="0"/>
         </a:xfrm>
       </p:grpSpPr>
+      <p:pic>
+        <p:nvPicPr>
+          <p:cNvPr id="7" name="Picture 6" descr="Logo&#10;&#10;Description automatically generated">
+            <a:extLst>
+              <a:ext uri="{FF2B5EF4-FFF2-40B4-BE49-F238E27FC236}">
+                <a16:creationId xmlns:a16="http://schemas.microsoft.com/office/drawing/2014/main" id="{B3A609B9-E9F1-42B8-AE83-E95C79FDAA8E}"/>
+              </a:ext>
+            </a:extLst>
+          </p:cNvPr>
+          <p:cNvPicPr>
+            <a:picLocks noChangeAspect="1"/>
+          </p:cNvPicPr>
+          <p:nvPr/>
+        </p:nvPicPr>
+        <p:blipFill>
+          <a:blip r:embed="rId2">
+            <a:extLst>
+              <a:ext uri="{28A0092B-C50C-407E-A947-70E740481C1C}">
+                <a14:useLocalDpi xmlns:a14="http://schemas.microsoft.com/office/drawing/2010/main" val="0"/>
+              </a:ext>
+            </a:extLst>
+          </a:blip>
+          <a:stretch>
+            <a:fillRect/>
+          </a:stretch>
+        </p:blipFill>
+        <p:spPr>
+          <a:xfrm rot="5400000">
+            <a:off x="3808710" y="2784697"/>
+            <a:ext cx="914400" cy="914400"/>
+          </a:xfrm>
+          <a:prstGeom prst="rect">
+            <a:avLst/>
+          </a:prstGeom>
+        </p:spPr>
+      </p:pic>
       <p:sp>
         <p:nvSpPr>
-          <p:cNvPr id="4" name="TextBox 3">
-            <a:extLst>
-              <a:ext uri="{FF2B5EF4-FFF2-40B4-BE49-F238E27FC236}">
-                <a16:creationId xmlns:a16="http://schemas.microsoft.com/office/drawing/2014/main" id="{329E6D37-B898-4697-9BA5-1C3206DF2C59}"/>
+          <p:cNvPr id="9" name="TextBox 8">
+            <a:extLst>
+              <a:ext uri="{FF2B5EF4-FFF2-40B4-BE49-F238E27FC236}">
+                <a16:creationId xmlns:a16="http://schemas.microsoft.com/office/drawing/2014/main" id="{15A8A94C-B8BF-425F-B034-CDE6AE4894F7}"/>
               </a:ext>
             </a:extLst>
           </p:cNvPr>
@@ -9945,8 +10144,8 @@
         </p:nvSpPr>
         <p:spPr>
           <a:xfrm>
-            <a:off x="612559" y="210303"/>
-            <a:ext cx="4110361" cy="2431435"/>
+            <a:off x="572610" y="261103"/>
+            <a:ext cx="3577701" cy="2431435"/>
           </a:xfrm>
           <a:prstGeom prst="rect">
             <a:avLst/>
@@ -9961,53 +10160,17 @@
           <a:p>
             <a:r>
               <a:rPr lang="en-US" sz="7600" dirty="0"/>
-              <a:t>LEVEL 3 STEP 0</a:t>
+              <a:t>LEVEL 2 STEP 1</a:t>
             </a:r>
           </a:p>
         </p:txBody>
       </p:sp>
       <p:pic>
         <p:nvPicPr>
-          <p:cNvPr id="5" name="Picture 4" descr="Logo&#10;&#10;Description automatically generated">
-            <a:extLst>
-              <a:ext uri="{FF2B5EF4-FFF2-40B4-BE49-F238E27FC236}">
-                <a16:creationId xmlns:a16="http://schemas.microsoft.com/office/drawing/2014/main" id="{273450A4-8C89-4ECA-819F-4AE8B9183171}"/>
-              </a:ext>
-            </a:extLst>
-          </p:cNvPr>
-          <p:cNvPicPr>
-            <a:picLocks noChangeAspect="1"/>
-          </p:cNvPicPr>
-          <p:nvPr/>
-        </p:nvPicPr>
-        <p:blipFill>
-          <a:blip r:embed="rId2">
-            <a:extLst>
-              <a:ext uri="{28A0092B-C50C-407E-A947-70E740481C1C}">
-                <a14:useLocalDpi xmlns:a14="http://schemas.microsoft.com/office/drawing/2010/main" val="0"/>
-              </a:ext>
-            </a:extLst>
-          </a:blip>
-          <a:stretch>
-            <a:fillRect/>
-          </a:stretch>
-        </p:blipFill>
-        <p:spPr>
-          <a:xfrm>
-            <a:off x="6741113" y="968820"/>
-            <a:ext cx="914400" cy="914400"/>
-          </a:xfrm>
-          <a:prstGeom prst="rect">
-            <a:avLst/>
-          </a:prstGeom>
-        </p:spPr>
-      </p:pic>
-      <p:pic>
-        <p:nvPicPr>
-          <p:cNvPr id="6" name="Picture 5" descr="Icon&#10;&#10;Description automatically generated with medium confidence">
-            <a:extLst>
-              <a:ext uri="{FF2B5EF4-FFF2-40B4-BE49-F238E27FC236}">
-                <a16:creationId xmlns:a16="http://schemas.microsoft.com/office/drawing/2014/main" id="{9606B4E6-4BD0-4097-A9ED-2A52988534B5}"/>
+          <p:cNvPr id="10" name="Picture 9" descr="Icon&#10;&#10;Description automatically generated">
+            <a:extLst>
+              <a:ext uri="{FF2B5EF4-FFF2-40B4-BE49-F238E27FC236}">
+                <a16:creationId xmlns:a16="http://schemas.microsoft.com/office/drawing/2014/main" id="{85980181-965A-4A5A-96BC-205D03703D6E}"/>
               </a:ext>
             </a:extLst>
           </p:cNvPr>
@@ -10029,21 +10192,21 @@
           </a:stretch>
         </p:blipFill>
         <p:spPr>
-          <a:xfrm>
-            <a:off x="6753456" y="1940136"/>
-            <a:ext cx="914400" cy="914400"/>
-          </a:xfrm>
-          <a:prstGeom prst="rect">
-            <a:avLst/>
-          </a:prstGeom>
-        </p:spPr>
-      </p:pic>
-      <p:pic>
-        <p:nvPicPr>
-          <p:cNvPr id="7" name="Picture 6" descr="Icon&#10;&#10;Description automatically generated with medium confidence">
-            <a:extLst>
-              <a:ext uri="{FF2B5EF4-FFF2-40B4-BE49-F238E27FC236}">
-                <a16:creationId xmlns:a16="http://schemas.microsoft.com/office/drawing/2014/main" id="{9F145875-3245-4171-8643-A29BFDF6AA55}"/>
+          <a:xfrm rot="5400000">
+            <a:off x="5638800" y="2782045"/>
+            <a:ext cx="914400" cy="914400"/>
+          </a:xfrm>
+          <a:prstGeom prst="rect">
+            <a:avLst/>
+          </a:prstGeom>
+        </p:spPr>
+      </p:pic>
+      <p:pic>
+        <p:nvPicPr>
+          <p:cNvPr id="11" name="Picture 10" descr="Shape&#10;&#10;Description automatically generated with medium confidence">
+            <a:extLst>
+              <a:ext uri="{FF2B5EF4-FFF2-40B4-BE49-F238E27FC236}">
+                <a16:creationId xmlns:a16="http://schemas.microsoft.com/office/drawing/2014/main" id="{85C1592C-6AC6-4F57-80D2-1BB8E2608D0E}"/>
               </a:ext>
             </a:extLst>
           </p:cNvPr>
@@ -10066,20 +10229,20 @@
         </p:blipFill>
         <p:spPr>
           <a:xfrm rot="5400000">
-            <a:off x="6753456" y="4659614"/>
-            <a:ext cx="914400" cy="914400"/>
-          </a:xfrm>
-          <a:prstGeom prst="rect">
-            <a:avLst/>
-          </a:prstGeom>
-        </p:spPr>
-      </p:pic>
-      <p:pic>
-        <p:nvPicPr>
-          <p:cNvPr id="8" name="Picture 7" descr="Icon&#10;&#10;Description automatically generated">
-            <a:extLst>
-              <a:ext uri="{FF2B5EF4-FFF2-40B4-BE49-F238E27FC236}">
-                <a16:creationId xmlns:a16="http://schemas.microsoft.com/office/drawing/2014/main" id="{DB208B7E-EECB-4199-99F6-6B6AF07F45EC}"/>
+            <a:off x="6553200" y="2782045"/>
+            <a:ext cx="914400" cy="914400"/>
+          </a:xfrm>
+          <a:prstGeom prst="rect">
+            <a:avLst/>
+          </a:prstGeom>
+        </p:spPr>
+      </p:pic>
+      <p:pic>
+        <p:nvPicPr>
+          <p:cNvPr id="12" name="Picture 11" descr="A picture containing icon&#10;&#10;Description automatically generated">
+            <a:extLst>
+              <a:ext uri="{FF2B5EF4-FFF2-40B4-BE49-F238E27FC236}">
+                <a16:creationId xmlns:a16="http://schemas.microsoft.com/office/drawing/2014/main" id="{8ACC98C7-2B8E-4510-AD6F-B3DD2A7A6B58}"/>
               </a:ext>
             </a:extLst>
           </p:cNvPr>
@@ -10101,116 +10264,116 @@
           </a:stretch>
         </p:blipFill>
         <p:spPr>
+          <a:xfrm rot="5400000">
+            <a:off x="4723109" y="2784033"/>
+            <a:ext cx="914400" cy="914400"/>
+          </a:xfrm>
+          <a:prstGeom prst="rect">
+            <a:avLst/>
+          </a:prstGeom>
+        </p:spPr>
+      </p:pic>
+      <p:pic>
+        <p:nvPicPr>
+          <p:cNvPr id="13" name="Picture 12" descr="Shape&#10;&#10;Description automatically generated with medium confidence">
+            <a:extLst>
+              <a:ext uri="{FF2B5EF4-FFF2-40B4-BE49-F238E27FC236}">
+                <a16:creationId xmlns:a16="http://schemas.microsoft.com/office/drawing/2014/main" id="{099E2A2F-21DD-480E-995A-13303D29923D}"/>
+              </a:ext>
+            </a:extLst>
+          </p:cNvPr>
+          <p:cNvPicPr>
+            <a:picLocks noChangeAspect="1"/>
+          </p:cNvPicPr>
+          <p:nvPr/>
+        </p:nvPicPr>
+        <p:blipFill>
+          <a:blip r:embed="rId4">
+            <a:extLst>
+              <a:ext uri="{28A0092B-C50C-407E-A947-70E740481C1C}">
+                <a14:useLocalDpi xmlns:a14="http://schemas.microsoft.com/office/drawing/2010/main" val="0"/>
+              </a:ext>
+            </a:extLst>
+          </a:blip>
+          <a:stretch>
+            <a:fillRect/>
+          </a:stretch>
+        </p:blipFill>
+        <p:spPr>
+          <a:xfrm rot="5400000">
+            <a:off x="7475184" y="2782045"/>
+            <a:ext cx="914400" cy="914400"/>
+          </a:xfrm>
+          <a:prstGeom prst="rect">
+            <a:avLst/>
+          </a:prstGeom>
+        </p:spPr>
+      </p:pic>
+      <p:pic>
+        <p:nvPicPr>
+          <p:cNvPr id="14" name="Picture 13" descr="A black rectangle with white squares&#10;&#10;Description automatically generated with low confidence">
+            <a:extLst>
+              <a:ext uri="{FF2B5EF4-FFF2-40B4-BE49-F238E27FC236}">
+                <a16:creationId xmlns:a16="http://schemas.microsoft.com/office/drawing/2014/main" id="{33C67970-0A11-4C23-8872-9DC44B674D34}"/>
+              </a:ext>
+            </a:extLst>
+          </p:cNvPr>
+          <p:cNvPicPr>
+            <a:picLocks noChangeAspect="1"/>
+          </p:cNvPicPr>
+          <p:nvPr/>
+        </p:nvPicPr>
+        <p:blipFill>
+          <a:blip r:embed="rId6">
+            <a:extLst>
+              <a:ext uri="{28A0092B-C50C-407E-A947-70E740481C1C}">
+                <a14:useLocalDpi xmlns:a14="http://schemas.microsoft.com/office/drawing/2010/main" val="0"/>
+              </a:ext>
+            </a:extLst>
+          </a:blip>
+          <a:stretch>
+            <a:fillRect/>
+          </a:stretch>
+        </p:blipFill>
+        <p:spPr>
+          <a:xfrm>
+            <a:off x="3808709" y="2784033"/>
+            <a:ext cx="914400" cy="914400"/>
+          </a:xfrm>
+          <a:prstGeom prst="rect">
+            <a:avLst/>
+          </a:prstGeom>
+        </p:spPr>
+      </p:pic>
+      <p:pic>
+        <p:nvPicPr>
+          <p:cNvPr id="15" name="Picture 14" descr="Icon&#10;&#10;Description automatically generated with medium confidence">
+            <a:extLst>
+              <a:ext uri="{FF2B5EF4-FFF2-40B4-BE49-F238E27FC236}">
+                <a16:creationId xmlns:a16="http://schemas.microsoft.com/office/drawing/2014/main" id="{B92E3017-358A-4B96-ABD5-1E47B4AD4E82}"/>
+              </a:ext>
+            </a:extLst>
+          </p:cNvPr>
+          <p:cNvPicPr>
+            <a:picLocks noChangeAspect="1"/>
+          </p:cNvPicPr>
+          <p:nvPr/>
+        </p:nvPicPr>
+        <p:blipFill>
+          <a:blip r:embed="rId7">
+            <a:extLst>
+              <a:ext uri="{28A0092B-C50C-407E-A947-70E740481C1C}">
+                <a14:useLocalDpi xmlns:a14="http://schemas.microsoft.com/office/drawing/2010/main" val="0"/>
+              </a:ext>
+            </a:extLst>
+          </a:blip>
+          <a:stretch>
+            <a:fillRect/>
+          </a:stretch>
+        </p:blipFill>
+        <p:spPr>
           <a:xfrm rot="16200000">
-            <a:off x="6742128" y="3688298"/>
-            <a:ext cx="914400" cy="914400"/>
-          </a:xfrm>
-          <a:prstGeom prst="rect">
-            <a:avLst/>
-          </a:prstGeom>
-        </p:spPr>
-      </p:pic>
-      <p:pic>
-        <p:nvPicPr>
-          <p:cNvPr id="9" name="Picture 8" descr="A black rectangle with white squares&#10;&#10;Description automatically generated with low confidence">
-            <a:extLst>
-              <a:ext uri="{FF2B5EF4-FFF2-40B4-BE49-F238E27FC236}">
-                <a16:creationId xmlns:a16="http://schemas.microsoft.com/office/drawing/2014/main" id="{55FF70C0-6703-4FB7-9B0C-5C9E5CAE77B5}"/>
-              </a:ext>
-            </a:extLst>
-          </p:cNvPr>
-          <p:cNvPicPr>
-            <a:picLocks noChangeAspect="1"/>
-          </p:cNvPicPr>
-          <p:nvPr/>
-        </p:nvPicPr>
-        <p:blipFill>
-          <a:blip r:embed="rId6">
-            <a:extLst>
-              <a:ext uri="{28A0092B-C50C-407E-A947-70E740481C1C}">
-                <a14:useLocalDpi xmlns:a14="http://schemas.microsoft.com/office/drawing/2010/main" val="0"/>
-              </a:ext>
-            </a:extLst>
-          </a:blip>
-          <a:stretch>
-            <a:fillRect/>
-          </a:stretch>
-        </p:blipFill>
-        <p:spPr>
-          <a:xfrm>
-            <a:off x="6741113" y="928501"/>
-            <a:ext cx="914400" cy="914400"/>
-          </a:xfrm>
-          <a:prstGeom prst="rect">
-            <a:avLst/>
-          </a:prstGeom>
-        </p:spPr>
-      </p:pic>
-      <p:pic>
-        <p:nvPicPr>
-          <p:cNvPr id="10" name="Picture 9" descr="A black rectangle with white squares&#10;&#10;Description automatically generated with low confidence">
-            <a:extLst>
-              <a:ext uri="{FF2B5EF4-FFF2-40B4-BE49-F238E27FC236}">
-                <a16:creationId xmlns:a16="http://schemas.microsoft.com/office/drawing/2014/main" id="{0BC9AEAC-A395-4106-8405-27AD971434CE}"/>
-              </a:ext>
-            </a:extLst>
-          </p:cNvPr>
-          <p:cNvPicPr>
-            <a:picLocks noChangeAspect="1"/>
-          </p:cNvPicPr>
-          <p:nvPr/>
-        </p:nvPicPr>
-        <p:blipFill>
-          <a:blip r:embed="rId6">
-            <a:extLst>
-              <a:ext uri="{28A0092B-C50C-407E-A947-70E740481C1C}">
-                <a14:useLocalDpi xmlns:a14="http://schemas.microsoft.com/office/drawing/2010/main" val="0"/>
-              </a:ext>
-            </a:extLst>
-          </a:blip>
-          <a:stretch>
-            <a:fillRect/>
-          </a:stretch>
-        </p:blipFill>
-        <p:spPr>
-          <a:xfrm>
-            <a:off x="6741113" y="1899817"/>
-            <a:ext cx="914400" cy="914400"/>
-          </a:xfrm>
-          <a:prstGeom prst="rect">
-            <a:avLst/>
-          </a:prstGeom>
-        </p:spPr>
-      </p:pic>
-      <p:pic>
-        <p:nvPicPr>
-          <p:cNvPr id="11" name="Picture 10" descr="A black rectangle with white squares&#10;&#10;Description automatically generated with low confidence">
-            <a:extLst>
-              <a:ext uri="{FF2B5EF4-FFF2-40B4-BE49-F238E27FC236}">
-                <a16:creationId xmlns:a16="http://schemas.microsoft.com/office/drawing/2014/main" id="{E305E62F-BFAA-4CCE-A6F6-EE263E7EE7B3}"/>
-              </a:ext>
-            </a:extLst>
-          </p:cNvPr>
-          <p:cNvPicPr>
-            <a:picLocks noChangeAspect="1"/>
-          </p:cNvPicPr>
-          <p:nvPr/>
-        </p:nvPicPr>
-        <p:blipFill>
-          <a:blip r:embed="rId6">
-            <a:extLst>
-              <a:ext uri="{28A0092B-C50C-407E-A947-70E740481C1C}">
-                <a14:useLocalDpi xmlns:a14="http://schemas.microsoft.com/office/drawing/2010/main" val="0"/>
-              </a:ext>
-            </a:extLst>
-          </a:blip>
-          <a:stretch>
-            <a:fillRect/>
-          </a:stretch>
-        </p:blipFill>
-        <p:spPr>
-          <a:xfrm>
-            <a:off x="6741113" y="4659614"/>
+            <a:off x="8397168" y="2782045"/>
             <a:ext cx="914400" cy="914400"/>
           </a:xfrm>
           <a:prstGeom prst="rect">
@@ -10221,7 +10384,7 @@
     </p:spTree>
     <p:extLst>
       <p:ext uri="{BB962C8B-B14F-4D97-AF65-F5344CB8AC3E}">
-        <p14:creationId xmlns:p14="http://schemas.microsoft.com/office/powerpoint/2010/main" val="2231141899"/>
+        <p14:creationId xmlns:p14="http://schemas.microsoft.com/office/powerpoint/2010/main" val="213625331"/>
       </p:ext>
     </p:extLst>
   </p:cSld>
@@ -10278,6 +10441,323 @@
           <a:p>
             <a:r>
               <a:rPr lang="en-US" sz="7600" dirty="0"/>
+              <a:t>LEVEL 3 STEP 0</a:t>
+            </a:r>
+          </a:p>
+        </p:txBody>
+      </p:sp>
+      <p:pic>
+        <p:nvPicPr>
+          <p:cNvPr id="5" name="Picture 4" descr="Logo&#10;&#10;Description automatically generated">
+            <a:extLst>
+              <a:ext uri="{FF2B5EF4-FFF2-40B4-BE49-F238E27FC236}">
+                <a16:creationId xmlns:a16="http://schemas.microsoft.com/office/drawing/2014/main" id="{273450A4-8C89-4ECA-819F-4AE8B9183171}"/>
+              </a:ext>
+            </a:extLst>
+          </p:cNvPr>
+          <p:cNvPicPr>
+            <a:picLocks noChangeAspect="1"/>
+          </p:cNvPicPr>
+          <p:nvPr/>
+        </p:nvPicPr>
+        <p:blipFill>
+          <a:blip r:embed="rId2">
+            <a:extLst>
+              <a:ext uri="{28A0092B-C50C-407E-A947-70E740481C1C}">
+                <a14:useLocalDpi xmlns:a14="http://schemas.microsoft.com/office/drawing/2010/main" val="0"/>
+              </a:ext>
+            </a:extLst>
+          </a:blip>
+          <a:stretch>
+            <a:fillRect/>
+          </a:stretch>
+        </p:blipFill>
+        <p:spPr>
+          <a:xfrm>
+            <a:off x="6741113" y="968820"/>
+            <a:ext cx="914400" cy="914400"/>
+          </a:xfrm>
+          <a:prstGeom prst="rect">
+            <a:avLst/>
+          </a:prstGeom>
+        </p:spPr>
+      </p:pic>
+      <p:pic>
+        <p:nvPicPr>
+          <p:cNvPr id="6" name="Picture 5" descr="Icon&#10;&#10;Description automatically generated with medium confidence">
+            <a:extLst>
+              <a:ext uri="{FF2B5EF4-FFF2-40B4-BE49-F238E27FC236}">
+                <a16:creationId xmlns:a16="http://schemas.microsoft.com/office/drawing/2014/main" id="{9606B4E6-4BD0-4097-A9ED-2A52988534B5}"/>
+              </a:ext>
+            </a:extLst>
+          </p:cNvPr>
+          <p:cNvPicPr>
+            <a:picLocks noChangeAspect="1"/>
+          </p:cNvPicPr>
+          <p:nvPr/>
+        </p:nvPicPr>
+        <p:blipFill>
+          <a:blip r:embed="rId3">
+            <a:extLst>
+              <a:ext uri="{28A0092B-C50C-407E-A947-70E740481C1C}">
+                <a14:useLocalDpi xmlns:a14="http://schemas.microsoft.com/office/drawing/2010/main" val="0"/>
+              </a:ext>
+            </a:extLst>
+          </a:blip>
+          <a:stretch>
+            <a:fillRect/>
+          </a:stretch>
+        </p:blipFill>
+        <p:spPr>
+          <a:xfrm>
+            <a:off x="6753456" y="1940136"/>
+            <a:ext cx="914400" cy="914400"/>
+          </a:xfrm>
+          <a:prstGeom prst="rect">
+            <a:avLst/>
+          </a:prstGeom>
+        </p:spPr>
+      </p:pic>
+      <p:pic>
+        <p:nvPicPr>
+          <p:cNvPr id="7" name="Picture 6" descr="Icon&#10;&#10;Description automatically generated with medium confidence">
+            <a:extLst>
+              <a:ext uri="{FF2B5EF4-FFF2-40B4-BE49-F238E27FC236}">
+                <a16:creationId xmlns:a16="http://schemas.microsoft.com/office/drawing/2014/main" id="{9F145875-3245-4171-8643-A29BFDF6AA55}"/>
+              </a:ext>
+            </a:extLst>
+          </p:cNvPr>
+          <p:cNvPicPr>
+            <a:picLocks noChangeAspect="1"/>
+          </p:cNvPicPr>
+          <p:nvPr/>
+        </p:nvPicPr>
+        <p:blipFill>
+          <a:blip r:embed="rId4">
+            <a:extLst>
+              <a:ext uri="{28A0092B-C50C-407E-A947-70E740481C1C}">
+                <a14:useLocalDpi xmlns:a14="http://schemas.microsoft.com/office/drawing/2010/main" val="0"/>
+              </a:ext>
+            </a:extLst>
+          </a:blip>
+          <a:stretch>
+            <a:fillRect/>
+          </a:stretch>
+        </p:blipFill>
+        <p:spPr>
+          <a:xfrm rot="5400000">
+            <a:off x="6753456" y="4659614"/>
+            <a:ext cx="914400" cy="914400"/>
+          </a:xfrm>
+          <a:prstGeom prst="rect">
+            <a:avLst/>
+          </a:prstGeom>
+        </p:spPr>
+      </p:pic>
+      <p:pic>
+        <p:nvPicPr>
+          <p:cNvPr id="8" name="Picture 7" descr="Icon&#10;&#10;Description automatically generated">
+            <a:extLst>
+              <a:ext uri="{FF2B5EF4-FFF2-40B4-BE49-F238E27FC236}">
+                <a16:creationId xmlns:a16="http://schemas.microsoft.com/office/drawing/2014/main" id="{DB208B7E-EECB-4199-99F6-6B6AF07F45EC}"/>
+              </a:ext>
+            </a:extLst>
+          </p:cNvPr>
+          <p:cNvPicPr>
+            <a:picLocks noChangeAspect="1"/>
+          </p:cNvPicPr>
+          <p:nvPr/>
+        </p:nvPicPr>
+        <p:blipFill>
+          <a:blip r:embed="rId5">
+            <a:extLst>
+              <a:ext uri="{28A0092B-C50C-407E-A947-70E740481C1C}">
+                <a14:useLocalDpi xmlns:a14="http://schemas.microsoft.com/office/drawing/2010/main" val="0"/>
+              </a:ext>
+            </a:extLst>
+          </a:blip>
+          <a:stretch>
+            <a:fillRect/>
+          </a:stretch>
+        </p:blipFill>
+        <p:spPr>
+          <a:xfrm rot="16200000">
+            <a:off x="6742128" y="3688298"/>
+            <a:ext cx="914400" cy="914400"/>
+          </a:xfrm>
+          <a:prstGeom prst="rect">
+            <a:avLst/>
+          </a:prstGeom>
+        </p:spPr>
+      </p:pic>
+      <p:pic>
+        <p:nvPicPr>
+          <p:cNvPr id="9" name="Picture 8" descr="A black rectangle with white squares&#10;&#10;Description automatically generated with low confidence">
+            <a:extLst>
+              <a:ext uri="{FF2B5EF4-FFF2-40B4-BE49-F238E27FC236}">
+                <a16:creationId xmlns:a16="http://schemas.microsoft.com/office/drawing/2014/main" id="{55FF70C0-6703-4FB7-9B0C-5C9E5CAE77B5}"/>
+              </a:ext>
+            </a:extLst>
+          </p:cNvPr>
+          <p:cNvPicPr>
+            <a:picLocks noChangeAspect="1"/>
+          </p:cNvPicPr>
+          <p:nvPr/>
+        </p:nvPicPr>
+        <p:blipFill>
+          <a:blip r:embed="rId6">
+            <a:extLst>
+              <a:ext uri="{28A0092B-C50C-407E-A947-70E740481C1C}">
+                <a14:useLocalDpi xmlns:a14="http://schemas.microsoft.com/office/drawing/2010/main" val="0"/>
+              </a:ext>
+            </a:extLst>
+          </a:blip>
+          <a:stretch>
+            <a:fillRect/>
+          </a:stretch>
+        </p:blipFill>
+        <p:spPr>
+          <a:xfrm>
+            <a:off x="6741113" y="928501"/>
+            <a:ext cx="914400" cy="914400"/>
+          </a:xfrm>
+          <a:prstGeom prst="rect">
+            <a:avLst/>
+          </a:prstGeom>
+        </p:spPr>
+      </p:pic>
+      <p:pic>
+        <p:nvPicPr>
+          <p:cNvPr id="10" name="Picture 9" descr="A black rectangle with white squares&#10;&#10;Description automatically generated with low confidence">
+            <a:extLst>
+              <a:ext uri="{FF2B5EF4-FFF2-40B4-BE49-F238E27FC236}">
+                <a16:creationId xmlns:a16="http://schemas.microsoft.com/office/drawing/2014/main" id="{0BC9AEAC-A395-4106-8405-27AD971434CE}"/>
+              </a:ext>
+            </a:extLst>
+          </p:cNvPr>
+          <p:cNvPicPr>
+            <a:picLocks noChangeAspect="1"/>
+          </p:cNvPicPr>
+          <p:nvPr/>
+        </p:nvPicPr>
+        <p:blipFill>
+          <a:blip r:embed="rId6">
+            <a:extLst>
+              <a:ext uri="{28A0092B-C50C-407E-A947-70E740481C1C}">
+                <a14:useLocalDpi xmlns:a14="http://schemas.microsoft.com/office/drawing/2010/main" val="0"/>
+              </a:ext>
+            </a:extLst>
+          </a:blip>
+          <a:stretch>
+            <a:fillRect/>
+          </a:stretch>
+        </p:blipFill>
+        <p:spPr>
+          <a:xfrm>
+            <a:off x="6741113" y="1899817"/>
+            <a:ext cx="914400" cy="914400"/>
+          </a:xfrm>
+          <a:prstGeom prst="rect">
+            <a:avLst/>
+          </a:prstGeom>
+        </p:spPr>
+      </p:pic>
+      <p:pic>
+        <p:nvPicPr>
+          <p:cNvPr id="11" name="Picture 10" descr="A black rectangle with white squares&#10;&#10;Description automatically generated with low confidence">
+            <a:extLst>
+              <a:ext uri="{FF2B5EF4-FFF2-40B4-BE49-F238E27FC236}">
+                <a16:creationId xmlns:a16="http://schemas.microsoft.com/office/drawing/2014/main" id="{E305E62F-BFAA-4CCE-A6F6-EE263E7EE7B3}"/>
+              </a:ext>
+            </a:extLst>
+          </p:cNvPr>
+          <p:cNvPicPr>
+            <a:picLocks noChangeAspect="1"/>
+          </p:cNvPicPr>
+          <p:nvPr/>
+        </p:nvPicPr>
+        <p:blipFill>
+          <a:blip r:embed="rId6">
+            <a:extLst>
+              <a:ext uri="{28A0092B-C50C-407E-A947-70E740481C1C}">
+                <a14:useLocalDpi xmlns:a14="http://schemas.microsoft.com/office/drawing/2010/main" val="0"/>
+              </a:ext>
+            </a:extLst>
+          </a:blip>
+          <a:stretch>
+            <a:fillRect/>
+          </a:stretch>
+        </p:blipFill>
+        <p:spPr>
+          <a:xfrm>
+            <a:off x="6741113" y="4659614"/>
+            <a:ext cx="914400" cy="914400"/>
+          </a:xfrm>
+          <a:prstGeom prst="rect">
+            <a:avLst/>
+          </a:prstGeom>
+        </p:spPr>
+      </p:pic>
+    </p:spTree>
+    <p:extLst>
+      <p:ext uri="{BB962C8B-B14F-4D97-AF65-F5344CB8AC3E}">
+        <p14:creationId xmlns:p14="http://schemas.microsoft.com/office/powerpoint/2010/main" val="2231141899"/>
+      </p:ext>
+    </p:extLst>
+  </p:cSld>
+  <p:clrMapOvr>
+    <a:masterClrMapping/>
+  </p:clrMapOvr>
+</p:sld>
+</file>
+
+<file path=ppt/slides/slide8.xml><?xml version="1.0" encoding="utf-8"?>
+<p:sld xmlns:a="http://schemas.openxmlformats.org/drawingml/2006/main" xmlns:r="http://schemas.openxmlformats.org/officeDocument/2006/relationships" xmlns:p="http://schemas.openxmlformats.org/presentationml/2006/main">
+  <p:cSld>
+    <p:spTree>
+      <p:nvGrpSpPr>
+        <p:cNvPr id="1" name=""/>
+        <p:cNvGrpSpPr/>
+        <p:nvPr/>
+      </p:nvGrpSpPr>
+      <p:grpSpPr>
+        <a:xfrm>
+          <a:off x="0" y="0"/>
+          <a:ext cx="0" cy="0"/>
+          <a:chOff x="0" y="0"/>
+          <a:chExt cx="0" cy="0"/>
+        </a:xfrm>
+      </p:grpSpPr>
+      <p:sp>
+        <p:nvSpPr>
+          <p:cNvPr id="4" name="TextBox 3">
+            <a:extLst>
+              <a:ext uri="{FF2B5EF4-FFF2-40B4-BE49-F238E27FC236}">
+                <a16:creationId xmlns:a16="http://schemas.microsoft.com/office/drawing/2014/main" id="{329E6D37-B898-4697-9BA5-1C3206DF2C59}"/>
+              </a:ext>
+            </a:extLst>
+          </p:cNvPr>
+          <p:cNvSpPr txBox="1"/>
+          <p:nvPr/>
+        </p:nvSpPr>
+        <p:spPr>
+          <a:xfrm>
+            <a:off x="612559" y="210303"/>
+            <a:ext cx="4110361" cy="2431435"/>
+          </a:xfrm>
+          <a:prstGeom prst="rect">
+            <a:avLst/>
+          </a:prstGeom>
+          <a:noFill/>
+        </p:spPr>
+        <p:txBody>
+          <a:bodyPr wrap="square" rtlCol="0">
+            <a:spAutoFit/>
+          </a:bodyPr>
+          <a:lstStyle/>
+          <a:p>
+            <a:r>
+              <a:rPr lang="en-US" sz="7600" dirty="0"/>
               <a:t>LEVEL 3 STEP 1</a:t>
             </a:r>
           </a:p>
@@ -10548,7 +11028,7 @@
 </p:sld>
 </file>
 
-<file path=ppt/slides/slide8.xml><?xml version="1.0" encoding="utf-8"?>
+<file path=ppt/slides/slide9.xml><?xml version="1.0" encoding="utf-8"?>
 <p:sld xmlns:a="http://schemas.openxmlformats.org/drawingml/2006/main" xmlns:r="http://schemas.openxmlformats.org/officeDocument/2006/relationships" xmlns:p="http://schemas.openxmlformats.org/presentationml/2006/main">
   <p:cSld>
     <p:spTree>
@@ -10841,383 +11321,6 @@
     <p:extLst>
       <p:ext uri="{BB962C8B-B14F-4D97-AF65-F5344CB8AC3E}">
         <p14:creationId xmlns:p14="http://schemas.microsoft.com/office/powerpoint/2010/main" val="3707392743"/>
-      </p:ext>
-    </p:extLst>
-  </p:cSld>
-  <p:clrMapOvr>
-    <a:masterClrMapping/>
-  </p:clrMapOvr>
-</p:sld>
-</file>
-
-<file path=ppt/slides/slide9.xml><?xml version="1.0" encoding="utf-8"?>
-<p:sld xmlns:a="http://schemas.openxmlformats.org/drawingml/2006/main" xmlns:r="http://schemas.openxmlformats.org/officeDocument/2006/relationships" xmlns:p="http://schemas.openxmlformats.org/presentationml/2006/main">
-  <p:cSld>
-    <p:spTree>
-      <p:nvGrpSpPr>
-        <p:cNvPr id="1" name=""/>
-        <p:cNvGrpSpPr/>
-        <p:nvPr/>
-      </p:nvGrpSpPr>
-      <p:grpSpPr>
-        <a:xfrm>
-          <a:off x="0" y="0"/>
-          <a:ext cx="0" cy="0"/>
-          <a:chOff x="0" y="0"/>
-          <a:chExt cx="0" cy="0"/>
-        </a:xfrm>
-      </p:grpSpPr>
-      <p:sp>
-        <p:nvSpPr>
-          <p:cNvPr id="6" name="TextBox 5">
-            <a:extLst>
-              <a:ext uri="{FF2B5EF4-FFF2-40B4-BE49-F238E27FC236}">
-                <a16:creationId xmlns:a16="http://schemas.microsoft.com/office/drawing/2014/main" id="{FA129942-5BCC-4F60-82BF-F574107C7438}"/>
-              </a:ext>
-            </a:extLst>
-          </p:cNvPr>
-          <p:cNvSpPr txBox="1"/>
-          <p:nvPr/>
-        </p:nvSpPr>
-        <p:spPr>
-          <a:xfrm>
-            <a:off x="28931" y="291583"/>
-            <a:ext cx="3577701" cy="2708434"/>
-          </a:xfrm>
-          <a:prstGeom prst="rect">
-            <a:avLst/>
-          </a:prstGeom>
-          <a:noFill/>
-        </p:spPr>
-        <p:txBody>
-          <a:bodyPr wrap="square" rtlCol="0">
-            <a:spAutoFit/>
-          </a:bodyPr>
-          <a:lstStyle/>
-          <a:p>
-            <a:r>
-              <a:rPr lang="en-US" sz="7600" dirty="0"/>
-              <a:t>LEVEL 4 STEP 1</a:t>
-            </a:r>
-          </a:p>
-          <a:p>
-            <a:endParaRPr lang="en-US" dirty="0"/>
-          </a:p>
-        </p:txBody>
-      </p:sp>
-      <p:pic>
-        <p:nvPicPr>
-          <p:cNvPr id="7" name="Picture 6" descr="Icon&#10;&#10;Description automatically generated">
-            <a:extLst>
-              <a:ext uri="{FF2B5EF4-FFF2-40B4-BE49-F238E27FC236}">
-                <a16:creationId xmlns:a16="http://schemas.microsoft.com/office/drawing/2014/main" id="{1C1BD2C8-0BB2-4AD5-9001-BD54EAEBEFF3}"/>
-              </a:ext>
-            </a:extLst>
-          </p:cNvPr>
-          <p:cNvPicPr>
-            <a:picLocks noChangeAspect="1"/>
-          </p:cNvPicPr>
-          <p:nvPr/>
-        </p:nvPicPr>
-        <p:blipFill>
-          <a:blip r:embed="rId2">
-            <a:extLst>
-              <a:ext uri="{28A0092B-C50C-407E-A947-70E740481C1C}">
-                <a14:useLocalDpi xmlns:a14="http://schemas.microsoft.com/office/drawing/2010/main" val="0"/>
-              </a:ext>
-            </a:extLst>
-          </a:blip>
-          <a:stretch>
-            <a:fillRect/>
-          </a:stretch>
-        </p:blipFill>
-        <p:spPr>
-          <a:xfrm rot="5400000">
-            <a:off x="4938282" y="3701266"/>
-            <a:ext cx="914400" cy="914400"/>
-          </a:xfrm>
-          <a:prstGeom prst="rect">
-            <a:avLst/>
-          </a:prstGeom>
-        </p:spPr>
-      </p:pic>
-      <p:grpSp>
-        <p:nvGrpSpPr>
-          <p:cNvPr id="2" name="Group 1">
-            <a:extLst>
-              <a:ext uri="{FF2B5EF4-FFF2-40B4-BE49-F238E27FC236}">
-                <a16:creationId xmlns:a16="http://schemas.microsoft.com/office/drawing/2014/main" id="{EDF3DAFC-9347-499B-BF58-5E358A3DC8D5}"/>
-              </a:ext>
-            </a:extLst>
-          </p:cNvPr>
-          <p:cNvGrpSpPr/>
-          <p:nvPr/>
-        </p:nvGrpSpPr>
-        <p:grpSpPr>
-          <a:xfrm>
-            <a:off x="3109482" y="1887164"/>
-            <a:ext cx="914401" cy="1828800"/>
-            <a:chOff x="3109482" y="1887164"/>
-            <a:chExt cx="914401" cy="1828800"/>
-          </a:xfrm>
-        </p:grpSpPr>
-        <p:pic>
-          <p:nvPicPr>
-            <p:cNvPr id="4" name="Picture 3" descr="Logo&#10;&#10;Description automatically generated">
-              <a:extLst>
-                <a:ext uri="{FF2B5EF4-FFF2-40B4-BE49-F238E27FC236}">
-                  <a16:creationId xmlns:a16="http://schemas.microsoft.com/office/drawing/2014/main" id="{02FD1973-EB3E-49FA-AFA0-901E66E3B611}"/>
-                </a:ext>
-              </a:extLst>
-            </p:cNvPr>
-            <p:cNvPicPr>
-              <a:picLocks noChangeAspect="1"/>
-            </p:cNvPicPr>
-            <p:nvPr/>
-          </p:nvPicPr>
-          <p:blipFill>
-            <a:blip r:embed="rId3">
-              <a:extLst>
-                <a:ext uri="{28A0092B-C50C-407E-A947-70E740481C1C}">
-                  <a14:useLocalDpi xmlns:a14="http://schemas.microsoft.com/office/drawing/2010/main" val="0"/>
-                </a:ext>
-              </a:extLst>
-            </a:blip>
-            <a:stretch>
-              <a:fillRect/>
-            </a:stretch>
-          </p:blipFill>
-          <p:spPr>
-            <a:xfrm rot="10800000">
-              <a:off x="3109483" y="1887164"/>
-              <a:ext cx="914400" cy="914400"/>
-            </a:xfrm>
-            <a:prstGeom prst="rect">
-              <a:avLst/>
-            </a:prstGeom>
-          </p:spPr>
-        </p:pic>
-        <p:pic>
-          <p:nvPicPr>
-            <p:cNvPr id="9" name="Picture 8" descr="A picture containing icon&#10;&#10;Description automatically generated">
-              <a:extLst>
-                <a:ext uri="{FF2B5EF4-FFF2-40B4-BE49-F238E27FC236}">
-                  <a16:creationId xmlns:a16="http://schemas.microsoft.com/office/drawing/2014/main" id="{900D6E1A-D717-44B1-B73F-EA90BD300D51}"/>
-                </a:ext>
-              </a:extLst>
-            </p:cNvPr>
-            <p:cNvPicPr>
-              <a:picLocks noChangeAspect="1"/>
-            </p:cNvPicPr>
-            <p:nvPr/>
-          </p:nvPicPr>
-          <p:blipFill>
-            <a:blip r:embed="rId4">
-              <a:extLst>
-                <a:ext uri="{28A0092B-C50C-407E-A947-70E740481C1C}">
-                  <a14:useLocalDpi xmlns:a14="http://schemas.microsoft.com/office/drawing/2010/main" val="0"/>
-                </a:ext>
-              </a:extLst>
-            </a:blip>
-            <a:stretch>
-              <a:fillRect/>
-            </a:stretch>
-          </p:blipFill>
-          <p:spPr>
-            <a:xfrm>
-              <a:off x="3109482" y="2801564"/>
-              <a:ext cx="914400" cy="914400"/>
-            </a:xfrm>
-            <a:prstGeom prst="rect">
-              <a:avLst/>
-            </a:prstGeom>
-          </p:spPr>
-        </p:pic>
-        <p:pic>
-          <p:nvPicPr>
-            <p:cNvPr id="11" name="Picture 10" descr="A black rectangle with white squares&#10;&#10;Description automatically generated with low confidence">
-              <a:extLst>
-                <a:ext uri="{FF2B5EF4-FFF2-40B4-BE49-F238E27FC236}">
-                  <a16:creationId xmlns:a16="http://schemas.microsoft.com/office/drawing/2014/main" id="{4F5CE8D1-20E8-44AC-9356-452105D810C4}"/>
-                </a:ext>
-              </a:extLst>
-            </p:cNvPr>
-            <p:cNvPicPr>
-              <a:picLocks noChangeAspect="1"/>
-            </p:cNvPicPr>
-            <p:nvPr/>
-          </p:nvPicPr>
-          <p:blipFill>
-            <a:blip r:embed="rId5">
-              <a:extLst>
-                <a:ext uri="{28A0092B-C50C-407E-A947-70E740481C1C}">
-                  <a14:useLocalDpi xmlns:a14="http://schemas.microsoft.com/office/drawing/2010/main" val="0"/>
-                </a:ext>
-              </a:extLst>
-            </a:blip>
-            <a:stretch>
-              <a:fillRect/>
-            </a:stretch>
-          </p:blipFill>
-          <p:spPr>
-            <a:xfrm>
-              <a:off x="3109482" y="1955590"/>
-              <a:ext cx="914400" cy="914400"/>
-            </a:xfrm>
-            <a:prstGeom prst="rect">
-              <a:avLst/>
-            </a:prstGeom>
-          </p:spPr>
-        </p:pic>
-      </p:grpSp>
-      <p:pic>
-        <p:nvPicPr>
-          <p:cNvPr id="12" name="Picture 11" descr="Icon&#10;&#10;Description automatically generated with medium confidence">
-            <a:extLst>
-              <a:ext uri="{FF2B5EF4-FFF2-40B4-BE49-F238E27FC236}">
-                <a16:creationId xmlns:a16="http://schemas.microsoft.com/office/drawing/2014/main" id="{107678A9-46AE-4F74-B9B7-42DBD447D98A}"/>
-              </a:ext>
-            </a:extLst>
-          </p:cNvPr>
-          <p:cNvPicPr>
-            <a:picLocks noChangeAspect="1"/>
-          </p:cNvPicPr>
-          <p:nvPr/>
-        </p:nvPicPr>
-        <p:blipFill>
-          <a:blip r:embed="rId6">
-            <a:extLst>
-              <a:ext uri="{28A0092B-C50C-407E-A947-70E740481C1C}">
-                <a14:useLocalDpi xmlns:a14="http://schemas.microsoft.com/office/drawing/2010/main" val="0"/>
-              </a:ext>
-            </a:extLst>
-          </a:blip>
-          <a:stretch>
-            <a:fillRect/>
-          </a:stretch>
-        </p:blipFill>
-        <p:spPr>
-          <a:xfrm rot="16200000">
-            <a:off x="6767082" y="3690249"/>
-            <a:ext cx="914400" cy="914400"/>
-          </a:xfrm>
-          <a:prstGeom prst="rect">
-            <a:avLst/>
-          </a:prstGeom>
-        </p:spPr>
-      </p:pic>
-      <p:pic>
-        <p:nvPicPr>
-          <p:cNvPr id="13" name="Picture 12" descr="Icon&#10;&#10;Description automatically generated">
-            <a:extLst>
-              <a:ext uri="{FF2B5EF4-FFF2-40B4-BE49-F238E27FC236}">
-                <a16:creationId xmlns:a16="http://schemas.microsoft.com/office/drawing/2014/main" id="{E7A72BED-48CD-4773-B89E-816AFA39D3C6}"/>
-              </a:ext>
-            </a:extLst>
-          </p:cNvPr>
-          <p:cNvPicPr>
-            <a:picLocks noChangeAspect="1"/>
-          </p:cNvPicPr>
-          <p:nvPr/>
-        </p:nvPicPr>
-        <p:blipFill>
-          <a:blip r:embed="rId7">
-            <a:extLst>
-              <a:ext uri="{28A0092B-C50C-407E-A947-70E740481C1C}">
-                <a14:useLocalDpi xmlns:a14="http://schemas.microsoft.com/office/drawing/2010/main" val="0"/>
-              </a:ext>
-            </a:extLst>
-          </a:blip>
-          <a:stretch>
-            <a:fillRect/>
-          </a:stretch>
-        </p:blipFill>
-        <p:spPr>
-          <a:xfrm>
-            <a:off x="3109482" y="3715964"/>
-            <a:ext cx="914400" cy="914400"/>
-          </a:xfrm>
-          <a:prstGeom prst="rect">
-            <a:avLst/>
-          </a:prstGeom>
-        </p:spPr>
-      </p:pic>
-      <p:pic>
-        <p:nvPicPr>
-          <p:cNvPr id="10" name="Picture 9" descr="Shape&#10;&#10;Description automatically generated with medium confidence">
-            <a:extLst>
-              <a:ext uri="{FF2B5EF4-FFF2-40B4-BE49-F238E27FC236}">
-                <a16:creationId xmlns:a16="http://schemas.microsoft.com/office/drawing/2014/main" id="{34290206-9EFD-48E7-B1B2-D88C74D7E6C7}"/>
-              </a:ext>
-            </a:extLst>
-          </p:cNvPr>
-          <p:cNvPicPr>
-            <a:picLocks noChangeAspect="1"/>
-          </p:cNvPicPr>
-          <p:nvPr/>
-        </p:nvPicPr>
-        <p:blipFill>
-          <a:blip r:embed="rId8">
-            <a:extLst>
-              <a:ext uri="{28A0092B-C50C-407E-A947-70E740481C1C}">
-                <a14:useLocalDpi xmlns:a14="http://schemas.microsoft.com/office/drawing/2010/main" val="0"/>
-              </a:ext>
-            </a:extLst>
-          </a:blip>
-          <a:stretch>
-            <a:fillRect/>
-          </a:stretch>
-        </p:blipFill>
-        <p:spPr>
-          <a:xfrm rot="5400000">
-            <a:off x="4023882" y="3701266"/>
-            <a:ext cx="914400" cy="914400"/>
-          </a:xfrm>
-          <a:prstGeom prst="rect">
-            <a:avLst/>
-          </a:prstGeom>
-        </p:spPr>
-      </p:pic>
-      <p:pic>
-        <p:nvPicPr>
-          <p:cNvPr id="14" name="Picture 13" descr="Shape&#10;&#10;Description automatically generated with medium confidence">
-            <a:extLst>
-              <a:ext uri="{FF2B5EF4-FFF2-40B4-BE49-F238E27FC236}">
-                <a16:creationId xmlns:a16="http://schemas.microsoft.com/office/drawing/2014/main" id="{FADC6DD9-171B-4B02-8002-134204C06F15}"/>
-              </a:ext>
-            </a:extLst>
-          </p:cNvPr>
-          <p:cNvPicPr>
-            <a:picLocks noChangeAspect="1"/>
-          </p:cNvPicPr>
-          <p:nvPr/>
-        </p:nvPicPr>
-        <p:blipFill>
-          <a:blip r:embed="rId8">
-            <a:extLst>
-              <a:ext uri="{28A0092B-C50C-407E-A947-70E740481C1C}">
-                <a14:useLocalDpi xmlns:a14="http://schemas.microsoft.com/office/drawing/2010/main" val="0"/>
-              </a:ext>
-            </a:extLst>
-          </a:blip>
-          <a:stretch>
-            <a:fillRect/>
-          </a:stretch>
-        </p:blipFill>
-        <p:spPr>
-          <a:xfrm rot="5400000">
-            <a:off x="5862962" y="3701266"/>
-            <a:ext cx="914400" cy="914400"/>
-          </a:xfrm>
-          <a:prstGeom prst="rect">
-            <a:avLst/>
-          </a:prstGeom>
-        </p:spPr>
-      </p:pic>
-    </p:spTree>
-    <p:extLst>
-      <p:ext uri="{BB962C8B-B14F-4D97-AF65-F5344CB8AC3E}">
-        <p14:creationId xmlns:p14="http://schemas.microsoft.com/office/powerpoint/2010/main" val="2605884520"/>
       </p:ext>
     </p:extLst>
   </p:cSld>
